--- a/ESP32/T-HMI/shadow_buttons.pptx
+++ b/ESP32/T-HMI/shadow_buttons.pptx
@@ -241,7 +241,7 @@
           <a:p>
             <a:fld id="{EF30BD5C-3066-8345-81E7-CFA18801ABFB}" type="datetimeFigureOut">
               <a:rPr lang="en-US"/>
-              <a:t>9/29/24</a:t>
+              <a:t>9/30/24</a:t>
             </a:fld>
             <a:endParaRPr lang="en-US"/>
           </a:p>
@@ -409,7 +409,7 @@
           <a:p>
             <a:fld id="{EF30BD5C-3066-8345-81E7-CFA18801ABFB}" type="datetimeFigureOut">
               <a:rPr lang="en-US"/>
-              <a:t>9/29/24</a:t>
+              <a:t>9/30/24</a:t>
             </a:fld>
             <a:endParaRPr lang="en-US"/>
           </a:p>
@@ -587,7 +587,7 @@
           <a:p>
             <a:fld id="{EF30BD5C-3066-8345-81E7-CFA18801ABFB}" type="datetimeFigureOut">
               <a:rPr lang="en-US"/>
-              <a:t>9/29/24</a:t>
+              <a:t>9/30/24</a:t>
             </a:fld>
             <a:endParaRPr lang="en-US"/>
           </a:p>
@@ -755,7 +755,7 @@
           <a:p>
             <a:fld id="{EF30BD5C-3066-8345-81E7-CFA18801ABFB}" type="datetimeFigureOut">
               <a:rPr lang="en-US"/>
-              <a:t>9/29/24</a:t>
+              <a:t>9/30/24</a:t>
             </a:fld>
             <a:endParaRPr lang="en-US"/>
           </a:p>
@@ -1000,7 +1000,7 @@
           <a:p>
             <a:fld id="{EF30BD5C-3066-8345-81E7-CFA18801ABFB}" type="datetimeFigureOut">
               <a:rPr lang="en-US"/>
-              <a:t>9/29/24</a:t>
+              <a:t>9/30/24</a:t>
             </a:fld>
             <a:endParaRPr lang="en-US"/>
           </a:p>
@@ -1229,7 +1229,7 @@
           <a:p>
             <a:fld id="{EF30BD5C-3066-8345-81E7-CFA18801ABFB}" type="datetimeFigureOut">
               <a:rPr lang="en-US"/>
-              <a:t>9/29/24</a:t>
+              <a:t>9/30/24</a:t>
             </a:fld>
             <a:endParaRPr lang="en-US"/>
           </a:p>
@@ -1593,7 +1593,7 @@
           <a:p>
             <a:fld id="{EF30BD5C-3066-8345-81E7-CFA18801ABFB}" type="datetimeFigureOut">
               <a:rPr lang="en-US"/>
-              <a:t>9/29/24</a:t>
+              <a:t>9/30/24</a:t>
             </a:fld>
             <a:endParaRPr lang="en-US"/>
           </a:p>
@@ -1710,7 +1710,7 @@
           <a:p>
             <a:fld id="{EF30BD5C-3066-8345-81E7-CFA18801ABFB}" type="datetimeFigureOut">
               <a:rPr lang="en-US"/>
-              <a:t>9/29/24</a:t>
+              <a:t>9/30/24</a:t>
             </a:fld>
             <a:endParaRPr lang="en-US"/>
           </a:p>
@@ -1805,7 +1805,7 @@
           <a:p>
             <a:fld id="{EF30BD5C-3066-8345-81E7-CFA18801ABFB}" type="datetimeFigureOut">
               <a:rPr lang="en-US"/>
-              <a:t>9/29/24</a:t>
+              <a:t>9/30/24</a:t>
             </a:fld>
             <a:endParaRPr lang="en-US"/>
           </a:p>
@@ -2080,7 +2080,7 @@
           <a:p>
             <a:fld id="{EF30BD5C-3066-8345-81E7-CFA18801ABFB}" type="datetimeFigureOut">
               <a:rPr lang="en-US"/>
-              <a:t>9/29/24</a:t>
+              <a:t>9/30/24</a:t>
             </a:fld>
             <a:endParaRPr lang="en-US"/>
           </a:p>
@@ -2335,7 +2335,7 @@
           <a:p>
             <a:fld id="{EF30BD5C-3066-8345-81E7-CFA18801ABFB}" type="datetimeFigureOut">
               <a:rPr lang="en-US"/>
-              <a:t>9/29/24</a:t>
+              <a:t>9/30/24</a:t>
             </a:fld>
             <a:endParaRPr lang="en-US"/>
           </a:p>
@@ -2546,7 +2546,7 @@
           <a:p>
             <a:fld id="{EF30BD5C-3066-8345-81E7-CFA18801ABFB}" type="datetimeFigureOut">
               <a:rPr lang="en-US"/>
-              <a:t>9/29/24</a:t>
+              <a:t>9/30/24</a:t>
             </a:fld>
             <a:endParaRPr lang="en-US"/>
           </a:p>
@@ -3111,10 +3111,8 @@
                 </a:schemeClr>
               </a:gs>
             </a:gsLst>
-            <a:path path="circle">
-              <a:fillToRect l="100000" t="100000"/>
-            </a:path>
-            <a:tileRect r="-100000" b="-100000"/>
+            <a:lin ang="2700000" scaled="1"/>
+            <a:tileRect/>
           </a:gradFill>
           <a:ln w="76200">
             <a:noFill/>
@@ -3179,7 +3177,7 @@
         </p:nvSpPr>
         <p:spPr>
           <a:xfrm>
-            <a:off x="877113" y="515587"/>
+            <a:off x="1612883" y="1268158"/>
             <a:ext cx="1035220" cy="584775"/>
           </a:xfrm>
           <a:prstGeom prst="rect">
@@ -3203,6 +3201,53 @@
                 <a:cs typeface="Krungthep" panose="02000400000000000000" pitchFamily="2" charset="-34"/>
               </a:rPr>
               <a:t>LOG</a:t>
+            </a:r>
+          </a:p>
+        </p:txBody>
+      </p:sp>
+      <p:sp>
+        <p:nvSpPr>
+          <p:cNvPr id="3" name="TextBox 2">
+            <a:extLst>
+              <a:ext uri="{FF2B5EF4-FFF2-40B4-BE49-F238E27FC236}">
+                <a16:creationId xmlns:a16="http://schemas.microsoft.com/office/drawing/2014/main" id="{B60EDDB3-52FE-368E-55D0-31837BB21729}"/>
+              </a:ext>
+            </a:extLst>
+          </p:cNvPr>
+          <p:cNvSpPr txBox="1"/>
+          <p:nvPr/>
+        </p:nvSpPr>
+        <p:spPr>
+          <a:xfrm>
+            <a:off x="4064794" y="1268158"/>
+            <a:ext cx="3699033" cy="1200329"/>
+          </a:xfrm>
+          <a:prstGeom prst="rect">
+            <a:avLst/>
+          </a:prstGeom>
+          <a:noFill/>
+        </p:spPr>
+        <p:txBody>
+          <a:bodyPr wrap="square" rtlCol="0">
+            <a:spAutoFit/>
+          </a:bodyPr>
+          <a:lstStyle/>
+          <a:p>
+            <a:r>
+              <a:rPr lang="en-US"/>
+              <a:t>Change the outer ring to green</a:t>
+            </a:r>
+          </a:p>
+          <a:p>
+            <a:r>
+              <a:rPr lang="en-US"/>
+              <a:t>Central shape – toggle gradient fill from linear to rectangular </a:t>
+            </a:r>
+          </a:p>
+          <a:p>
+            <a:r>
+              <a:rPr lang="en-US"/>
+              <a:t>Export png to 720 / 450</a:t>
             </a:r>
           </a:p>
         </p:txBody>

--- a/ESP32/T-HMI/shadow_buttons.pptx
+++ b/ESP32/T-HMI/shadow_buttons.pptx
@@ -241,7 +241,7 @@
           <a:p>
             <a:fld id="{EF30BD5C-3066-8345-81E7-CFA18801ABFB}" type="datetimeFigureOut">
               <a:rPr lang="en-US"/>
-              <a:t>9/30/24</a:t>
+              <a:t>10/2/24</a:t>
             </a:fld>
             <a:endParaRPr lang="en-US"/>
           </a:p>
@@ -409,7 +409,7 @@
           <a:p>
             <a:fld id="{EF30BD5C-3066-8345-81E7-CFA18801ABFB}" type="datetimeFigureOut">
               <a:rPr lang="en-US"/>
-              <a:t>9/30/24</a:t>
+              <a:t>10/2/24</a:t>
             </a:fld>
             <a:endParaRPr lang="en-US"/>
           </a:p>
@@ -587,7 +587,7 @@
           <a:p>
             <a:fld id="{EF30BD5C-3066-8345-81E7-CFA18801ABFB}" type="datetimeFigureOut">
               <a:rPr lang="en-US"/>
-              <a:t>9/30/24</a:t>
+              <a:t>10/2/24</a:t>
             </a:fld>
             <a:endParaRPr lang="en-US"/>
           </a:p>
@@ -755,7 +755,7 @@
           <a:p>
             <a:fld id="{EF30BD5C-3066-8345-81E7-CFA18801ABFB}" type="datetimeFigureOut">
               <a:rPr lang="en-US"/>
-              <a:t>9/30/24</a:t>
+              <a:t>10/2/24</a:t>
             </a:fld>
             <a:endParaRPr lang="en-US"/>
           </a:p>
@@ -1000,7 +1000,7 @@
           <a:p>
             <a:fld id="{EF30BD5C-3066-8345-81E7-CFA18801ABFB}" type="datetimeFigureOut">
               <a:rPr lang="en-US"/>
-              <a:t>9/30/24</a:t>
+              <a:t>10/2/24</a:t>
             </a:fld>
             <a:endParaRPr lang="en-US"/>
           </a:p>
@@ -1229,7 +1229,7 @@
           <a:p>
             <a:fld id="{EF30BD5C-3066-8345-81E7-CFA18801ABFB}" type="datetimeFigureOut">
               <a:rPr lang="en-US"/>
-              <a:t>9/30/24</a:t>
+              <a:t>10/2/24</a:t>
             </a:fld>
             <a:endParaRPr lang="en-US"/>
           </a:p>
@@ -1593,7 +1593,7 @@
           <a:p>
             <a:fld id="{EF30BD5C-3066-8345-81E7-CFA18801ABFB}" type="datetimeFigureOut">
               <a:rPr lang="en-US"/>
-              <a:t>9/30/24</a:t>
+              <a:t>10/2/24</a:t>
             </a:fld>
             <a:endParaRPr lang="en-US"/>
           </a:p>
@@ -1710,7 +1710,7 @@
           <a:p>
             <a:fld id="{EF30BD5C-3066-8345-81E7-CFA18801ABFB}" type="datetimeFigureOut">
               <a:rPr lang="en-US"/>
-              <a:t>9/30/24</a:t>
+              <a:t>10/2/24</a:t>
             </a:fld>
             <a:endParaRPr lang="en-US"/>
           </a:p>
@@ -1805,7 +1805,7 @@
           <a:p>
             <a:fld id="{EF30BD5C-3066-8345-81E7-CFA18801ABFB}" type="datetimeFigureOut">
               <a:rPr lang="en-US"/>
-              <a:t>9/30/24</a:t>
+              <a:t>10/2/24</a:t>
             </a:fld>
             <a:endParaRPr lang="en-US"/>
           </a:p>
@@ -2080,7 +2080,7 @@
           <a:p>
             <a:fld id="{EF30BD5C-3066-8345-81E7-CFA18801ABFB}" type="datetimeFigureOut">
               <a:rPr lang="en-US"/>
-              <a:t>9/30/24</a:t>
+              <a:t>10/2/24</a:t>
             </a:fld>
             <a:endParaRPr lang="en-US"/>
           </a:p>
@@ -2335,7 +2335,7 @@
           <a:p>
             <a:fld id="{EF30BD5C-3066-8345-81E7-CFA18801ABFB}" type="datetimeFigureOut">
               <a:rPr lang="en-US"/>
-              <a:t>9/30/24</a:t>
+              <a:t>10/2/24</a:t>
             </a:fld>
             <a:endParaRPr lang="en-US"/>
           </a:p>
@@ -2546,7 +2546,7 @@
           <a:p>
             <a:fld id="{EF30BD5C-3066-8345-81E7-CFA18801ABFB}" type="datetimeFigureOut">
               <a:rPr lang="en-US"/>
-              <a:t>9/30/24</a:t>
+              <a:t>10/2/24</a:t>
             </a:fld>
             <a:endParaRPr lang="en-US"/>
           </a:p>
@@ -2953,6 +2953,177 @@
       </p:grpSpPr>
       <p:sp>
         <p:nvSpPr>
+          <p:cNvPr id="16" name="Rectangle 15">
+            <a:extLst>
+              <a:ext uri="{FF2B5EF4-FFF2-40B4-BE49-F238E27FC236}">
+                <a16:creationId xmlns:a16="http://schemas.microsoft.com/office/drawing/2014/main" id="{F386278B-1827-E749-2B12-E15A031637BE}"/>
+              </a:ext>
+            </a:extLst>
+          </p:cNvPr>
+          <p:cNvSpPr/>
+          <p:nvPr/>
+        </p:nvSpPr>
+        <p:spPr>
+          <a:xfrm>
+            <a:off x="3656865" y="3144009"/>
+            <a:ext cx="631595" cy="791851"/>
+          </a:xfrm>
+          <a:prstGeom prst="rect">
+            <a:avLst/>
+          </a:prstGeom>
+          <a:solidFill>
+            <a:schemeClr val="tx1">
+              <a:lumMod val="75000"/>
+              <a:lumOff val="25000"/>
+            </a:schemeClr>
+          </a:solidFill>
+          <a:scene3d>
+            <a:camera prst="orthographicFront"/>
+            <a:lightRig rig="balanced" dir="t"/>
+          </a:scene3d>
+          <a:sp3d extrusionH="57150" contourW="44450">
+            <a:bevelT prst="relaxedInset"/>
+            <a:bevelB/>
+          </a:sp3d>
+        </p:spPr>
+        <p:style>
+          <a:lnRef idx="2">
+            <a:schemeClr val="accent1">
+              <a:shade val="15000"/>
+            </a:schemeClr>
+          </a:lnRef>
+          <a:fillRef idx="1">
+            <a:schemeClr val="accent1"/>
+          </a:fillRef>
+          <a:effectRef idx="0">
+            <a:schemeClr val="accent1"/>
+          </a:effectRef>
+          <a:fontRef idx="minor">
+            <a:schemeClr val="lt1"/>
+          </a:fontRef>
+        </p:style>
+        <p:txBody>
+          <a:bodyPr rtlCol="0" anchor="ctr"/>
+          <a:lstStyle/>
+          <a:p>
+            <a:pPr algn="ctr"/>
+            <a:endParaRPr lang="en-US"/>
+          </a:p>
+        </p:txBody>
+      </p:sp>
+      <p:sp>
+        <p:nvSpPr>
+          <p:cNvPr id="12" name="Rectangle 11">
+            <a:extLst>
+              <a:ext uri="{FF2B5EF4-FFF2-40B4-BE49-F238E27FC236}">
+                <a16:creationId xmlns:a16="http://schemas.microsoft.com/office/drawing/2014/main" id="{D72D3A77-D9DE-BC13-F646-60CD251EF7F5}"/>
+              </a:ext>
+            </a:extLst>
+          </p:cNvPr>
+          <p:cNvSpPr/>
+          <p:nvPr/>
+        </p:nvSpPr>
+        <p:spPr>
+          <a:xfrm>
+            <a:off x="3147289" y="2840418"/>
+            <a:ext cx="2282342" cy="1399032"/>
+          </a:xfrm>
+          <a:prstGeom prst="rect">
+            <a:avLst/>
+          </a:prstGeom>
+          <a:solidFill>
+            <a:srgbClr val="3D3F4A"/>
+          </a:solidFill>
+        </p:spPr>
+        <p:style>
+          <a:lnRef idx="2">
+            <a:schemeClr val="accent1">
+              <a:shade val="15000"/>
+            </a:schemeClr>
+          </a:lnRef>
+          <a:fillRef idx="1">
+            <a:schemeClr val="accent1"/>
+          </a:fillRef>
+          <a:effectRef idx="0">
+            <a:schemeClr val="accent1"/>
+          </a:effectRef>
+          <a:fontRef idx="minor">
+            <a:schemeClr val="lt1"/>
+          </a:fontRef>
+        </p:style>
+        <p:txBody>
+          <a:bodyPr rtlCol="0" anchor="ctr"/>
+          <a:lstStyle/>
+          <a:p>
+            <a:pPr algn="ctr"/>
+            <a:endParaRPr lang="en-US" sz="400"/>
+          </a:p>
+        </p:txBody>
+      </p:sp>
+      <p:sp>
+        <p:nvSpPr>
+          <p:cNvPr id="15" name="Rectangle 14">
+            <a:extLst>
+              <a:ext uri="{FF2B5EF4-FFF2-40B4-BE49-F238E27FC236}">
+                <a16:creationId xmlns:a16="http://schemas.microsoft.com/office/drawing/2014/main" id="{077BC6B0-E5C2-F4E2-9436-55B3EDFFCE6D}"/>
+              </a:ext>
+            </a:extLst>
+          </p:cNvPr>
+          <p:cNvSpPr/>
+          <p:nvPr/>
+        </p:nvSpPr>
+        <p:spPr>
+          <a:xfrm>
+            <a:off x="3299480" y="3040275"/>
+            <a:ext cx="631595" cy="791851"/>
+          </a:xfrm>
+          <a:prstGeom prst="rect">
+            <a:avLst/>
+          </a:prstGeom>
+          <a:solidFill>
+            <a:srgbClr val="50FF7D"/>
+          </a:solidFill>
+          <a:ln w="25400">
+            <a:solidFill>
+              <a:srgbClr val="3D3F4A"/>
+            </a:solidFill>
+          </a:ln>
+          <a:scene3d>
+            <a:camera prst="orthographicFront"/>
+            <a:lightRig rig="balanced" dir="t"/>
+          </a:scene3d>
+          <a:sp3d extrusionH="57150" contourW="44450">
+            <a:bevelT prst="relaxedInset"/>
+            <a:bevelB/>
+          </a:sp3d>
+        </p:spPr>
+        <p:style>
+          <a:lnRef idx="2">
+            <a:schemeClr val="accent1">
+              <a:shade val="15000"/>
+            </a:schemeClr>
+          </a:lnRef>
+          <a:fillRef idx="1">
+            <a:schemeClr val="accent1"/>
+          </a:fillRef>
+          <a:effectRef idx="0">
+            <a:schemeClr val="accent1"/>
+          </a:effectRef>
+          <a:fontRef idx="minor">
+            <a:schemeClr val="lt1"/>
+          </a:fontRef>
+        </p:style>
+        <p:txBody>
+          <a:bodyPr rtlCol="0" anchor="ctr"/>
+          <a:lstStyle/>
+          <a:p>
+            <a:pPr algn="ctr"/>
+            <a:endParaRPr lang="en-US"/>
+          </a:p>
+        </p:txBody>
+      </p:sp>
+      <p:sp>
+        <p:nvSpPr>
           <p:cNvPr id="4" name="Rectangle 3">
             <a:extLst>
               <a:ext uri="{FF2B5EF4-FFF2-40B4-BE49-F238E27FC236}">
@@ -3028,10 +3199,7 @@
           </a:solidFill>
           <a:ln w="69850">
             <a:solidFill>
-              <a:schemeClr val="tx1">
-                <a:lumMod val="50000"/>
-                <a:lumOff val="50000"/>
-              </a:schemeClr>
+              <a:srgbClr val="50FF7D"/>
             </a:solidFill>
           </a:ln>
           <a:effectLst>
@@ -3252,6 +3420,4153 @@
           </a:p>
         </p:txBody>
       </p:sp>
+      <p:sp>
+        <p:nvSpPr>
+          <p:cNvPr id="6" name="Rounded Rectangle 5">
+            <a:extLst>
+              <a:ext uri="{FF2B5EF4-FFF2-40B4-BE49-F238E27FC236}">
+                <a16:creationId xmlns:a16="http://schemas.microsoft.com/office/drawing/2014/main" id="{0B6AC434-BB8B-4C3F-4F43-8E8E77C48E0F}"/>
+              </a:ext>
+            </a:extLst>
+          </p:cNvPr>
+          <p:cNvSpPr/>
+          <p:nvPr/>
+        </p:nvSpPr>
+        <p:spPr>
+          <a:xfrm>
+            <a:off x="3377564" y="3114001"/>
+            <a:ext cx="83176" cy="644400"/>
+          </a:xfrm>
+          <a:prstGeom prst="roundRect">
+            <a:avLst/>
+          </a:prstGeom>
+          <a:solidFill>
+            <a:schemeClr val="bg1"/>
+          </a:solidFill>
+          <a:ln w="0"/>
+          <a:scene3d>
+            <a:camera prst="orthographicFront"/>
+            <a:lightRig rig="threePt" dir="t"/>
+          </a:scene3d>
+          <a:sp3d>
+            <a:bevelT/>
+          </a:sp3d>
+        </p:spPr>
+        <p:style>
+          <a:lnRef idx="2">
+            <a:schemeClr val="accent1">
+              <a:shade val="15000"/>
+            </a:schemeClr>
+          </a:lnRef>
+          <a:fillRef idx="1">
+            <a:schemeClr val="accent1"/>
+          </a:fillRef>
+          <a:effectRef idx="0">
+            <a:schemeClr val="accent1"/>
+          </a:effectRef>
+          <a:fontRef idx="minor">
+            <a:schemeClr val="lt1"/>
+          </a:fontRef>
+        </p:style>
+        <p:txBody>
+          <a:bodyPr rtlCol="0" anchor="ctr"/>
+          <a:lstStyle/>
+          <a:p>
+            <a:pPr algn="ctr"/>
+            <a:endParaRPr lang="en-US"/>
+          </a:p>
+        </p:txBody>
+      </p:sp>
+      <p:sp>
+        <p:nvSpPr>
+          <p:cNvPr id="5" name="Rounded Rectangle 4">
+            <a:extLst>
+              <a:ext uri="{FF2B5EF4-FFF2-40B4-BE49-F238E27FC236}">
+                <a16:creationId xmlns:a16="http://schemas.microsoft.com/office/drawing/2014/main" id="{8CF1D3E5-8BF9-8D2D-7F40-3CCEBC47F259}"/>
+              </a:ext>
+            </a:extLst>
+          </p:cNvPr>
+          <p:cNvSpPr/>
+          <p:nvPr/>
+        </p:nvSpPr>
+        <p:spPr>
+          <a:xfrm>
+            <a:off x="3339818" y="3494966"/>
+            <a:ext cx="158668" cy="89938"/>
+          </a:xfrm>
+          <a:prstGeom prst="roundRect">
+            <a:avLst/>
+          </a:prstGeom>
+          <a:gradFill>
+            <a:gsLst>
+              <a:gs pos="32000">
+                <a:schemeClr val="tx1">
+                  <a:lumMod val="85000"/>
+                  <a:lumOff val="15000"/>
+                </a:schemeClr>
+              </a:gs>
+              <a:gs pos="100000">
+                <a:schemeClr val="tx1">
+                  <a:lumMod val="65000"/>
+                  <a:lumOff val="35000"/>
+                  <a:tint val="44500"/>
+                  <a:satMod val="160000"/>
+                </a:schemeClr>
+              </a:gs>
+              <a:gs pos="57000">
+                <a:schemeClr val="tx1">
+                  <a:lumMod val="65000"/>
+                  <a:lumOff val="35000"/>
+                </a:schemeClr>
+              </a:gs>
+            </a:gsLst>
+            <a:path path="rect">
+              <a:fillToRect l="100000" t="100000"/>
+            </a:path>
+          </a:gradFill>
+          <a:ln w="3175"/>
+          <a:scene3d>
+            <a:camera prst="orthographicFront"/>
+            <a:lightRig rig="threePt" dir="t"/>
+          </a:scene3d>
+          <a:sp3d>
+            <a:bevelT/>
+          </a:sp3d>
+        </p:spPr>
+        <p:style>
+          <a:lnRef idx="2">
+            <a:schemeClr val="accent1">
+              <a:shade val="15000"/>
+            </a:schemeClr>
+          </a:lnRef>
+          <a:fillRef idx="1">
+            <a:schemeClr val="accent1"/>
+          </a:fillRef>
+          <a:effectRef idx="0">
+            <a:schemeClr val="accent1"/>
+          </a:effectRef>
+          <a:fontRef idx="minor">
+            <a:schemeClr val="lt1"/>
+          </a:fontRef>
+        </p:style>
+        <p:txBody>
+          <a:bodyPr rtlCol="0" anchor="ctr"/>
+          <a:lstStyle/>
+          <a:p>
+            <a:pPr algn="ctr"/>
+            <a:endParaRPr lang="en-US"/>
+          </a:p>
+        </p:txBody>
+      </p:sp>
+      <p:sp>
+        <p:nvSpPr>
+          <p:cNvPr id="13" name="Rounded Rectangle 12">
+            <a:extLst>
+              <a:ext uri="{FF2B5EF4-FFF2-40B4-BE49-F238E27FC236}">
+                <a16:creationId xmlns:a16="http://schemas.microsoft.com/office/drawing/2014/main" id="{5D636AB9-19D0-CEC0-C5D2-A81578CDFAE8}"/>
+              </a:ext>
+            </a:extLst>
+          </p:cNvPr>
+          <p:cNvSpPr/>
+          <p:nvPr/>
+        </p:nvSpPr>
+        <p:spPr>
+          <a:xfrm>
+            <a:off x="3573689" y="3114001"/>
+            <a:ext cx="83176" cy="644400"/>
+          </a:xfrm>
+          <a:prstGeom prst="roundRect">
+            <a:avLst/>
+          </a:prstGeom>
+          <a:solidFill>
+            <a:schemeClr val="bg1"/>
+          </a:solidFill>
+          <a:ln w="0"/>
+          <a:scene3d>
+            <a:camera prst="orthographicFront"/>
+            <a:lightRig rig="threePt" dir="t"/>
+          </a:scene3d>
+          <a:sp3d>
+            <a:bevelT/>
+          </a:sp3d>
+        </p:spPr>
+        <p:style>
+          <a:lnRef idx="2">
+            <a:schemeClr val="accent1">
+              <a:shade val="15000"/>
+            </a:schemeClr>
+          </a:lnRef>
+          <a:fillRef idx="1">
+            <a:schemeClr val="accent1"/>
+          </a:fillRef>
+          <a:effectRef idx="0">
+            <a:schemeClr val="accent1"/>
+          </a:effectRef>
+          <a:fontRef idx="minor">
+            <a:schemeClr val="lt1"/>
+          </a:fontRef>
+        </p:style>
+        <p:txBody>
+          <a:bodyPr rtlCol="0" anchor="ctr"/>
+          <a:lstStyle/>
+          <a:p>
+            <a:pPr algn="ctr"/>
+            <a:endParaRPr lang="en-US"/>
+          </a:p>
+        </p:txBody>
+      </p:sp>
+      <p:sp>
+        <p:nvSpPr>
+          <p:cNvPr id="11" name="Rounded Rectangle 10">
+            <a:extLst>
+              <a:ext uri="{FF2B5EF4-FFF2-40B4-BE49-F238E27FC236}">
+                <a16:creationId xmlns:a16="http://schemas.microsoft.com/office/drawing/2014/main" id="{6A8BAD14-A29F-1687-E827-61814736FC5F}"/>
+              </a:ext>
+            </a:extLst>
+          </p:cNvPr>
+          <p:cNvSpPr/>
+          <p:nvPr/>
+        </p:nvSpPr>
+        <p:spPr>
+          <a:xfrm>
+            <a:off x="3535943" y="3236842"/>
+            <a:ext cx="158668" cy="89938"/>
+          </a:xfrm>
+          <a:prstGeom prst="roundRect">
+            <a:avLst/>
+          </a:prstGeom>
+          <a:gradFill>
+            <a:gsLst>
+              <a:gs pos="32000">
+                <a:schemeClr val="tx1">
+                  <a:lumMod val="85000"/>
+                  <a:lumOff val="15000"/>
+                </a:schemeClr>
+              </a:gs>
+              <a:gs pos="100000">
+                <a:schemeClr val="tx1">
+                  <a:lumMod val="65000"/>
+                  <a:lumOff val="35000"/>
+                  <a:tint val="44500"/>
+                  <a:satMod val="160000"/>
+                </a:schemeClr>
+              </a:gs>
+              <a:gs pos="57000">
+                <a:schemeClr val="tx1">
+                  <a:lumMod val="65000"/>
+                  <a:lumOff val="35000"/>
+                </a:schemeClr>
+              </a:gs>
+            </a:gsLst>
+            <a:path path="rect">
+              <a:fillToRect l="100000" t="100000"/>
+            </a:path>
+          </a:gradFill>
+          <a:ln w="3175"/>
+          <a:scene3d>
+            <a:camera prst="orthographicFront"/>
+            <a:lightRig rig="threePt" dir="t"/>
+          </a:scene3d>
+          <a:sp3d>
+            <a:bevelT/>
+          </a:sp3d>
+        </p:spPr>
+        <p:style>
+          <a:lnRef idx="2">
+            <a:schemeClr val="accent1">
+              <a:shade val="15000"/>
+            </a:schemeClr>
+          </a:lnRef>
+          <a:fillRef idx="1">
+            <a:schemeClr val="accent1"/>
+          </a:fillRef>
+          <a:effectRef idx="0">
+            <a:schemeClr val="accent1"/>
+          </a:effectRef>
+          <a:fontRef idx="minor">
+            <a:schemeClr val="lt1"/>
+          </a:fontRef>
+        </p:style>
+        <p:txBody>
+          <a:bodyPr rtlCol="0" anchor="ctr"/>
+          <a:lstStyle/>
+          <a:p>
+            <a:pPr algn="ctr"/>
+            <a:endParaRPr lang="en-US"/>
+          </a:p>
+        </p:txBody>
+      </p:sp>
+      <p:sp>
+        <p:nvSpPr>
+          <p:cNvPr id="14" name="Rounded Rectangle 13">
+            <a:extLst>
+              <a:ext uri="{FF2B5EF4-FFF2-40B4-BE49-F238E27FC236}">
+                <a16:creationId xmlns:a16="http://schemas.microsoft.com/office/drawing/2014/main" id="{6DD8F46A-3042-5112-502A-F5DDAA089D8B}"/>
+              </a:ext>
+            </a:extLst>
+          </p:cNvPr>
+          <p:cNvSpPr/>
+          <p:nvPr/>
+        </p:nvSpPr>
+        <p:spPr>
+          <a:xfrm>
+            <a:off x="3769814" y="3114001"/>
+            <a:ext cx="83176" cy="644400"/>
+          </a:xfrm>
+          <a:prstGeom prst="roundRect">
+            <a:avLst/>
+          </a:prstGeom>
+          <a:solidFill>
+            <a:schemeClr val="bg1"/>
+          </a:solidFill>
+          <a:ln w="0"/>
+          <a:scene3d>
+            <a:camera prst="orthographicFront"/>
+            <a:lightRig rig="threePt" dir="t"/>
+          </a:scene3d>
+          <a:sp3d>
+            <a:bevelT/>
+          </a:sp3d>
+        </p:spPr>
+        <p:style>
+          <a:lnRef idx="2">
+            <a:schemeClr val="accent1">
+              <a:shade val="15000"/>
+            </a:schemeClr>
+          </a:lnRef>
+          <a:fillRef idx="1">
+            <a:schemeClr val="accent1"/>
+          </a:fillRef>
+          <a:effectRef idx="0">
+            <a:schemeClr val="accent1"/>
+          </a:effectRef>
+          <a:fontRef idx="minor">
+            <a:schemeClr val="lt1"/>
+          </a:fontRef>
+        </p:style>
+        <p:txBody>
+          <a:bodyPr rtlCol="0" anchor="ctr"/>
+          <a:lstStyle/>
+          <a:p>
+            <a:pPr algn="ctr"/>
+            <a:endParaRPr lang="en-US"/>
+          </a:p>
+        </p:txBody>
+      </p:sp>
+      <p:sp>
+        <p:nvSpPr>
+          <p:cNvPr id="9" name="Rounded Rectangle 8">
+            <a:extLst>
+              <a:ext uri="{FF2B5EF4-FFF2-40B4-BE49-F238E27FC236}">
+                <a16:creationId xmlns:a16="http://schemas.microsoft.com/office/drawing/2014/main" id="{FEC8A81D-0FDE-02B4-5574-AAB55CBE2129}"/>
+              </a:ext>
+            </a:extLst>
+          </p:cNvPr>
+          <p:cNvSpPr/>
+          <p:nvPr/>
+        </p:nvSpPr>
+        <p:spPr>
+          <a:xfrm>
+            <a:off x="3732068" y="3407841"/>
+            <a:ext cx="158668" cy="89938"/>
+          </a:xfrm>
+          <a:prstGeom prst="roundRect">
+            <a:avLst/>
+          </a:prstGeom>
+          <a:gradFill>
+            <a:gsLst>
+              <a:gs pos="32000">
+                <a:schemeClr val="tx1">
+                  <a:lumMod val="85000"/>
+                  <a:lumOff val="15000"/>
+                </a:schemeClr>
+              </a:gs>
+              <a:gs pos="100000">
+                <a:schemeClr val="tx1">
+                  <a:lumMod val="65000"/>
+                  <a:lumOff val="35000"/>
+                  <a:tint val="44500"/>
+                  <a:satMod val="160000"/>
+                </a:schemeClr>
+              </a:gs>
+              <a:gs pos="57000">
+                <a:schemeClr val="tx1">
+                  <a:lumMod val="65000"/>
+                  <a:lumOff val="35000"/>
+                </a:schemeClr>
+              </a:gs>
+            </a:gsLst>
+            <a:path path="rect">
+              <a:fillToRect l="100000" t="100000"/>
+            </a:path>
+          </a:gradFill>
+          <a:ln w="3175"/>
+          <a:scene3d>
+            <a:camera prst="orthographicFront"/>
+            <a:lightRig rig="threePt" dir="t"/>
+          </a:scene3d>
+          <a:sp3d>
+            <a:bevelT/>
+          </a:sp3d>
+        </p:spPr>
+        <p:style>
+          <a:lnRef idx="2">
+            <a:schemeClr val="accent1">
+              <a:shade val="15000"/>
+            </a:schemeClr>
+          </a:lnRef>
+          <a:fillRef idx="1">
+            <a:schemeClr val="accent1"/>
+          </a:fillRef>
+          <a:effectRef idx="0">
+            <a:schemeClr val="accent1"/>
+          </a:effectRef>
+          <a:fontRef idx="minor">
+            <a:schemeClr val="lt1"/>
+          </a:fontRef>
+        </p:style>
+        <p:txBody>
+          <a:bodyPr rtlCol="0" anchor="ctr"/>
+          <a:lstStyle/>
+          <a:p>
+            <a:pPr algn="ctr"/>
+            <a:endParaRPr lang="en-US"/>
+          </a:p>
+        </p:txBody>
+      </p:sp>
+      <p:grpSp>
+        <p:nvGrpSpPr>
+          <p:cNvPr id="32" name="Group 31">
+            <a:extLst>
+              <a:ext uri="{FF2B5EF4-FFF2-40B4-BE49-F238E27FC236}">
+                <a16:creationId xmlns:a16="http://schemas.microsoft.com/office/drawing/2014/main" id="{97C7F7CB-B63F-40F5-AC19-D68FFB59C98D}"/>
+              </a:ext>
+            </a:extLst>
+          </p:cNvPr>
+          <p:cNvGrpSpPr/>
+          <p:nvPr/>
+        </p:nvGrpSpPr>
+        <p:grpSpPr>
+          <a:xfrm>
+            <a:off x="4401384" y="3274828"/>
+            <a:ext cx="298208" cy="607756"/>
+            <a:chOff x="6429449" y="1944594"/>
+            <a:chExt cx="1392857" cy="3009238"/>
+          </a:xfrm>
+        </p:grpSpPr>
+        <p:sp>
+          <p:nvSpPr>
+            <p:cNvPr id="17" name="Freeform 16">
+              <a:extLst>
+                <a:ext uri="{FF2B5EF4-FFF2-40B4-BE49-F238E27FC236}">
+                  <a16:creationId xmlns:a16="http://schemas.microsoft.com/office/drawing/2014/main" id="{4A992AF1-7FA7-A8DB-3BE4-2DE7C1EBD221}"/>
+                </a:ext>
+              </a:extLst>
+            </p:cNvPr>
+            <p:cNvSpPr/>
+            <p:nvPr/>
+          </p:nvSpPr>
+          <p:spPr>
+            <a:xfrm>
+              <a:off x="6429449" y="1944594"/>
+              <a:ext cx="1392857" cy="3009238"/>
+            </a:xfrm>
+            <a:custGeom>
+              <a:avLst/>
+              <a:gdLst>
+                <a:gd name="connsiteX0" fmla="*/ 246491 w 564543"/>
+                <a:gd name="connsiteY0" fmla="*/ 71562 h 1765189"/>
+                <a:gd name="connsiteX1" fmla="*/ 246491 w 564543"/>
+                <a:gd name="connsiteY1" fmla="*/ 1280160 h 1765189"/>
+                <a:gd name="connsiteX2" fmla="*/ 87465 w 564543"/>
+                <a:gd name="connsiteY2" fmla="*/ 1351722 h 1765189"/>
+                <a:gd name="connsiteX3" fmla="*/ 0 w 564543"/>
+                <a:gd name="connsiteY3" fmla="*/ 1494845 h 1765189"/>
+                <a:gd name="connsiteX4" fmla="*/ 7952 w 564543"/>
+                <a:gd name="connsiteY4" fmla="*/ 1630017 h 1765189"/>
+                <a:gd name="connsiteX5" fmla="*/ 119270 w 564543"/>
+                <a:gd name="connsiteY5" fmla="*/ 1749287 h 1765189"/>
+                <a:gd name="connsiteX6" fmla="*/ 318053 w 564543"/>
+                <a:gd name="connsiteY6" fmla="*/ 1765189 h 1765189"/>
+                <a:gd name="connsiteX7" fmla="*/ 477079 w 564543"/>
+                <a:gd name="connsiteY7" fmla="*/ 1749287 h 1765189"/>
+                <a:gd name="connsiteX8" fmla="*/ 556592 w 564543"/>
+                <a:gd name="connsiteY8" fmla="*/ 1590261 h 1765189"/>
+                <a:gd name="connsiteX9" fmla="*/ 564543 w 564543"/>
+                <a:gd name="connsiteY9" fmla="*/ 1391478 h 1765189"/>
+                <a:gd name="connsiteX10" fmla="*/ 437322 w 564543"/>
+                <a:gd name="connsiteY10" fmla="*/ 1296062 h 1765189"/>
+                <a:gd name="connsiteX11" fmla="*/ 365760 w 564543"/>
+                <a:gd name="connsiteY11" fmla="*/ 1272208 h 1765189"/>
+                <a:gd name="connsiteX12" fmla="*/ 373712 w 564543"/>
+                <a:gd name="connsiteY12" fmla="*/ 63610 h 1765189"/>
+                <a:gd name="connsiteX13" fmla="*/ 318053 w 564543"/>
+                <a:gd name="connsiteY13" fmla="*/ 0 h 1765189"/>
+                <a:gd name="connsiteX14" fmla="*/ 318053 w 564543"/>
+                <a:gd name="connsiteY14" fmla="*/ 0 h 1765189"/>
+                <a:gd name="connsiteX15" fmla="*/ 246491 w 564543"/>
+                <a:gd name="connsiteY15" fmla="*/ 71562 h 1765189"/>
+                <a:gd name="connsiteX0" fmla="*/ 246491 w 564543"/>
+                <a:gd name="connsiteY0" fmla="*/ 71562 h 1765189"/>
+                <a:gd name="connsiteX1" fmla="*/ 246491 w 564543"/>
+                <a:gd name="connsiteY1" fmla="*/ 1280160 h 1765189"/>
+                <a:gd name="connsiteX2" fmla="*/ 87465 w 564543"/>
+                <a:gd name="connsiteY2" fmla="*/ 1351722 h 1765189"/>
+                <a:gd name="connsiteX3" fmla="*/ 0 w 564543"/>
+                <a:gd name="connsiteY3" fmla="*/ 1494845 h 1765189"/>
+                <a:gd name="connsiteX4" fmla="*/ 47796 w 564543"/>
+                <a:gd name="connsiteY4" fmla="*/ 1642404 h 1765189"/>
+                <a:gd name="connsiteX5" fmla="*/ 119270 w 564543"/>
+                <a:gd name="connsiteY5" fmla="*/ 1749287 h 1765189"/>
+                <a:gd name="connsiteX6" fmla="*/ 318053 w 564543"/>
+                <a:gd name="connsiteY6" fmla="*/ 1765189 h 1765189"/>
+                <a:gd name="connsiteX7" fmla="*/ 477079 w 564543"/>
+                <a:gd name="connsiteY7" fmla="*/ 1749287 h 1765189"/>
+                <a:gd name="connsiteX8" fmla="*/ 556592 w 564543"/>
+                <a:gd name="connsiteY8" fmla="*/ 1590261 h 1765189"/>
+                <a:gd name="connsiteX9" fmla="*/ 564543 w 564543"/>
+                <a:gd name="connsiteY9" fmla="*/ 1391478 h 1765189"/>
+                <a:gd name="connsiteX10" fmla="*/ 437322 w 564543"/>
+                <a:gd name="connsiteY10" fmla="*/ 1296062 h 1765189"/>
+                <a:gd name="connsiteX11" fmla="*/ 365760 w 564543"/>
+                <a:gd name="connsiteY11" fmla="*/ 1272208 h 1765189"/>
+                <a:gd name="connsiteX12" fmla="*/ 373712 w 564543"/>
+                <a:gd name="connsiteY12" fmla="*/ 63610 h 1765189"/>
+                <a:gd name="connsiteX13" fmla="*/ 318053 w 564543"/>
+                <a:gd name="connsiteY13" fmla="*/ 0 h 1765189"/>
+                <a:gd name="connsiteX14" fmla="*/ 318053 w 564543"/>
+                <a:gd name="connsiteY14" fmla="*/ 0 h 1765189"/>
+                <a:gd name="connsiteX15" fmla="*/ 246491 w 564543"/>
+                <a:gd name="connsiteY15" fmla="*/ 71562 h 1765189"/>
+                <a:gd name="connsiteX0" fmla="*/ 213287 w 531339"/>
+                <a:gd name="connsiteY0" fmla="*/ 71562 h 1765189"/>
+                <a:gd name="connsiteX1" fmla="*/ 213287 w 531339"/>
+                <a:gd name="connsiteY1" fmla="*/ 1280160 h 1765189"/>
+                <a:gd name="connsiteX2" fmla="*/ 54261 w 531339"/>
+                <a:gd name="connsiteY2" fmla="*/ 1351722 h 1765189"/>
+                <a:gd name="connsiteX3" fmla="*/ 0 w 531339"/>
+                <a:gd name="connsiteY3" fmla="*/ 1457685 h 1765189"/>
+                <a:gd name="connsiteX4" fmla="*/ 14592 w 531339"/>
+                <a:gd name="connsiteY4" fmla="*/ 1642404 h 1765189"/>
+                <a:gd name="connsiteX5" fmla="*/ 86066 w 531339"/>
+                <a:gd name="connsiteY5" fmla="*/ 1749287 h 1765189"/>
+                <a:gd name="connsiteX6" fmla="*/ 284849 w 531339"/>
+                <a:gd name="connsiteY6" fmla="*/ 1765189 h 1765189"/>
+                <a:gd name="connsiteX7" fmla="*/ 443875 w 531339"/>
+                <a:gd name="connsiteY7" fmla="*/ 1749287 h 1765189"/>
+                <a:gd name="connsiteX8" fmla="*/ 523388 w 531339"/>
+                <a:gd name="connsiteY8" fmla="*/ 1590261 h 1765189"/>
+                <a:gd name="connsiteX9" fmla="*/ 531339 w 531339"/>
+                <a:gd name="connsiteY9" fmla="*/ 1391478 h 1765189"/>
+                <a:gd name="connsiteX10" fmla="*/ 404118 w 531339"/>
+                <a:gd name="connsiteY10" fmla="*/ 1296062 h 1765189"/>
+                <a:gd name="connsiteX11" fmla="*/ 332556 w 531339"/>
+                <a:gd name="connsiteY11" fmla="*/ 1272208 h 1765189"/>
+                <a:gd name="connsiteX12" fmla="*/ 340508 w 531339"/>
+                <a:gd name="connsiteY12" fmla="*/ 63610 h 1765189"/>
+                <a:gd name="connsiteX13" fmla="*/ 284849 w 531339"/>
+                <a:gd name="connsiteY13" fmla="*/ 0 h 1765189"/>
+                <a:gd name="connsiteX14" fmla="*/ 284849 w 531339"/>
+                <a:gd name="connsiteY14" fmla="*/ 0 h 1765189"/>
+                <a:gd name="connsiteX15" fmla="*/ 213287 w 531339"/>
+                <a:gd name="connsiteY15" fmla="*/ 71562 h 1765189"/>
+                <a:gd name="connsiteX0" fmla="*/ 213287 w 523388"/>
+                <a:gd name="connsiteY0" fmla="*/ 71562 h 1765189"/>
+                <a:gd name="connsiteX1" fmla="*/ 213287 w 523388"/>
+                <a:gd name="connsiteY1" fmla="*/ 1280160 h 1765189"/>
+                <a:gd name="connsiteX2" fmla="*/ 54261 w 523388"/>
+                <a:gd name="connsiteY2" fmla="*/ 1351722 h 1765189"/>
+                <a:gd name="connsiteX3" fmla="*/ 0 w 523388"/>
+                <a:gd name="connsiteY3" fmla="*/ 1457685 h 1765189"/>
+                <a:gd name="connsiteX4" fmla="*/ 14592 w 523388"/>
+                <a:gd name="connsiteY4" fmla="*/ 1642404 h 1765189"/>
+                <a:gd name="connsiteX5" fmla="*/ 86066 w 523388"/>
+                <a:gd name="connsiteY5" fmla="*/ 1749287 h 1765189"/>
+                <a:gd name="connsiteX6" fmla="*/ 284849 w 523388"/>
+                <a:gd name="connsiteY6" fmla="*/ 1765189 h 1765189"/>
+                <a:gd name="connsiteX7" fmla="*/ 443875 w 523388"/>
+                <a:gd name="connsiteY7" fmla="*/ 1749287 h 1765189"/>
+                <a:gd name="connsiteX8" fmla="*/ 523388 w 523388"/>
+                <a:gd name="connsiteY8" fmla="*/ 1590261 h 1765189"/>
+                <a:gd name="connsiteX9" fmla="*/ 520271 w 523388"/>
+                <a:gd name="connsiteY9" fmla="*/ 1395607 h 1765189"/>
+                <a:gd name="connsiteX10" fmla="*/ 404118 w 523388"/>
+                <a:gd name="connsiteY10" fmla="*/ 1296062 h 1765189"/>
+                <a:gd name="connsiteX11" fmla="*/ 332556 w 523388"/>
+                <a:gd name="connsiteY11" fmla="*/ 1272208 h 1765189"/>
+                <a:gd name="connsiteX12" fmla="*/ 340508 w 523388"/>
+                <a:gd name="connsiteY12" fmla="*/ 63610 h 1765189"/>
+                <a:gd name="connsiteX13" fmla="*/ 284849 w 523388"/>
+                <a:gd name="connsiteY13" fmla="*/ 0 h 1765189"/>
+                <a:gd name="connsiteX14" fmla="*/ 284849 w 523388"/>
+                <a:gd name="connsiteY14" fmla="*/ 0 h 1765189"/>
+                <a:gd name="connsiteX15" fmla="*/ 213287 w 523388"/>
+                <a:gd name="connsiteY15" fmla="*/ 71562 h 1765189"/>
+                <a:gd name="connsiteX0" fmla="*/ 213287 w 520271"/>
+                <a:gd name="connsiteY0" fmla="*/ 71562 h 1765189"/>
+                <a:gd name="connsiteX1" fmla="*/ 213287 w 520271"/>
+                <a:gd name="connsiteY1" fmla="*/ 1280160 h 1765189"/>
+                <a:gd name="connsiteX2" fmla="*/ 54261 w 520271"/>
+                <a:gd name="connsiteY2" fmla="*/ 1351722 h 1765189"/>
+                <a:gd name="connsiteX3" fmla="*/ 0 w 520271"/>
+                <a:gd name="connsiteY3" fmla="*/ 1457685 h 1765189"/>
+                <a:gd name="connsiteX4" fmla="*/ 14592 w 520271"/>
+                <a:gd name="connsiteY4" fmla="*/ 1642404 h 1765189"/>
+                <a:gd name="connsiteX5" fmla="*/ 86066 w 520271"/>
+                <a:gd name="connsiteY5" fmla="*/ 1749287 h 1765189"/>
+                <a:gd name="connsiteX6" fmla="*/ 284849 w 520271"/>
+                <a:gd name="connsiteY6" fmla="*/ 1765189 h 1765189"/>
+                <a:gd name="connsiteX7" fmla="*/ 443875 w 520271"/>
+                <a:gd name="connsiteY7" fmla="*/ 1749287 h 1765189"/>
+                <a:gd name="connsiteX8" fmla="*/ 510107 w 520271"/>
+                <a:gd name="connsiteY8" fmla="*/ 1639808 h 1765189"/>
+                <a:gd name="connsiteX9" fmla="*/ 520271 w 520271"/>
+                <a:gd name="connsiteY9" fmla="*/ 1395607 h 1765189"/>
+                <a:gd name="connsiteX10" fmla="*/ 404118 w 520271"/>
+                <a:gd name="connsiteY10" fmla="*/ 1296062 h 1765189"/>
+                <a:gd name="connsiteX11" fmla="*/ 332556 w 520271"/>
+                <a:gd name="connsiteY11" fmla="*/ 1272208 h 1765189"/>
+                <a:gd name="connsiteX12" fmla="*/ 340508 w 520271"/>
+                <a:gd name="connsiteY12" fmla="*/ 63610 h 1765189"/>
+                <a:gd name="connsiteX13" fmla="*/ 284849 w 520271"/>
+                <a:gd name="connsiteY13" fmla="*/ 0 h 1765189"/>
+                <a:gd name="connsiteX14" fmla="*/ 284849 w 520271"/>
+                <a:gd name="connsiteY14" fmla="*/ 0 h 1765189"/>
+                <a:gd name="connsiteX15" fmla="*/ 213287 w 520271"/>
+                <a:gd name="connsiteY15" fmla="*/ 71562 h 1765189"/>
+                <a:gd name="connsiteX0" fmla="*/ 213287 w 520271"/>
+                <a:gd name="connsiteY0" fmla="*/ 71562 h 1765189"/>
+                <a:gd name="connsiteX1" fmla="*/ 213287 w 520271"/>
+                <a:gd name="connsiteY1" fmla="*/ 1280160 h 1765189"/>
+                <a:gd name="connsiteX2" fmla="*/ 109600 w 520271"/>
+                <a:gd name="connsiteY2" fmla="*/ 1314562 h 1765189"/>
+                <a:gd name="connsiteX3" fmla="*/ 0 w 520271"/>
+                <a:gd name="connsiteY3" fmla="*/ 1457685 h 1765189"/>
+                <a:gd name="connsiteX4" fmla="*/ 14592 w 520271"/>
+                <a:gd name="connsiteY4" fmla="*/ 1642404 h 1765189"/>
+                <a:gd name="connsiteX5" fmla="*/ 86066 w 520271"/>
+                <a:gd name="connsiteY5" fmla="*/ 1749287 h 1765189"/>
+                <a:gd name="connsiteX6" fmla="*/ 284849 w 520271"/>
+                <a:gd name="connsiteY6" fmla="*/ 1765189 h 1765189"/>
+                <a:gd name="connsiteX7" fmla="*/ 443875 w 520271"/>
+                <a:gd name="connsiteY7" fmla="*/ 1749287 h 1765189"/>
+                <a:gd name="connsiteX8" fmla="*/ 510107 w 520271"/>
+                <a:gd name="connsiteY8" fmla="*/ 1639808 h 1765189"/>
+                <a:gd name="connsiteX9" fmla="*/ 520271 w 520271"/>
+                <a:gd name="connsiteY9" fmla="*/ 1395607 h 1765189"/>
+                <a:gd name="connsiteX10" fmla="*/ 404118 w 520271"/>
+                <a:gd name="connsiteY10" fmla="*/ 1296062 h 1765189"/>
+                <a:gd name="connsiteX11" fmla="*/ 332556 w 520271"/>
+                <a:gd name="connsiteY11" fmla="*/ 1272208 h 1765189"/>
+                <a:gd name="connsiteX12" fmla="*/ 340508 w 520271"/>
+                <a:gd name="connsiteY12" fmla="*/ 63610 h 1765189"/>
+                <a:gd name="connsiteX13" fmla="*/ 284849 w 520271"/>
+                <a:gd name="connsiteY13" fmla="*/ 0 h 1765189"/>
+                <a:gd name="connsiteX14" fmla="*/ 284849 w 520271"/>
+                <a:gd name="connsiteY14" fmla="*/ 0 h 1765189"/>
+                <a:gd name="connsiteX15" fmla="*/ 213287 w 520271"/>
+                <a:gd name="connsiteY15" fmla="*/ 71562 h 1765189"/>
+                <a:gd name="connsiteX0" fmla="*/ 198695 w 505679"/>
+                <a:gd name="connsiteY0" fmla="*/ 71562 h 1765189"/>
+                <a:gd name="connsiteX1" fmla="*/ 198695 w 505679"/>
+                <a:gd name="connsiteY1" fmla="*/ 1280160 h 1765189"/>
+                <a:gd name="connsiteX2" fmla="*/ 95008 w 505679"/>
+                <a:gd name="connsiteY2" fmla="*/ 1314562 h 1765189"/>
+                <a:gd name="connsiteX3" fmla="*/ 20825 w 505679"/>
+                <a:gd name="connsiteY3" fmla="*/ 1416396 h 1765189"/>
+                <a:gd name="connsiteX4" fmla="*/ 0 w 505679"/>
+                <a:gd name="connsiteY4" fmla="*/ 1642404 h 1765189"/>
+                <a:gd name="connsiteX5" fmla="*/ 71474 w 505679"/>
+                <a:gd name="connsiteY5" fmla="*/ 1749287 h 1765189"/>
+                <a:gd name="connsiteX6" fmla="*/ 270257 w 505679"/>
+                <a:gd name="connsiteY6" fmla="*/ 1765189 h 1765189"/>
+                <a:gd name="connsiteX7" fmla="*/ 429283 w 505679"/>
+                <a:gd name="connsiteY7" fmla="*/ 1749287 h 1765189"/>
+                <a:gd name="connsiteX8" fmla="*/ 495515 w 505679"/>
+                <a:gd name="connsiteY8" fmla="*/ 1639808 h 1765189"/>
+                <a:gd name="connsiteX9" fmla="*/ 505679 w 505679"/>
+                <a:gd name="connsiteY9" fmla="*/ 1395607 h 1765189"/>
+                <a:gd name="connsiteX10" fmla="*/ 389526 w 505679"/>
+                <a:gd name="connsiteY10" fmla="*/ 1296062 h 1765189"/>
+                <a:gd name="connsiteX11" fmla="*/ 317964 w 505679"/>
+                <a:gd name="connsiteY11" fmla="*/ 1272208 h 1765189"/>
+                <a:gd name="connsiteX12" fmla="*/ 325916 w 505679"/>
+                <a:gd name="connsiteY12" fmla="*/ 63610 h 1765189"/>
+                <a:gd name="connsiteX13" fmla="*/ 270257 w 505679"/>
+                <a:gd name="connsiteY13" fmla="*/ 0 h 1765189"/>
+                <a:gd name="connsiteX14" fmla="*/ 270257 w 505679"/>
+                <a:gd name="connsiteY14" fmla="*/ 0 h 1765189"/>
+                <a:gd name="connsiteX15" fmla="*/ 198695 w 505679"/>
+                <a:gd name="connsiteY15" fmla="*/ 71562 h 1765189"/>
+                <a:gd name="connsiteX0" fmla="*/ 177870 w 484854"/>
+                <a:gd name="connsiteY0" fmla="*/ 71562 h 1765189"/>
+                <a:gd name="connsiteX1" fmla="*/ 177870 w 484854"/>
+                <a:gd name="connsiteY1" fmla="*/ 1280160 h 1765189"/>
+                <a:gd name="connsiteX2" fmla="*/ 74183 w 484854"/>
+                <a:gd name="connsiteY2" fmla="*/ 1314562 h 1765189"/>
+                <a:gd name="connsiteX3" fmla="*/ 0 w 484854"/>
+                <a:gd name="connsiteY3" fmla="*/ 1416396 h 1765189"/>
+                <a:gd name="connsiteX4" fmla="*/ 1311 w 484854"/>
+                <a:gd name="connsiteY4" fmla="*/ 1642404 h 1765189"/>
+                <a:gd name="connsiteX5" fmla="*/ 50649 w 484854"/>
+                <a:gd name="connsiteY5" fmla="*/ 1749287 h 1765189"/>
+                <a:gd name="connsiteX6" fmla="*/ 249432 w 484854"/>
+                <a:gd name="connsiteY6" fmla="*/ 1765189 h 1765189"/>
+                <a:gd name="connsiteX7" fmla="*/ 408458 w 484854"/>
+                <a:gd name="connsiteY7" fmla="*/ 1749287 h 1765189"/>
+                <a:gd name="connsiteX8" fmla="*/ 474690 w 484854"/>
+                <a:gd name="connsiteY8" fmla="*/ 1639808 h 1765189"/>
+                <a:gd name="connsiteX9" fmla="*/ 484854 w 484854"/>
+                <a:gd name="connsiteY9" fmla="*/ 1395607 h 1765189"/>
+                <a:gd name="connsiteX10" fmla="*/ 368701 w 484854"/>
+                <a:gd name="connsiteY10" fmla="*/ 1296062 h 1765189"/>
+                <a:gd name="connsiteX11" fmla="*/ 297139 w 484854"/>
+                <a:gd name="connsiteY11" fmla="*/ 1272208 h 1765189"/>
+                <a:gd name="connsiteX12" fmla="*/ 305091 w 484854"/>
+                <a:gd name="connsiteY12" fmla="*/ 63610 h 1765189"/>
+                <a:gd name="connsiteX13" fmla="*/ 249432 w 484854"/>
+                <a:gd name="connsiteY13" fmla="*/ 0 h 1765189"/>
+                <a:gd name="connsiteX14" fmla="*/ 249432 w 484854"/>
+                <a:gd name="connsiteY14" fmla="*/ 0 h 1765189"/>
+                <a:gd name="connsiteX15" fmla="*/ 177870 w 484854"/>
+                <a:gd name="connsiteY15" fmla="*/ 71562 h 1765189"/>
+                <a:gd name="connsiteX0" fmla="*/ 177870 w 484854"/>
+                <a:gd name="connsiteY0" fmla="*/ 71562 h 1765189"/>
+                <a:gd name="connsiteX1" fmla="*/ 177870 w 484854"/>
+                <a:gd name="connsiteY1" fmla="*/ 1280160 h 1765189"/>
+                <a:gd name="connsiteX2" fmla="*/ 74183 w 484854"/>
+                <a:gd name="connsiteY2" fmla="*/ 1314562 h 1765189"/>
+                <a:gd name="connsiteX3" fmla="*/ 0 w 484854"/>
+                <a:gd name="connsiteY3" fmla="*/ 1416396 h 1765189"/>
+                <a:gd name="connsiteX4" fmla="*/ 1311 w 484854"/>
+                <a:gd name="connsiteY4" fmla="*/ 1642404 h 1765189"/>
+                <a:gd name="connsiteX5" fmla="*/ 97134 w 484854"/>
+                <a:gd name="connsiteY5" fmla="*/ 1757545 h 1765189"/>
+                <a:gd name="connsiteX6" fmla="*/ 249432 w 484854"/>
+                <a:gd name="connsiteY6" fmla="*/ 1765189 h 1765189"/>
+                <a:gd name="connsiteX7" fmla="*/ 408458 w 484854"/>
+                <a:gd name="connsiteY7" fmla="*/ 1749287 h 1765189"/>
+                <a:gd name="connsiteX8" fmla="*/ 474690 w 484854"/>
+                <a:gd name="connsiteY8" fmla="*/ 1639808 h 1765189"/>
+                <a:gd name="connsiteX9" fmla="*/ 484854 w 484854"/>
+                <a:gd name="connsiteY9" fmla="*/ 1395607 h 1765189"/>
+                <a:gd name="connsiteX10" fmla="*/ 368701 w 484854"/>
+                <a:gd name="connsiteY10" fmla="*/ 1296062 h 1765189"/>
+                <a:gd name="connsiteX11" fmla="*/ 297139 w 484854"/>
+                <a:gd name="connsiteY11" fmla="*/ 1272208 h 1765189"/>
+                <a:gd name="connsiteX12" fmla="*/ 305091 w 484854"/>
+                <a:gd name="connsiteY12" fmla="*/ 63610 h 1765189"/>
+                <a:gd name="connsiteX13" fmla="*/ 249432 w 484854"/>
+                <a:gd name="connsiteY13" fmla="*/ 0 h 1765189"/>
+                <a:gd name="connsiteX14" fmla="*/ 249432 w 484854"/>
+                <a:gd name="connsiteY14" fmla="*/ 0 h 1765189"/>
+                <a:gd name="connsiteX15" fmla="*/ 177870 w 484854"/>
+                <a:gd name="connsiteY15" fmla="*/ 71562 h 1765189"/>
+                <a:gd name="connsiteX0" fmla="*/ 177870 w 484854"/>
+                <a:gd name="connsiteY0" fmla="*/ 71562 h 1765189"/>
+                <a:gd name="connsiteX1" fmla="*/ 177870 w 484854"/>
+                <a:gd name="connsiteY1" fmla="*/ 1280160 h 1765189"/>
+                <a:gd name="connsiteX2" fmla="*/ 74183 w 484854"/>
+                <a:gd name="connsiteY2" fmla="*/ 1314562 h 1765189"/>
+                <a:gd name="connsiteX3" fmla="*/ 0 w 484854"/>
+                <a:gd name="connsiteY3" fmla="*/ 1416396 h 1765189"/>
+                <a:gd name="connsiteX4" fmla="*/ 1311 w 484854"/>
+                <a:gd name="connsiteY4" fmla="*/ 1642404 h 1765189"/>
+                <a:gd name="connsiteX5" fmla="*/ 97134 w 484854"/>
+                <a:gd name="connsiteY5" fmla="*/ 1757545 h 1765189"/>
+                <a:gd name="connsiteX6" fmla="*/ 249432 w 484854"/>
+                <a:gd name="connsiteY6" fmla="*/ 1765189 h 1765189"/>
+                <a:gd name="connsiteX7" fmla="*/ 355332 w 484854"/>
+                <a:gd name="connsiteY7" fmla="*/ 1757545 h 1765189"/>
+                <a:gd name="connsiteX8" fmla="*/ 474690 w 484854"/>
+                <a:gd name="connsiteY8" fmla="*/ 1639808 h 1765189"/>
+                <a:gd name="connsiteX9" fmla="*/ 484854 w 484854"/>
+                <a:gd name="connsiteY9" fmla="*/ 1395607 h 1765189"/>
+                <a:gd name="connsiteX10" fmla="*/ 368701 w 484854"/>
+                <a:gd name="connsiteY10" fmla="*/ 1296062 h 1765189"/>
+                <a:gd name="connsiteX11" fmla="*/ 297139 w 484854"/>
+                <a:gd name="connsiteY11" fmla="*/ 1272208 h 1765189"/>
+                <a:gd name="connsiteX12" fmla="*/ 305091 w 484854"/>
+                <a:gd name="connsiteY12" fmla="*/ 63610 h 1765189"/>
+                <a:gd name="connsiteX13" fmla="*/ 249432 w 484854"/>
+                <a:gd name="connsiteY13" fmla="*/ 0 h 1765189"/>
+                <a:gd name="connsiteX14" fmla="*/ 249432 w 484854"/>
+                <a:gd name="connsiteY14" fmla="*/ 0 h 1765189"/>
+                <a:gd name="connsiteX15" fmla="*/ 177870 w 484854"/>
+                <a:gd name="connsiteY15" fmla="*/ 71562 h 1765189"/>
+                <a:gd name="connsiteX0" fmla="*/ 177870 w 474690"/>
+                <a:gd name="connsiteY0" fmla="*/ 71562 h 1765189"/>
+                <a:gd name="connsiteX1" fmla="*/ 177870 w 474690"/>
+                <a:gd name="connsiteY1" fmla="*/ 1280160 h 1765189"/>
+                <a:gd name="connsiteX2" fmla="*/ 74183 w 474690"/>
+                <a:gd name="connsiteY2" fmla="*/ 1314562 h 1765189"/>
+                <a:gd name="connsiteX3" fmla="*/ 0 w 474690"/>
+                <a:gd name="connsiteY3" fmla="*/ 1416396 h 1765189"/>
+                <a:gd name="connsiteX4" fmla="*/ 1311 w 474690"/>
+                <a:gd name="connsiteY4" fmla="*/ 1642404 h 1765189"/>
+                <a:gd name="connsiteX5" fmla="*/ 97134 w 474690"/>
+                <a:gd name="connsiteY5" fmla="*/ 1757545 h 1765189"/>
+                <a:gd name="connsiteX6" fmla="*/ 249432 w 474690"/>
+                <a:gd name="connsiteY6" fmla="*/ 1765189 h 1765189"/>
+                <a:gd name="connsiteX7" fmla="*/ 355332 w 474690"/>
+                <a:gd name="connsiteY7" fmla="*/ 1757545 h 1765189"/>
+                <a:gd name="connsiteX8" fmla="*/ 474690 w 474690"/>
+                <a:gd name="connsiteY8" fmla="*/ 1639808 h 1765189"/>
+                <a:gd name="connsiteX9" fmla="*/ 462718 w 474690"/>
+                <a:gd name="connsiteY9" fmla="*/ 1370834 h 1765189"/>
+                <a:gd name="connsiteX10" fmla="*/ 368701 w 474690"/>
+                <a:gd name="connsiteY10" fmla="*/ 1296062 h 1765189"/>
+                <a:gd name="connsiteX11" fmla="*/ 297139 w 474690"/>
+                <a:gd name="connsiteY11" fmla="*/ 1272208 h 1765189"/>
+                <a:gd name="connsiteX12" fmla="*/ 305091 w 474690"/>
+                <a:gd name="connsiteY12" fmla="*/ 63610 h 1765189"/>
+                <a:gd name="connsiteX13" fmla="*/ 249432 w 474690"/>
+                <a:gd name="connsiteY13" fmla="*/ 0 h 1765189"/>
+                <a:gd name="connsiteX14" fmla="*/ 249432 w 474690"/>
+                <a:gd name="connsiteY14" fmla="*/ 0 h 1765189"/>
+                <a:gd name="connsiteX15" fmla="*/ 177870 w 474690"/>
+                <a:gd name="connsiteY15" fmla="*/ 71562 h 1765189"/>
+                <a:gd name="connsiteX0" fmla="*/ 177870 w 463622"/>
+                <a:gd name="connsiteY0" fmla="*/ 71562 h 1765189"/>
+                <a:gd name="connsiteX1" fmla="*/ 177870 w 463622"/>
+                <a:gd name="connsiteY1" fmla="*/ 1280160 h 1765189"/>
+                <a:gd name="connsiteX2" fmla="*/ 74183 w 463622"/>
+                <a:gd name="connsiteY2" fmla="*/ 1314562 h 1765189"/>
+                <a:gd name="connsiteX3" fmla="*/ 0 w 463622"/>
+                <a:gd name="connsiteY3" fmla="*/ 1416396 h 1765189"/>
+                <a:gd name="connsiteX4" fmla="*/ 1311 w 463622"/>
+                <a:gd name="connsiteY4" fmla="*/ 1642404 h 1765189"/>
+                <a:gd name="connsiteX5" fmla="*/ 97134 w 463622"/>
+                <a:gd name="connsiteY5" fmla="*/ 1757545 h 1765189"/>
+                <a:gd name="connsiteX6" fmla="*/ 249432 w 463622"/>
+                <a:gd name="connsiteY6" fmla="*/ 1765189 h 1765189"/>
+                <a:gd name="connsiteX7" fmla="*/ 355332 w 463622"/>
+                <a:gd name="connsiteY7" fmla="*/ 1757545 h 1765189"/>
+                <a:gd name="connsiteX8" fmla="*/ 463622 w 463622"/>
+                <a:gd name="connsiteY8" fmla="*/ 1652195 h 1765189"/>
+                <a:gd name="connsiteX9" fmla="*/ 462718 w 463622"/>
+                <a:gd name="connsiteY9" fmla="*/ 1370834 h 1765189"/>
+                <a:gd name="connsiteX10" fmla="*/ 368701 w 463622"/>
+                <a:gd name="connsiteY10" fmla="*/ 1296062 h 1765189"/>
+                <a:gd name="connsiteX11" fmla="*/ 297139 w 463622"/>
+                <a:gd name="connsiteY11" fmla="*/ 1272208 h 1765189"/>
+                <a:gd name="connsiteX12" fmla="*/ 305091 w 463622"/>
+                <a:gd name="connsiteY12" fmla="*/ 63610 h 1765189"/>
+                <a:gd name="connsiteX13" fmla="*/ 249432 w 463622"/>
+                <a:gd name="connsiteY13" fmla="*/ 0 h 1765189"/>
+                <a:gd name="connsiteX14" fmla="*/ 249432 w 463622"/>
+                <a:gd name="connsiteY14" fmla="*/ 0 h 1765189"/>
+                <a:gd name="connsiteX15" fmla="*/ 177870 w 463622"/>
+                <a:gd name="connsiteY15" fmla="*/ 71562 h 1765189"/>
+                <a:gd name="connsiteX0" fmla="*/ 177870 w 463622"/>
+                <a:gd name="connsiteY0" fmla="*/ 71562 h 1765189"/>
+                <a:gd name="connsiteX1" fmla="*/ 144244 w 463622"/>
+                <a:gd name="connsiteY1" fmla="*/ 1285278 h 1765189"/>
+                <a:gd name="connsiteX2" fmla="*/ 74183 w 463622"/>
+                <a:gd name="connsiteY2" fmla="*/ 1314562 h 1765189"/>
+                <a:gd name="connsiteX3" fmla="*/ 0 w 463622"/>
+                <a:gd name="connsiteY3" fmla="*/ 1416396 h 1765189"/>
+                <a:gd name="connsiteX4" fmla="*/ 1311 w 463622"/>
+                <a:gd name="connsiteY4" fmla="*/ 1642404 h 1765189"/>
+                <a:gd name="connsiteX5" fmla="*/ 97134 w 463622"/>
+                <a:gd name="connsiteY5" fmla="*/ 1757545 h 1765189"/>
+                <a:gd name="connsiteX6" fmla="*/ 249432 w 463622"/>
+                <a:gd name="connsiteY6" fmla="*/ 1765189 h 1765189"/>
+                <a:gd name="connsiteX7" fmla="*/ 355332 w 463622"/>
+                <a:gd name="connsiteY7" fmla="*/ 1757545 h 1765189"/>
+                <a:gd name="connsiteX8" fmla="*/ 463622 w 463622"/>
+                <a:gd name="connsiteY8" fmla="*/ 1652195 h 1765189"/>
+                <a:gd name="connsiteX9" fmla="*/ 462718 w 463622"/>
+                <a:gd name="connsiteY9" fmla="*/ 1370834 h 1765189"/>
+                <a:gd name="connsiteX10" fmla="*/ 368701 w 463622"/>
+                <a:gd name="connsiteY10" fmla="*/ 1296062 h 1765189"/>
+                <a:gd name="connsiteX11" fmla="*/ 297139 w 463622"/>
+                <a:gd name="connsiteY11" fmla="*/ 1272208 h 1765189"/>
+                <a:gd name="connsiteX12" fmla="*/ 305091 w 463622"/>
+                <a:gd name="connsiteY12" fmla="*/ 63610 h 1765189"/>
+                <a:gd name="connsiteX13" fmla="*/ 249432 w 463622"/>
+                <a:gd name="connsiteY13" fmla="*/ 0 h 1765189"/>
+                <a:gd name="connsiteX14" fmla="*/ 249432 w 463622"/>
+                <a:gd name="connsiteY14" fmla="*/ 0 h 1765189"/>
+                <a:gd name="connsiteX15" fmla="*/ 177870 w 463622"/>
+                <a:gd name="connsiteY15" fmla="*/ 71562 h 1765189"/>
+                <a:gd name="connsiteX0" fmla="*/ 177870 w 463622"/>
+                <a:gd name="connsiteY0" fmla="*/ 71562 h 1765189"/>
+                <a:gd name="connsiteX1" fmla="*/ 144244 w 463622"/>
+                <a:gd name="connsiteY1" fmla="*/ 1285278 h 1765189"/>
+                <a:gd name="connsiteX2" fmla="*/ 74183 w 463622"/>
+                <a:gd name="connsiteY2" fmla="*/ 1314562 h 1765189"/>
+                <a:gd name="connsiteX3" fmla="*/ 0 w 463622"/>
+                <a:gd name="connsiteY3" fmla="*/ 1416396 h 1765189"/>
+                <a:gd name="connsiteX4" fmla="*/ 1311 w 463622"/>
+                <a:gd name="connsiteY4" fmla="*/ 1642404 h 1765189"/>
+                <a:gd name="connsiteX5" fmla="*/ 97134 w 463622"/>
+                <a:gd name="connsiteY5" fmla="*/ 1757545 h 1765189"/>
+                <a:gd name="connsiteX6" fmla="*/ 249432 w 463622"/>
+                <a:gd name="connsiteY6" fmla="*/ 1765189 h 1765189"/>
+                <a:gd name="connsiteX7" fmla="*/ 355332 w 463622"/>
+                <a:gd name="connsiteY7" fmla="*/ 1757545 h 1765189"/>
+                <a:gd name="connsiteX8" fmla="*/ 463622 w 463622"/>
+                <a:gd name="connsiteY8" fmla="*/ 1652195 h 1765189"/>
+                <a:gd name="connsiteX9" fmla="*/ 462718 w 463622"/>
+                <a:gd name="connsiteY9" fmla="*/ 1370834 h 1765189"/>
+                <a:gd name="connsiteX10" fmla="*/ 368701 w 463622"/>
+                <a:gd name="connsiteY10" fmla="*/ 1296062 h 1765189"/>
+                <a:gd name="connsiteX11" fmla="*/ 325161 w 463622"/>
+                <a:gd name="connsiteY11" fmla="*/ 1287562 h 1765189"/>
+                <a:gd name="connsiteX12" fmla="*/ 305091 w 463622"/>
+                <a:gd name="connsiteY12" fmla="*/ 63610 h 1765189"/>
+                <a:gd name="connsiteX13" fmla="*/ 249432 w 463622"/>
+                <a:gd name="connsiteY13" fmla="*/ 0 h 1765189"/>
+                <a:gd name="connsiteX14" fmla="*/ 249432 w 463622"/>
+                <a:gd name="connsiteY14" fmla="*/ 0 h 1765189"/>
+                <a:gd name="connsiteX15" fmla="*/ 177870 w 463622"/>
+                <a:gd name="connsiteY15" fmla="*/ 71562 h 1765189"/>
+                <a:gd name="connsiteX0" fmla="*/ 147046 w 463622"/>
+                <a:gd name="connsiteY0" fmla="*/ 35737 h 1765189"/>
+                <a:gd name="connsiteX1" fmla="*/ 144244 w 463622"/>
+                <a:gd name="connsiteY1" fmla="*/ 1285278 h 1765189"/>
+                <a:gd name="connsiteX2" fmla="*/ 74183 w 463622"/>
+                <a:gd name="connsiteY2" fmla="*/ 1314562 h 1765189"/>
+                <a:gd name="connsiteX3" fmla="*/ 0 w 463622"/>
+                <a:gd name="connsiteY3" fmla="*/ 1416396 h 1765189"/>
+                <a:gd name="connsiteX4" fmla="*/ 1311 w 463622"/>
+                <a:gd name="connsiteY4" fmla="*/ 1642404 h 1765189"/>
+                <a:gd name="connsiteX5" fmla="*/ 97134 w 463622"/>
+                <a:gd name="connsiteY5" fmla="*/ 1757545 h 1765189"/>
+                <a:gd name="connsiteX6" fmla="*/ 249432 w 463622"/>
+                <a:gd name="connsiteY6" fmla="*/ 1765189 h 1765189"/>
+                <a:gd name="connsiteX7" fmla="*/ 355332 w 463622"/>
+                <a:gd name="connsiteY7" fmla="*/ 1757545 h 1765189"/>
+                <a:gd name="connsiteX8" fmla="*/ 463622 w 463622"/>
+                <a:gd name="connsiteY8" fmla="*/ 1652195 h 1765189"/>
+                <a:gd name="connsiteX9" fmla="*/ 462718 w 463622"/>
+                <a:gd name="connsiteY9" fmla="*/ 1370834 h 1765189"/>
+                <a:gd name="connsiteX10" fmla="*/ 368701 w 463622"/>
+                <a:gd name="connsiteY10" fmla="*/ 1296062 h 1765189"/>
+                <a:gd name="connsiteX11" fmla="*/ 325161 w 463622"/>
+                <a:gd name="connsiteY11" fmla="*/ 1287562 h 1765189"/>
+                <a:gd name="connsiteX12" fmla="*/ 305091 w 463622"/>
+                <a:gd name="connsiteY12" fmla="*/ 63610 h 1765189"/>
+                <a:gd name="connsiteX13" fmla="*/ 249432 w 463622"/>
+                <a:gd name="connsiteY13" fmla="*/ 0 h 1765189"/>
+                <a:gd name="connsiteX14" fmla="*/ 249432 w 463622"/>
+                <a:gd name="connsiteY14" fmla="*/ 0 h 1765189"/>
+                <a:gd name="connsiteX15" fmla="*/ 147046 w 463622"/>
+                <a:gd name="connsiteY15" fmla="*/ 35737 h 1765189"/>
+                <a:gd name="connsiteX0" fmla="*/ 147046 w 463622"/>
+                <a:gd name="connsiteY0" fmla="*/ 35737 h 1765189"/>
+                <a:gd name="connsiteX1" fmla="*/ 144244 w 463622"/>
+                <a:gd name="connsiteY1" fmla="*/ 1285278 h 1765189"/>
+                <a:gd name="connsiteX2" fmla="*/ 74183 w 463622"/>
+                <a:gd name="connsiteY2" fmla="*/ 1314562 h 1765189"/>
+                <a:gd name="connsiteX3" fmla="*/ 0 w 463622"/>
+                <a:gd name="connsiteY3" fmla="*/ 1416396 h 1765189"/>
+                <a:gd name="connsiteX4" fmla="*/ 1311 w 463622"/>
+                <a:gd name="connsiteY4" fmla="*/ 1642404 h 1765189"/>
+                <a:gd name="connsiteX5" fmla="*/ 97134 w 463622"/>
+                <a:gd name="connsiteY5" fmla="*/ 1757545 h 1765189"/>
+                <a:gd name="connsiteX6" fmla="*/ 249432 w 463622"/>
+                <a:gd name="connsiteY6" fmla="*/ 1765189 h 1765189"/>
+                <a:gd name="connsiteX7" fmla="*/ 355332 w 463622"/>
+                <a:gd name="connsiteY7" fmla="*/ 1757545 h 1765189"/>
+                <a:gd name="connsiteX8" fmla="*/ 463622 w 463622"/>
+                <a:gd name="connsiteY8" fmla="*/ 1652195 h 1765189"/>
+                <a:gd name="connsiteX9" fmla="*/ 462718 w 463622"/>
+                <a:gd name="connsiteY9" fmla="*/ 1370834 h 1765189"/>
+                <a:gd name="connsiteX10" fmla="*/ 368701 w 463622"/>
+                <a:gd name="connsiteY10" fmla="*/ 1296062 h 1765189"/>
+                <a:gd name="connsiteX11" fmla="*/ 325161 w 463622"/>
+                <a:gd name="connsiteY11" fmla="*/ 1287562 h 1765189"/>
+                <a:gd name="connsiteX12" fmla="*/ 330310 w 463622"/>
+                <a:gd name="connsiteY12" fmla="*/ 53374 h 1765189"/>
+                <a:gd name="connsiteX13" fmla="*/ 249432 w 463622"/>
+                <a:gd name="connsiteY13" fmla="*/ 0 h 1765189"/>
+                <a:gd name="connsiteX14" fmla="*/ 249432 w 463622"/>
+                <a:gd name="connsiteY14" fmla="*/ 0 h 1765189"/>
+                <a:gd name="connsiteX15" fmla="*/ 147046 w 463622"/>
+                <a:gd name="connsiteY15" fmla="*/ 35737 h 1765189"/>
+                <a:gd name="connsiteX0" fmla="*/ 147046 w 463622"/>
+                <a:gd name="connsiteY0" fmla="*/ 35737 h 1765189"/>
+                <a:gd name="connsiteX1" fmla="*/ 144244 w 463622"/>
+                <a:gd name="connsiteY1" fmla="*/ 1285278 h 1765189"/>
+                <a:gd name="connsiteX2" fmla="*/ 74183 w 463622"/>
+                <a:gd name="connsiteY2" fmla="*/ 1314562 h 1765189"/>
+                <a:gd name="connsiteX3" fmla="*/ 0 w 463622"/>
+                <a:gd name="connsiteY3" fmla="*/ 1416396 h 1765189"/>
+                <a:gd name="connsiteX4" fmla="*/ 1311 w 463622"/>
+                <a:gd name="connsiteY4" fmla="*/ 1642404 h 1765189"/>
+                <a:gd name="connsiteX5" fmla="*/ 97134 w 463622"/>
+                <a:gd name="connsiteY5" fmla="*/ 1757545 h 1765189"/>
+                <a:gd name="connsiteX6" fmla="*/ 249432 w 463622"/>
+                <a:gd name="connsiteY6" fmla="*/ 1765189 h 1765189"/>
+                <a:gd name="connsiteX7" fmla="*/ 355332 w 463622"/>
+                <a:gd name="connsiteY7" fmla="*/ 1757545 h 1765189"/>
+                <a:gd name="connsiteX8" fmla="*/ 463622 w 463622"/>
+                <a:gd name="connsiteY8" fmla="*/ 1652195 h 1765189"/>
+                <a:gd name="connsiteX9" fmla="*/ 462718 w 463622"/>
+                <a:gd name="connsiteY9" fmla="*/ 1370834 h 1765189"/>
+                <a:gd name="connsiteX10" fmla="*/ 368701 w 463622"/>
+                <a:gd name="connsiteY10" fmla="*/ 1296062 h 1765189"/>
+                <a:gd name="connsiteX11" fmla="*/ 325161 w 463622"/>
+                <a:gd name="connsiteY11" fmla="*/ 1287562 h 1765189"/>
+                <a:gd name="connsiteX12" fmla="*/ 333112 w 463622"/>
+                <a:gd name="connsiteY12" fmla="*/ 17549 h 1765189"/>
+                <a:gd name="connsiteX13" fmla="*/ 249432 w 463622"/>
+                <a:gd name="connsiteY13" fmla="*/ 0 h 1765189"/>
+                <a:gd name="connsiteX14" fmla="*/ 249432 w 463622"/>
+                <a:gd name="connsiteY14" fmla="*/ 0 h 1765189"/>
+                <a:gd name="connsiteX15" fmla="*/ 147046 w 463622"/>
+                <a:gd name="connsiteY15" fmla="*/ 35737 h 1765189"/>
+                <a:gd name="connsiteX0" fmla="*/ 147046 w 463622"/>
+                <a:gd name="connsiteY0" fmla="*/ 35737 h 1765189"/>
+                <a:gd name="connsiteX1" fmla="*/ 144244 w 463622"/>
+                <a:gd name="connsiteY1" fmla="*/ 1285278 h 1765189"/>
+                <a:gd name="connsiteX2" fmla="*/ 74183 w 463622"/>
+                <a:gd name="connsiteY2" fmla="*/ 1314562 h 1765189"/>
+                <a:gd name="connsiteX3" fmla="*/ 0 w 463622"/>
+                <a:gd name="connsiteY3" fmla="*/ 1416396 h 1765189"/>
+                <a:gd name="connsiteX4" fmla="*/ 1311 w 463622"/>
+                <a:gd name="connsiteY4" fmla="*/ 1642404 h 1765189"/>
+                <a:gd name="connsiteX5" fmla="*/ 97134 w 463622"/>
+                <a:gd name="connsiteY5" fmla="*/ 1757545 h 1765189"/>
+                <a:gd name="connsiteX6" fmla="*/ 249432 w 463622"/>
+                <a:gd name="connsiteY6" fmla="*/ 1765189 h 1765189"/>
+                <a:gd name="connsiteX7" fmla="*/ 355332 w 463622"/>
+                <a:gd name="connsiteY7" fmla="*/ 1757545 h 1765189"/>
+                <a:gd name="connsiteX8" fmla="*/ 463622 w 463622"/>
+                <a:gd name="connsiteY8" fmla="*/ 1652195 h 1765189"/>
+                <a:gd name="connsiteX9" fmla="*/ 462718 w 463622"/>
+                <a:gd name="connsiteY9" fmla="*/ 1370834 h 1765189"/>
+                <a:gd name="connsiteX10" fmla="*/ 368701 w 463622"/>
+                <a:gd name="connsiteY10" fmla="*/ 1296062 h 1765189"/>
+                <a:gd name="connsiteX11" fmla="*/ 325161 w 463622"/>
+                <a:gd name="connsiteY11" fmla="*/ 1287562 h 1765189"/>
+                <a:gd name="connsiteX12" fmla="*/ 333112 w 463622"/>
+                <a:gd name="connsiteY12" fmla="*/ 17549 h 1765189"/>
+                <a:gd name="connsiteX13" fmla="*/ 249432 w 463622"/>
+                <a:gd name="connsiteY13" fmla="*/ 0 h 1765189"/>
+                <a:gd name="connsiteX14" fmla="*/ 190586 w 463622"/>
+                <a:gd name="connsiteY14" fmla="*/ 15353 h 1765189"/>
+                <a:gd name="connsiteX15" fmla="*/ 147046 w 463622"/>
+                <a:gd name="connsiteY15" fmla="*/ 35737 h 1765189"/>
+                <a:gd name="connsiteX0" fmla="*/ 147046 w 463622"/>
+                <a:gd name="connsiteY0" fmla="*/ 35737 h 1765189"/>
+                <a:gd name="connsiteX1" fmla="*/ 147544 w 463622"/>
+                <a:gd name="connsiteY1" fmla="*/ 1117347 h 1765189"/>
+                <a:gd name="connsiteX2" fmla="*/ 74183 w 463622"/>
+                <a:gd name="connsiteY2" fmla="*/ 1314562 h 1765189"/>
+                <a:gd name="connsiteX3" fmla="*/ 0 w 463622"/>
+                <a:gd name="connsiteY3" fmla="*/ 1416396 h 1765189"/>
+                <a:gd name="connsiteX4" fmla="*/ 1311 w 463622"/>
+                <a:gd name="connsiteY4" fmla="*/ 1642404 h 1765189"/>
+                <a:gd name="connsiteX5" fmla="*/ 97134 w 463622"/>
+                <a:gd name="connsiteY5" fmla="*/ 1757545 h 1765189"/>
+                <a:gd name="connsiteX6" fmla="*/ 249432 w 463622"/>
+                <a:gd name="connsiteY6" fmla="*/ 1765189 h 1765189"/>
+                <a:gd name="connsiteX7" fmla="*/ 355332 w 463622"/>
+                <a:gd name="connsiteY7" fmla="*/ 1757545 h 1765189"/>
+                <a:gd name="connsiteX8" fmla="*/ 463622 w 463622"/>
+                <a:gd name="connsiteY8" fmla="*/ 1652195 h 1765189"/>
+                <a:gd name="connsiteX9" fmla="*/ 462718 w 463622"/>
+                <a:gd name="connsiteY9" fmla="*/ 1370834 h 1765189"/>
+                <a:gd name="connsiteX10" fmla="*/ 368701 w 463622"/>
+                <a:gd name="connsiteY10" fmla="*/ 1296062 h 1765189"/>
+                <a:gd name="connsiteX11" fmla="*/ 325161 w 463622"/>
+                <a:gd name="connsiteY11" fmla="*/ 1287562 h 1765189"/>
+                <a:gd name="connsiteX12" fmla="*/ 333112 w 463622"/>
+                <a:gd name="connsiteY12" fmla="*/ 17549 h 1765189"/>
+                <a:gd name="connsiteX13" fmla="*/ 249432 w 463622"/>
+                <a:gd name="connsiteY13" fmla="*/ 0 h 1765189"/>
+                <a:gd name="connsiteX14" fmla="*/ 190586 w 463622"/>
+                <a:gd name="connsiteY14" fmla="*/ 15353 h 1765189"/>
+                <a:gd name="connsiteX15" fmla="*/ 147046 w 463622"/>
+                <a:gd name="connsiteY15" fmla="*/ 35737 h 1765189"/>
+                <a:gd name="connsiteX0" fmla="*/ 147046 w 463622"/>
+                <a:gd name="connsiteY0" fmla="*/ 35737 h 1765189"/>
+                <a:gd name="connsiteX1" fmla="*/ 147544 w 463622"/>
+                <a:gd name="connsiteY1" fmla="*/ 1117347 h 1765189"/>
+                <a:gd name="connsiteX2" fmla="*/ 41179 w 463622"/>
+                <a:gd name="connsiteY2" fmla="*/ 1218602 h 1765189"/>
+                <a:gd name="connsiteX3" fmla="*/ 0 w 463622"/>
+                <a:gd name="connsiteY3" fmla="*/ 1416396 h 1765189"/>
+                <a:gd name="connsiteX4" fmla="*/ 1311 w 463622"/>
+                <a:gd name="connsiteY4" fmla="*/ 1642404 h 1765189"/>
+                <a:gd name="connsiteX5" fmla="*/ 97134 w 463622"/>
+                <a:gd name="connsiteY5" fmla="*/ 1757545 h 1765189"/>
+                <a:gd name="connsiteX6" fmla="*/ 249432 w 463622"/>
+                <a:gd name="connsiteY6" fmla="*/ 1765189 h 1765189"/>
+                <a:gd name="connsiteX7" fmla="*/ 355332 w 463622"/>
+                <a:gd name="connsiteY7" fmla="*/ 1757545 h 1765189"/>
+                <a:gd name="connsiteX8" fmla="*/ 463622 w 463622"/>
+                <a:gd name="connsiteY8" fmla="*/ 1652195 h 1765189"/>
+                <a:gd name="connsiteX9" fmla="*/ 462718 w 463622"/>
+                <a:gd name="connsiteY9" fmla="*/ 1370834 h 1765189"/>
+                <a:gd name="connsiteX10" fmla="*/ 368701 w 463622"/>
+                <a:gd name="connsiteY10" fmla="*/ 1296062 h 1765189"/>
+                <a:gd name="connsiteX11" fmla="*/ 325161 w 463622"/>
+                <a:gd name="connsiteY11" fmla="*/ 1287562 h 1765189"/>
+                <a:gd name="connsiteX12" fmla="*/ 333112 w 463622"/>
+                <a:gd name="connsiteY12" fmla="*/ 17549 h 1765189"/>
+                <a:gd name="connsiteX13" fmla="*/ 249432 w 463622"/>
+                <a:gd name="connsiteY13" fmla="*/ 0 h 1765189"/>
+                <a:gd name="connsiteX14" fmla="*/ 190586 w 463622"/>
+                <a:gd name="connsiteY14" fmla="*/ 15353 h 1765189"/>
+                <a:gd name="connsiteX15" fmla="*/ 147046 w 463622"/>
+                <a:gd name="connsiteY15" fmla="*/ 35737 h 1765189"/>
+                <a:gd name="connsiteX0" fmla="*/ 147046 w 463622"/>
+                <a:gd name="connsiteY0" fmla="*/ 35737 h 1765189"/>
+                <a:gd name="connsiteX1" fmla="*/ 147544 w 463622"/>
+                <a:gd name="connsiteY1" fmla="*/ 1117347 h 1765189"/>
+                <a:gd name="connsiteX2" fmla="*/ 41179 w 463622"/>
+                <a:gd name="connsiteY2" fmla="*/ 1218602 h 1765189"/>
+                <a:gd name="connsiteX3" fmla="*/ 0 w 463622"/>
+                <a:gd name="connsiteY3" fmla="*/ 1416396 h 1765189"/>
+                <a:gd name="connsiteX4" fmla="*/ 1311 w 463622"/>
+                <a:gd name="connsiteY4" fmla="*/ 1642404 h 1765189"/>
+                <a:gd name="connsiteX5" fmla="*/ 97134 w 463622"/>
+                <a:gd name="connsiteY5" fmla="*/ 1757545 h 1765189"/>
+                <a:gd name="connsiteX6" fmla="*/ 249432 w 463622"/>
+                <a:gd name="connsiteY6" fmla="*/ 1765189 h 1765189"/>
+                <a:gd name="connsiteX7" fmla="*/ 355332 w 463622"/>
+                <a:gd name="connsiteY7" fmla="*/ 1757545 h 1765189"/>
+                <a:gd name="connsiteX8" fmla="*/ 463622 w 463622"/>
+                <a:gd name="connsiteY8" fmla="*/ 1652195 h 1765189"/>
+                <a:gd name="connsiteX9" fmla="*/ 462718 w 463622"/>
+                <a:gd name="connsiteY9" fmla="*/ 1370834 h 1765189"/>
+                <a:gd name="connsiteX10" fmla="*/ 368701 w 463622"/>
+                <a:gd name="connsiteY10" fmla="*/ 1296062 h 1765189"/>
+                <a:gd name="connsiteX11" fmla="*/ 318560 w 463622"/>
+                <a:gd name="connsiteY11" fmla="*/ 1101639 h 1765189"/>
+                <a:gd name="connsiteX12" fmla="*/ 333112 w 463622"/>
+                <a:gd name="connsiteY12" fmla="*/ 17549 h 1765189"/>
+                <a:gd name="connsiteX13" fmla="*/ 249432 w 463622"/>
+                <a:gd name="connsiteY13" fmla="*/ 0 h 1765189"/>
+                <a:gd name="connsiteX14" fmla="*/ 190586 w 463622"/>
+                <a:gd name="connsiteY14" fmla="*/ 15353 h 1765189"/>
+                <a:gd name="connsiteX15" fmla="*/ 147046 w 463622"/>
+                <a:gd name="connsiteY15" fmla="*/ 35737 h 1765189"/>
+                <a:gd name="connsiteX0" fmla="*/ 147046 w 463622"/>
+                <a:gd name="connsiteY0" fmla="*/ 35737 h 1765189"/>
+                <a:gd name="connsiteX1" fmla="*/ 147544 w 463622"/>
+                <a:gd name="connsiteY1" fmla="*/ 1117347 h 1765189"/>
+                <a:gd name="connsiteX2" fmla="*/ 41179 w 463622"/>
+                <a:gd name="connsiteY2" fmla="*/ 1218602 h 1765189"/>
+                <a:gd name="connsiteX3" fmla="*/ 0 w 463622"/>
+                <a:gd name="connsiteY3" fmla="*/ 1416396 h 1765189"/>
+                <a:gd name="connsiteX4" fmla="*/ 1311 w 463622"/>
+                <a:gd name="connsiteY4" fmla="*/ 1642404 h 1765189"/>
+                <a:gd name="connsiteX5" fmla="*/ 97134 w 463622"/>
+                <a:gd name="connsiteY5" fmla="*/ 1757545 h 1765189"/>
+                <a:gd name="connsiteX6" fmla="*/ 249432 w 463622"/>
+                <a:gd name="connsiteY6" fmla="*/ 1765189 h 1765189"/>
+                <a:gd name="connsiteX7" fmla="*/ 355332 w 463622"/>
+                <a:gd name="connsiteY7" fmla="*/ 1757545 h 1765189"/>
+                <a:gd name="connsiteX8" fmla="*/ 463622 w 463622"/>
+                <a:gd name="connsiteY8" fmla="*/ 1652195 h 1765189"/>
+                <a:gd name="connsiteX9" fmla="*/ 462718 w 463622"/>
+                <a:gd name="connsiteY9" fmla="*/ 1370834 h 1765189"/>
+                <a:gd name="connsiteX10" fmla="*/ 421508 w 463622"/>
+                <a:gd name="connsiteY10" fmla="*/ 1200101 h 1765189"/>
+                <a:gd name="connsiteX11" fmla="*/ 318560 w 463622"/>
+                <a:gd name="connsiteY11" fmla="*/ 1101639 h 1765189"/>
+                <a:gd name="connsiteX12" fmla="*/ 333112 w 463622"/>
+                <a:gd name="connsiteY12" fmla="*/ 17549 h 1765189"/>
+                <a:gd name="connsiteX13" fmla="*/ 249432 w 463622"/>
+                <a:gd name="connsiteY13" fmla="*/ 0 h 1765189"/>
+                <a:gd name="connsiteX14" fmla="*/ 190586 w 463622"/>
+                <a:gd name="connsiteY14" fmla="*/ 15353 h 1765189"/>
+                <a:gd name="connsiteX15" fmla="*/ 147046 w 463622"/>
+                <a:gd name="connsiteY15" fmla="*/ 35737 h 1765189"/>
+                <a:gd name="connsiteX0" fmla="*/ 147046 w 463622"/>
+                <a:gd name="connsiteY0" fmla="*/ 35737 h 1765189"/>
+                <a:gd name="connsiteX1" fmla="*/ 147544 w 463622"/>
+                <a:gd name="connsiteY1" fmla="*/ 1117347 h 1765189"/>
+                <a:gd name="connsiteX2" fmla="*/ 41179 w 463622"/>
+                <a:gd name="connsiteY2" fmla="*/ 1218602 h 1765189"/>
+                <a:gd name="connsiteX3" fmla="*/ 0 w 463622"/>
+                <a:gd name="connsiteY3" fmla="*/ 1416396 h 1765189"/>
+                <a:gd name="connsiteX4" fmla="*/ 7911 w 463622"/>
+                <a:gd name="connsiteY4" fmla="*/ 1594424 h 1765189"/>
+                <a:gd name="connsiteX5" fmla="*/ 97134 w 463622"/>
+                <a:gd name="connsiteY5" fmla="*/ 1757545 h 1765189"/>
+                <a:gd name="connsiteX6" fmla="*/ 249432 w 463622"/>
+                <a:gd name="connsiteY6" fmla="*/ 1765189 h 1765189"/>
+                <a:gd name="connsiteX7" fmla="*/ 355332 w 463622"/>
+                <a:gd name="connsiteY7" fmla="*/ 1757545 h 1765189"/>
+                <a:gd name="connsiteX8" fmla="*/ 463622 w 463622"/>
+                <a:gd name="connsiteY8" fmla="*/ 1652195 h 1765189"/>
+                <a:gd name="connsiteX9" fmla="*/ 462718 w 463622"/>
+                <a:gd name="connsiteY9" fmla="*/ 1370834 h 1765189"/>
+                <a:gd name="connsiteX10" fmla="*/ 421508 w 463622"/>
+                <a:gd name="connsiteY10" fmla="*/ 1200101 h 1765189"/>
+                <a:gd name="connsiteX11" fmla="*/ 318560 w 463622"/>
+                <a:gd name="connsiteY11" fmla="*/ 1101639 h 1765189"/>
+                <a:gd name="connsiteX12" fmla="*/ 333112 w 463622"/>
+                <a:gd name="connsiteY12" fmla="*/ 17549 h 1765189"/>
+                <a:gd name="connsiteX13" fmla="*/ 249432 w 463622"/>
+                <a:gd name="connsiteY13" fmla="*/ 0 h 1765189"/>
+                <a:gd name="connsiteX14" fmla="*/ 190586 w 463622"/>
+                <a:gd name="connsiteY14" fmla="*/ 15353 h 1765189"/>
+                <a:gd name="connsiteX15" fmla="*/ 147046 w 463622"/>
+                <a:gd name="connsiteY15" fmla="*/ 35737 h 1765189"/>
+                <a:gd name="connsiteX0" fmla="*/ 147046 w 466922"/>
+                <a:gd name="connsiteY0" fmla="*/ 35737 h 1765189"/>
+                <a:gd name="connsiteX1" fmla="*/ 147544 w 466922"/>
+                <a:gd name="connsiteY1" fmla="*/ 1117347 h 1765189"/>
+                <a:gd name="connsiteX2" fmla="*/ 41179 w 466922"/>
+                <a:gd name="connsiteY2" fmla="*/ 1218602 h 1765189"/>
+                <a:gd name="connsiteX3" fmla="*/ 0 w 466922"/>
+                <a:gd name="connsiteY3" fmla="*/ 1416396 h 1765189"/>
+                <a:gd name="connsiteX4" fmla="*/ 7911 w 466922"/>
+                <a:gd name="connsiteY4" fmla="*/ 1594424 h 1765189"/>
+                <a:gd name="connsiteX5" fmla="*/ 97134 w 466922"/>
+                <a:gd name="connsiteY5" fmla="*/ 1757545 h 1765189"/>
+                <a:gd name="connsiteX6" fmla="*/ 249432 w 466922"/>
+                <a:gd name="connsiteY6" fmla="*/ 1765189 h 1765189"/>
+                <a:gd name="connsiteX7" fmla="*/ 355332 w 466922"/>
+                <a:gd name="connsiteY7" fmla="*/ 1757545 h 1765189"/>
+                <a:gd name="connsiteX8" fmla="*/ 466922 w 466922"/>
+                <a:gd name="connsiteY8" fmla="*/ 1568230 h 1765189"/>
+                <a:gd name="connsiteX9" fmla="*/ 462718 w 466922"/>
+                <a:gd name="connsiteY9" fmla="*/ 1370834 h 1765189"/>
+                <a:gd name="connsiteX10" fmla="*/ 421508 w 466922"/>
+                <a:gd name="connsiteY10" fmla="*/ 1200101 h 1765189"/>
+                <a:gd name="connsiteX11" fmla="*/ 318560 w 466922"/>
+                <a:gd name="connsiteY11" fmla="*/ 1101639 h 1765189"/>
+                <a:gd name="connsiteX12" fmla="*/ 333112 w 466922"/>
+                <a:gd name="connsiteY12" fmla="*/ 17549 h 1765189"/>
+                <a:gd name="connsiteX13" fmla="*/ 249432 w 466922"/>
+                <a:gd name="connsiteY13" fmla="*/ 0 h 1765189"/>
+                <a:gd name="connsiteX14" fmla="*/ 190586 w 466922"/>
+                <a:gd name="connsiteY14" fmla="*/ 15353 h 1765189"/>
+                <a:gd name="connsiteX15" fmla="*/ 147046 w 466922"/>
+                <a:gd name="connsiteY15" fmla="*/ 35737 h 1765189"/>
+                <a:gd name="connsiteX0" fmla="*/ 147046 w 466922"/>
+                <a:gd name="connsiteY0" fmla="*/ 35737 h 1765189"/>
+                <a:gd name="connsiteX1" fmla="*/ 147544 w 466922"/>
+                <a:gd name="connsiteY1" fmla="*/ 1117347 h 1765189"/>
+                <a:gd name="connsiteX2" fmla="*/ 41179 w 466922"/>
+                <a:gd name="connsiteY2" fmla="*/ 1218602 h 1765189"/>
+                <a:gd name="connsiteX3" fmla="*/ 0 w 466922"/>
+                <a:gd name="connsiteY3" fmla="*/ 1416396 h 1765189"/>
+                <a:gd name="connsiteX4" fmla="*/ 7911 w 466922"/>
+                <a:gd name="connsiteY4" fmla="*/ 1594424 h 1765189"/>
+                <a:gd name="connsiteX5" fmla="*/ 97134 w 466922"/>
+                <a:gd name="connsiteY5" fmla="*/ 1757545 h 1765189"/>
+                <a:gd name="connsiteX6" fmla="*/ 249432 w 466922"/>
+                <a:gd name="connsiteY6" fmla="*/ 1765189 h 1765189"/>
+                <a:gd name="connsiteX7" fmla="*/ 355332 w 466922"/>
+                <a:gd name="connsiteY7" fmla="*/ 1757545 h 1765189"/>
+                <a:gd name="connsiteX8" fmla="*/ 466922 w 466922"/>
+                <a:gd name="connsiteY8" fmla="*/ 1574228 h 1765189"/>
+                <a:gd name="connsiteX9" fmla="*/ 462718 w 466922"/>
+                <a:gd name="connsiteY9" fmla="*/ 1370834 h 1765189"/>
+                <a:gd name="connsiteX10" fmla="*/ 421508 w 466922"/>
+                <a:gd name="connsiteY10" fmla="*/ 1200101 h 1765189"/>
+                <a:gd name="connsiteX11" fmla="*/ 318560 w 466922"/>
+                <a:gd name="connsiteY11" fmla="*/ 1101639 h 1765189"/>
+                <a:gd name="connsiteX12" fmla="*/ 333112 w 466922"/>
+                <a:gd name="connsiteY12" fmla="*/ 17549 h 1765189"/>
+                <a:gd name="connsiteX13" fmla="*/ 249432 w 466922"/>
+                <a:gd name="connsiteY13" fmla="*/ 0 h 1765189"/>
+                <a:gd name="connsiteX14" fmla="*/ 190586 w 466922"/>
+                <a:gd name="connsiteY14" fmla="*/ 15353 h 1765189"/>
+                <a:gd name="connsiteX15" fmla="*/ 147046 w 466922"/>
+                <a:gd name="connsiteY15" fmla="*/ 35737 h 1765189"/>
+                <a:gd name="connsiteX0" fmla="*/ 147046 w 462728"/>
+                <a:gd name="connsiteY0" fmla="*/ 35737 h 1765189"/>
+                <a:gd name="connsiteX1" fmla="*/ 147544 w 462728"/>
+                <a:gd name="connsiteY1" fmla="*/ 1117347 h 1765189"/>
+                <a:gd name="connsiteX2" fmla="*/ 41179 w 462728"/>
+                <a:gd name="connsiteY2" fmla="*/ 1218602 h 1765189"/>
+                <a:gd name="connsiteX3" fmla="*/ 0 w 462728"/>
+                <a:gd name="connsiteY3" fmla="*/ 1416396 h 1765189"/>
+                <a:gd name="connsiteX4" fmla="*/ 7911 w 462728"/>
+                <a:gd name="connsiteY4" fmla="*/ 1594424 h 1765189"/>
+                <a:gd name="connsiteX5" fmla="*/ 97134 w 462728"/>
+                <a:gd name="connsiteY5" fmla="*/ 1757545 h 1765189"/>
+                <a:gd name="connsiteX6" fmla="*/ 249432 w 462728"/>
+                <a:gd name="connsiteY6" fmla="*/ 1765189 h 1765189"/>
+                <a:gd name="connsiteX7" fmla="*/ 355332 w 462728"/>
+                <a:gd name="connsiteY7" fmla="*/ 1757545 h 1765189"/>
+                <a:gd name="connsiteX8" fmla="*/ 457021 w 462728"/>
+                <a:gd name="connsiteY8" fmla="*/ 1586224 h 1765189"/>
+                <a:gd name="connsiteX9" fmla="*/ 462718 w 462728"/>
+                <a:gd name="connsiteY9" fmla="*/ 1370834 h 1765189"/>
+                <a:gd name="connsiteX10" fmla="*/ 421508 w 462728"/>
+                <a:gd name="connsiteY10" fmla="*/ 1200101 h 1765189"/>
+                <a:gd name="connsiteX11" fmla="*/ 318560 w 462728"/>
+                <a:gd name="connsiteY11" fmla="*/ 1101639 h 1765189"/>
+                <a:gd name="connsiteX12" fmla="*/ 333112 w 462728"/>
+                <a:gd name="connsiteY12" fmla="*/ 17549 h 1765189"/>
+                <a:gd name="connsiteX13" fmla="*/ 249432 w 462728"/>
+                <a:gd name="connsiteY13" fmla="*/ 0 h 1765189"/>
+                <a:gd name="connsiteX14" fmla="*/ 190586 w 462728"/>
+                <a:gd name="connsiteY14" fmla="*/ 15353 h 1765189"/>
+                <a:gd name="connsiteX15" fmla="*/ 147046 w 462728"/>
+                <a:gd name="connsiteY15" fmla="*/ 35737 h 1765189"/>
+                <a:gd name="connsiteX0" fmla="*/ 147046 w 462728"/>
+                <a:gd name="connsiteY0" fmla="*/ 35737 h 1765189"/>
+                <a:gd name="connsiteX1" fmla="*/ 147544 w 462728"/>
+                <a:gd name="connsiteY1" fmla="*/ 1117347 h 1765189"/>
+                <a:gd name="connsiteX2" fmla="*/ 41179 w 462728"/>
+                <a:gd name="connsiteY2" fmla="*/ 1218602 h 1765189"/>
+                <a:gd name="connsiteX3" fmla="*/ 0 w 462728"/>
+                <a:gd name="connsiteY3" fmla="*/ 1416396 h 1765189"/>
+                <a:gd name="connsiteX4" fmla="*/ 7911 w 462728"/>
+                <a:gd name="connsiteY4" fmla="*/ 1594424 h 1765189"/>
+                <a:gd name="connsiteX5" fmla="*/ 97134 w 462728"/>
+                <a:gd name="connsiteY5" fmla="*/ 1757545 h 1765189"/>
+                <a:gd name="connsiteX6" fmla="*/ 249432 w 462728"/>
+                <a:gd name="connsiteY6" fmla="*/ 1765189 h 1765189"/>
+                <a:gd name="connsiteX7" fmla="*/ 355332 w 462728"/>
+                <a:gd name="connsiteY7" fmla="*/ 1757545 h 1765189"/>
+                <a:gd name="connsiteX8" fmla="*/ 457021 w 462728"/>
+                <a:gd name="connsiteY8" fmla="*/ 1586224 h 1765189"/>
+                <a:gd name="connsiteX9" fmla="*/ 462718 w 462728"/>
+                <a:gd name="connsiteY9" fmla="*/ 1370834 h 1765189"/>
+                <a:gd name="connsiteX10" fmla="*/ 421508 w 462728"/>
+                <a:gd name="connsiteY10" fmla="*/ 1200101 h 1765189"/>
+                <a:gd name="connsiteX11" fmla="*/ 318560 w 462728"/>
+                <a:gd name="connsiteY11" fmla="*/ 1101639 h 1765189"/>
+                <a:gd name="connsiteX12" fmla="*/ 319910 w 462728"/>
+                <a:gd name="connsiteY12" fmla="*/ 17549 h 1765189"/>
+                <a:gd name="connsiteX13" fmla="*/ 249432 w 462728"/>
+                <a:gd name="connsiteY13" fmla="*/ 0 h 1765189"/>
+                <a:gd name="connsiteX14" fmla="*/ 190586 w 462728"/>
+                <a:gd name="connsiteY14" fmla="*/ 15353 h 1765189"/>
+                <a:gd name="connsiteX15" fmla="*/ 147046 w 462728"/>
+                <a:gd name="connsiteY15" fmla="*/ 35737 h 1765189"/>
+                <a:gd name="connsiteX0" fmla="*/ 147046 w 462728"/>
+                <a:gd name="connsiteY0" fmla="*/ 62366 h 1791818"/>
+                <a:gd name="connsiteX1" fmla="*/ 147544 w 462728"/>
+                <a:gd name="connsiteY1" fmla="*/ 1143976 h 1791818"/>
+                <a:gd name="connsiteX2" fmla="*/ 41179 w 462728"/>
+                <a:gd name="connsiteY2" fmla="*/ 1245231 h 1791818"/>
+                <a:gd name="connsiteX3" fmla="*/ 0 w 462728"/>
+                <a:gd name="connsiteY3" fmla="*/ 1443025 h 1791818"/>
+                <a:gd name="connsiteX4" fmla="*/ 7911 w 462728"/>
+                <a:gd name="connsiteY4" fmla="*/ 1621053 h 1791818"/>
+                <a:gd name="connsiteX5" fmla="*/ 97134 w 462728"/>
+                <a:gd name="connsiteY5" fmla="*/ 1784174 h 1791818"/>
+                <a:gd name="connsiteX6" fmla="*/ 249432 w 462728"/>
+                <a:gd name="connsiteY6" fmla="*/ 1791818 h 1791818"/>
+                <a:gd name="connsiteX7" fmla="*/ 355332 w 462728"/>
+                <a:gd name="connsiteY7" fmla="*/ 1784174 h 1791818"/>
+                <a:gd name="connsiteX8" fmla="*/ 457021 w 462728"/>
+                <a:gd name="connsiteY8" fmla="*/ 1612853 h 1791818"/>
+                <a:gd name="connsiteX9" fmla="*/ 462718 w 462728"/>
+                <a:gd name="connsiteY9" fmla="*/ 1397463 h 1791818"/>
+                <a:gd name="connsiteX10" fmla="*/ 421508 w 462728"/>
+                <a:gd name="connsiteY10" fmla="*/ 1226730 h 1791818"/>
+                <a:gd name="connsiteX11" fmla="*/ 318560 w 462728"/>
+                <a:gd name="connsiteY11" fmla="*/ 1128268 h 1791818"/>
+                <a:gd name="connsiteX12" fmla="*/ 319910 w 462728"/>
+                <a:gd name="connsiteY12" fmla="*/ 44178 h 1791818"/>
+                <a:gd name="connsiteX13" fmla="*/ 249432 w 462728"/>
+                <a:gd name="connsiteY13" fmla="*/ 26629 h 1791818"/>
+                <a:gd name="connsiteX14" fmla="*/ 187285 w 462728"/>
+                <a:gd name="connsiteY14" fmla="*/ 0 h 1791818"/>
+                <a:gd name="connsiteX15" fmla="*/ 147046 w 462728"/>
+                <a:gd name="connsiteY15" fmla="*/ 62366 h 1791818"/>
+                <a:gd name="connsiteX0" fmla="*/ 147046 w 462728"/>
+                <a:gd name="connsiteY0" fmla="*/ 62366 h 1791818"/>
+                <a:gd name="connsiteX1" fmla="*/ 147544 w 462728"/>
+                <a:gd name="connsiteY1" fmla="*/ 1143976 h 1791818"/>
+                <a:gd name="connsiteX2" fmla="*/ 41179 w 462728"/>
+                <a:gd name="connsiteY2" fmla="*/ 1245231 h 1791818"/>
+                <a:gd name="connsiteX3" fmla="*/ 0 w 462728"/>
+                <a:gd name="connsiteY3" fmla="*/ 1443025 h 1791818"/>
+                <a:gd name="connsiteX4" fmla="*/ 7911 w 462728"/>
+                <a:gd name="connsiteY4" fmla="*/ 1621053 h 1791818"/>
+                <a:gd name="connsiteX5" fmla="*/ 97134 w 462728"/>
+                <a:gd name="connsiteY5" fmla="*/ 1784174 h 1791818"/>
+                <a:gd name="connsiteX6" fmla="*/ 249432 w 462728"/>
+                <a:gd name="connsiteY6" fmla="*/ 1791818 h 1791818"/>
+                <a:gd name="connsiteX7" fmla="*/ 355332 w 462728"/>
+                <a:gd name="connsiteY7" fmla="*/ 1784174 h 1791818"/>
+                <a:gd name="connsiteX8" fmla="*/ 457021 w 462728"/>
+                <a:gd name="connsiteY8" fmla="*/ 1612853 h 1791818"/>
+                <a:gd name="connsiteX9" fmla="*/ 462718 w 462728"/>
+                <a:gd name="connsiteY9" fmla="*/ 1397463 h 1791818"/>
+                <a:gd name="connsiteX10" fmla="*/ 421508 w 462728"/>
+                <a:gd name="connsiteY10" fmla="*/ 1226730 h 1791818"/>
+                <a:gd name="connsiteX11" fmla="*/ 318560 w 462728"/>
+                <a:gd name="connsiteY11" fmla="*/ 1128268 h 1791818"/>
+                <a:gd name="connsiteX12" fmla="*/ 319910 w 462728"/>
+                <a:gd name="connsiteY12" fmla="*/ 44178 h 1791818"/>
+                <a:gd name="connsiteX13" fmla="*/ 249432 w 462728"/>
+                <a:gd name="connsiteY13" fmla="*/ 2639 h 1791818"/>
+                <a:gd name="connsiteX14" fmla="*/ 187285 w 462728"/>
+                <a:gd name="connsiteY14" fmla="*/ 0 h 1791818"/>
+                <a:gd name="connsiteX15" fmla="*/ 147046 w 462728"/>
+                <a:gd name="connsiteY15" fmla="*/ 62366 h 1791818"/>
+                <a:gd name="connsiteX0" fmla="*/ 147046 w 462728"/>
+                <a:gd name="connsiteY0" fmla="*/ 62366 h 1791818"/>
+                <a:gd name="connsiteX1" fmla="*/ 147544 w 462728"/>
+                <a:gd name="connsiteY1" fmla="*/ 1143976 h 1791818"/>
+                <a:gd name="connsiteX2" fmla="*/ 41179 w 462728"/>
+                <a:gd name="connsiteY2" fmla="*/ 1245231 h 1791818"/>
+                <a:gd name="connsiteX3" fmla="*/ 0 w 462728"/>
+                <a:gd name="connsiteY3" fmla="*/ 1443025 h 1791818"/>
+                <a:gd name="connsiteX4" fmla="*/ 7911 w 462728"/>
+                <a:gd name="connsiteY4" fmla="*/ 1621053 h 1791818"/>
+                <a:gd name="connsiteX5" fmla="*/ 97134 w 462728"/>
+                <a:gd name="connsiteY5" fmla="*/ 1784174 h 1791818"/>
+                <a:gd name="connsiteX6" fmla="*/ 249432 w 462728"/>
+                <a:gd name="connsiteY6" fmla="*/ 1791818 h 1791818"/>
+                <a:gd name="connsiteX7" fmla="*/ 355332 w 462728"/>
+                <a:gd name="connsiteY7" fmla="*/ 1784174 h 1791818"/>
+                <a:gd name="connsiteX8" fmla="*/ 457021 w 462728"/>
+                <a:gd name="connsiteY8" fmla="*/ 1612853 h 1791818"/>
+                <a:gd name="connsiteX9" fmla="*/ 462718 w 462728"/>
+                <a:gd name="connsiteY9" fmla="*/ 1397463 h 1791818"/>
+                <a:gd name="connsiteX10" fmla="*/ 421508 w 462728"/>
+                <a:gd name="connsiteY10" fmla="*/ 1226730 h 1791818"/>
+                <a:gd name="connsiteX11" fmla="*/ 318560 w 462728"/>
+                <a:gd name="connsiteY11" fmla="*/ 1128268 h 1791818"/>
+                <a:gd name="connsiteX12" fmla="*/ 319910 w 462728"/>
+                <a:gd name="connsiteY12" fmla="*/ 44178 h 1791818"/>
+                <a:gd name="connsiteX13" fmla="*/ 276477 w 462728"/>
+                <a:gd name="connsiteY13" fmla="*/ 5226 h 1791818"/>
+                <a:gd name="connsiteX14" fmla="*/ 187285 w 462728"/>
+                <a:gd name="connsiteY14" fmla="*/ 0 h 1791818"/>
+                <a:gd name="connsiteX15" fmla="*/ 147046 w 462728"/>
+                <a:gd name="connsiteY15" fmla="*/ 62366 h 1791818"/>
+                <a:gd name="connsiteX0" fmla="*/ 147046 w 462728"/>
+                <a:gd name="connsiteY0" fmla="*/ 62366 h 1791818"/>
+                <a:gd name="connsiteX1" fmla="*/ 147544 w 462728"/>
+                <a:gd name="connsiteY1" fmla="*/ 1143976 h 1791818"/>
+                <a:gd name="connsiteX2" fmla="*/ 41179 w 462728"/>
+                <a:gd name="connsiteY2" fmla="*/ 1245231 h 1791818"/>
+                <a:gd name="connsiteX3" fmla="*/ 0 w 462728"/>
+                <a:gd name="connsiteY3" fmla="*/ 1443025 h 1791818"/>
+                <a:gd name="connsiteX4" fmla="*/ 7911 w 462728"/>
+                <a:gd name="connsiteY4" fmla="*/ 1621053 h 1791818"/>
+                <a:gd name="connsiteX5" fmla="*/ 97134 w 462728"/>
+                <a:gd name="connsiteY5" fmla="*/ 1784174 h 1791818"/>
+                <a:gd name="connsiteX6" fmla="*/ 249432 w 462728"/>
+                <a:gd name="connsiteY6" fmla="*/ 1791818 h 1791818"/>
+                <a:gd name="connsiteX7" fmla="*/ 355332 w 462728"/>
+                <a:gd name="connsiteY7" fmla="*/ 1784174 h 1791818"/>
+                <a:gd name="connsiteX8" fmla="*/ 457021 w 462728"/>
+                <a:gd name="connsiteY8" fmla="*/ 1612853 h 1791818"/>
+                <a:gd name="connsiteX9" fmla="*/ 462718 w 462728"/>
+                <a:gd name="connsiteY9" fmla="*/ 1397463 h 1791818"/>
+                <a:gd name="connsiteX10" fmla="*/ 421508 w 462728"/>
+                <a:gd name="connsiteY10" fmla="*/ 1226730 h 1791818"/>
+                <a:gd name="connsiteX11" fmla="*/ 318560 w 462728"/>
+                <a:gd name="connsiteY11" fmla="*/ 1128268 h 1791818"/>
+                <a:gd name="connsiteX12" fmla="*/ 319910 w 462728"/>
+                <a:gd name="connsiteY12" fmla="*/ 44178 h 1791818"/>
+                <a:gd name="connsiteX13" fmla="*/ 276477 w 462728"/>
+                <a:gd name="connsiteY13" fmla="*/ 5226 h 1791818"/>
+                <a:gd name="connsiteX14" fmla="*/ 187285 w 462728"/>
+                <a:gd name="connsiteY14" fmla="*/ 0 h 1791818"/>
+                <a:gd name="connsiteX15" fmla="*/ 147046 w 462728"/>
+                <a:gd name="connsiteY15" fmla="*/ 62366 h 1791818"/>
+                <a:gd name="connsiteX0" fmla="*/ 147046 w 462728"/>
+                <a:gd name="connsiteY0" fmla="*/ 62366 h 1791818"/>
+                <a:gd name="connsiteX1" fmla="*/ 147544 w 462728"/>
+                <a:gd name="connsiteY1" fmla="*/ 1143976 h 1791818"/>
+                <a:gd name="connsiteX2" fmla="*/ 41179 w 462728"/>
+                <a:gd name="connsiteY2" fmla="*/ 1245231 h 1791818"/>
+                <a:gd name="connsiteX3" fmla="*/ 0 w 462728"/>
+                <a:gd name="connsiteY3" fmla="*/ 1443025 h 1791818"/>
+                <a:gd name="connsiteX4" fmla="*/ 7911 w 462728"/>
+                <a:gd name="connsiteY4" fmla="*/ 1621053 h 1791818"/>
+                <a:gd name="connsiteX5" fmla="*/ 97134 w 462728"/>
+                <a:gd name="connsiteY5" fmla="*/ 1784174 h 1791818"/>
+                <a:gd name="connsiteX6" fmla="*/ 249432 w 462728"/>
+                <a:gd name="connsiteY6" fmla="*/ 1791818 h 1791818"/>
+                <a:gd name="connsiteX7" fmla="*/ 355332 w 462728"/>
+                <a:gd name="connsiteY7" fmla="*/ 1784174 h 1791818"/>
+                <a:gd name="connsiteX8" fmla="*/ 457021 w 462728"/>
+                <a:gd name="connsiteY8" fmla="*/ 1612853 h 1791818"/>
+                <a:gd name="connsiteX9" fmla="*/ 462718 w 462728"/>
+                <a:gd name="connsiteY9" fmla="*/ 1397463 h 1791818"/>
+                <a:gd name="connsiteX10" fmla="*/ 421508 w 462728"/>
+                <a:gd name="connsiteY10" fmla="*/ 1226730 h 1791818"/>
+                <a:gd name="connsiteX11" fmla="*/ 318560 w 462728"/>
+                <a:gd name="connsiteY11" fmla="*/ 1128268 h 1791818"/>
+                <a:gd name="connsiteX12" fmla="*/ 319910 w 462728"/>
+                <a:gd name="connsiteY12" fmla="*/ 44178 h 1791818"/>
+                <a:gd name="connsiteX13" fmla="*/ 276477 w 462728"/>
+                <a:gd name="connsiteY13" fmla="*/ 5226 h 1791818"/>
+                <a:gd name="connsiteX14" fmla="*/ 187285 w 462728"/>
+                <a:gd name="connsiteY14" fmla="*/ 0 h 1791818"/>
+                <a:gd name="connsiteX15" fmla="*/ 147046 w 462728"/>
+                <a:gd name="connsiteY15" fmla="*/ 62366 h 1791818"/>
+                <a:gd name="connsiteX0" fmla="*/ 147046 w 462728"/>
+                <a:gd name="connsiteY0" fmla="*/ 62366 h 1791818"/>
+                <a:gd name="connsiteX1" fmla="*/ 147544 w 462728"/>
+                <a:gd name="connsiteY1" fmla="*/ 1143976 h 1791818"/>
+                <a:gd name="connsiteX2" fmla="*/ 41179 w 462728"/>
+                <a:gd name="connsiteY2" fmla="*/ 1245231 h 1791818"/>
+                <a:gd name="connsiteX3" fmla="*/ 0 w 462728"/>
+                <a:gd name="connsiteY3" fmla="*/ 1443025 h 1791818"/>
+                <a:gd name="connsiteX4" fmla="*/ 7911 w 462728"/>
+                <a:gd name="connsiteY4" fmla="*/ 1621053 h 1791818"/>
+                <a:gd name="connsiteX5" fmla="*/ 97134 w 462728"/>
+                <a:gd name="connsiteY5" fmla="*/ 1784174 h 1791818"/>
+                <a:gd name="connsiteX6" fmla="*/ 249432 w 462728"/>
+                <a:gd name="connsiteY6" fmla="*/ 1791818 h 1791818"/>
+                <a:gd name="connsiteX7" fmla="*/ 355332 w 462728"/>
+                <a:gd name="connsiteY7" fmla="*/ 1784174 h 1791818"/>
+                <a:gd name="connsiteX8" fmla="*/ 457021 w 462728"/>
+                <a:gd name="connsiteY8" fmla="*/ 1612853 h 1791818"/>
+                <a:gd name="connsiteX9" fmla="*/ 462718 w 462728"/>
+                <a:gd name="connsiteY9" fmla="*/ 1397463 h 1791818"/>
+                <a:gd name="connsiteX10" fmla="*/ 421508 w 462728"/>
+                <a:gd name="connsiteY10" fmla="*/ 1226730 h 1791818"/>
+                <a:gd name="connsiteX11" fmla="*/ 318560 w 462728"/>
+                <a:gd name="connsiteY11" fmla="*/ 1128268 h 1791818"/>
+                <a:gd name="connsiteX12" fmla="*/ 319910 w 462728"/>
+                <a:gd name="connsiteY12" fmla="*/ 44178 h 1791818"/>
+                <a:gd name="connsiteX13" fmla="*/ 276477 w 462728"/>
+                <a:gd name="connsiteY13" fmla="*/ 5226 h 1791818"/>
+                <a:gd name="connsiteX14" fmla="*/ 187285 w 462728"/>
+                <a:gd name="connsiteY14" fmla="*/ 0 h 1791818"/>
+                <a:gd name="connsiteX15" fmla="*/ 147046 w 462728"/>
+                <a:gd name="connsiteY15" fmla="*/ 62366 h 1791818"/>
+                <a:gd name="connsiteX0" fmla="*/ 147046 w 462728"/>
+                <a:gd name="connsiteY0" fmla="*/ 62366 h 1791818"/>
+                <a:gd name="connsiteX1" fmla="*/ 147544 w 462728"/>
+                <a:gd name="connsiteY1" fmla="*/ 1143976 h 1791818"/>
+                <a:gd name="connsiteX2" fmla="*/ 41179 w 462728"/>
+                <a:gd name="connsiteY2" fmla="*/ 1245231 h 1791818"/>
+                <a:gd name="connsiteX3" fmla="*/ 0 w 462728"/>
+                <a:gd name="connsiteY3" fmla="*/ 1443025 h 1791818"/>
+                <a:gd name="connsiteX4" fmla="*/ 7911 w 462728"/>
+                <a:gd name="connsiteY4" fmla="*/ 1621053 h 1791818"/>
+                <a:gd name="connsiteX5" fmla="*/ 97134 w 462728"/>
+                <a:gd name="connsiteY5" fmla="*/ 1784174 h 1791818"/>
+                <a:gd name="connsiteX6" fmla="*/ 249432 w 462728"/>
+                <a:gd name="connsiteY6" fmla="*/ 1791818 h 1791818"/>
+                <a:gd name="connsiteX7" fmla="*/ 355332 w 462728"/>
+                <a:gd name="connsiteY7" fmla="*/ 1784174 h 1791818"/>
+                <a:gd name="connsiteX8" fmla="*/ 457021 w 462728"/>
+                <a:gd name="connsiteY8" fmla="*/ 1612853 h 1791818"/>
+                <a:gd name="connsiteX9" fmla="*/ 462718 w 462728"/>
+                <a:gd name="connsiteY9" fmla="*/ 1397463 h 1791818"/>
+                <a:gd name="connsiteX10" fmla="*/ 421508 w 462728"/>
+                <a:gd name="connsiteY10" fmla="*/ 1226730 h 1791818"/>
+                <a:gd name="connsiteX11" fmla="*/ 318560 w 462728"/>
+                <a:gd name="connsiteY11" fmla="*/ 1128268 h 1791818"/>
+                <a:gd name="connsiteX12" fmla="*/ 319910 w 462728"/>
+                <a:gd name="connsiteY12" fmla="*/ 44178 h 1791818"/>
+                <a:gd name="connsiteX13" fmla="*/ 276477 w 462728"/>
+                <a:gd name="connsiteY13" fmla="*/ 5226 h 1791818"/>
+                <a:gd name="connsiteX14" fmla="*/ 187285 w 462728"/>
+                <a:gd name="connsiteY14" fmla="*/ 0 h 1791818"/>
+                <a:gd name="connsiteX15" fmla="*/ 147046 w 462728"/>
+                <a:gd name="connsiteY15" fmla="*/ 62366 h 1791818"/>
+                <a:gd name="connsiteX0" fmla="*/ 147046 w 462728"/>
+                <a:gd name="connsiteY0" fmla="*/ 62366 h 1791818"/>
+                <a:gd name="connsiteX1" fmla="*/ 147544 w 462728"/>
+                <a:gd name="connsiteY1" fmla="*/ 1143976 h 1791818"/>
+                <a:gd name="connsiteX2" fmla="*/ 41179 w 462728"/>
+                <a:gd name="connsiteY2" fmla="*/ 1245231 h 1791818"/>
+                <a:gd name="connsiteX3" fmla="*/ 0 w 462728"/>
+                <a:gd name="connsiteY3" fmla="*/ 1443025 h 1791818"/>
+                <a:gd name="connsiteX4" fmla="*/ 7911 w 462728"/>
+                <a:gd name="connsiteY4" fmla="*/ 1621053 h 1791818"/>
+                <a:gd name="connsiteX5" fmla="*/ 97134 w 462728"/>
+                <a:gd name="connsiteY5" fmla="*/ 1784174 h 1791818"/>
+                <a:gd name="connsiteX6" fmla="*/ 249432 w 462728"/>
+                <a:gd name="connsiteY6" fmla="*/ 1791818 h 1791818"/>
+                <a:gd name="connsiteX7" fmla="*/ 355332 w 462728"/>
+                <a:gd name="connsiteY7" fmla="*/ 1784174 h 1791818"/>
+                <a:gd name="connsiteX8" fmla="*/ 457021 w 462728"/>
+                <a:gd name="connsiteY8" fmla="*/ 1612853 h 1791818"/>
+                <a:gd name="connsiteX9" fmla="*/ 462718 w 462728"/>
+                <a:gd name="connsiteY9" fmla="*/ 1397463 h 1791818"/>
+                <a:gd name="connsiteX10" fmla="*/ 421508 w 462728"/>
+                <a:gd name="connsiteY10" fmla="*/ 1226730 h 1791818"/>
+                <a:gd name="connsiteX11" fmla="*/ 318560 w 462728"/>
+                <a:gd name="connsiteY11" fmla="*/ 1128268 h 1791818"/>
+                <a:gd name="connsiteX12" fmla="*/ 318164 w 462728"/>
+                <a:gd name="connsiteY12" fmla="*/ 63217 h 1791818"/>
+                <a:gd name="connsiteX13" fmla="*/ 276477 w 462728"/>
+                <a:gd name="connsiteY13" fmla="*/ 5226 h 1791818"/>
+                <a:gd name="connsiteX14" fmla="*/ 187285 w 462728"/>
+                <a:gd name="connsiteY14" fmla="*/ 0 h 1791818"/>
+                <a:gd name="connsiteX15" fmla="*/ 147046 w 462728"/>
+                <a:gd name="connsiteY15" fmla="*/ 62366 h 1791818"/>
+                <a:gd name="connsiteX0" fmla="*/ 147046 w 462728"/>
+                <a:gd name="connsiteY0" fmla="*/ 62366 h 1791818"/>
+                <a:gd name="connsiteX1" fmla="*/ 147544 w 462728"/>
+                <a:gd name="connsiteY1" fmla="*/ 1143976 h 1791818"/>
+                <a:gd name="connsiteX2" fmla="*/ 41179 w 462728"/>
+                <a:gd name="connsiteY2" fmla="*/ 1245231 h 1791818"/>
+                <a:gd name="connsiteX3" fmla="*/ 0 w 462728"/>
+                <a:gd name="connsiteY3" fmla="*/ 1443025 h 1791818"/>
+                <a:gd name="connsiteX4" fmla="*/ 7911 w 462728"/>
+                <a:gd name="connsiteY4" fmla="*/ 1621053 h 1791818"/>
+                <a:gd name="connsiteX5" fmla="*/ 97134 w 462728"/>
+                <a:gd name="connsiteY5" fmla="*/ 1784174 h 1791818"/>
+                <a:gd name="connsiteX6" fmla="*/ 249432 w 462728"/>
+                <a:gd name="connsiteY6" fmla="*/ 1791818 h 1791818"/>
+                <a:gd name="connsiteX7" fmla="*/ 355332 w 462728"/>
+                <a:gd name="connsiteY7" fmla="*/ 1784174 h 1791818"/>
+                <a:gd name="connsiteX8" fmla="*/ 457021 w 462728"/>
+                <a:gd name="connsiteY8" fmla="*/ 1612853 h 1791818"/>
+                <a:gd name="connsiteX9" fmla="*/ 462718 w 462728"/>
+                <a:gd name="connsiteY9" fmla="*/ 1397463 h 1791818"/>
+                <a:gd name="connsiteX10" fmla="*/ 421508 w 462728"/>
+                <a:gd name="connsiteY10" fmla="*/ 1226730 h 1791818"/>
+                <a:gd name="connsiteX11" fmla="*/ 318560 w 462728"/>
+                <a:gd name="connsiteY11" fmla="*/ 1128268 h 1791818"/>
+                <a:gd name="connsiteX12" fmla="*/ 318164 w 462728"/>
+                <a:gd name="connsiteY12" fmla="*/ 63217 h 1791818"/>
+                <a:gd name="connsiteX13" fmla="*/ 276477 w 462728"/>
+                <a:gd name="connsiteY13" fmla="*/ 5226 h 1791818"/>
+                <a:gd name="connsiteX14" fmla="*/ 187285 w 462728"/>
+                <a:gd name="connsiteY14" fmla="*/ 0 h 1791818"/>
+                <a:gd name="connsiteX15" fmla="*/ 147046 w 462728"/>
+                <a:gd name="connsiteY15" fmla="*/ 62366 h 1791818"/>
+                <a:gd name="connsiteX0" fmla="*/ 147046 w 462728"/>
+                <a:gd name="connsiteY0" fmla="*/ 62366 h 1791818"/>
+                <a:gd name="connsiteX1" fmla="*/ 147544 w 462728"/>
+                <a:gd name="connsiteY1" fmla="*/ 1143976 h 1791818"/>
+                <a:gd name="connsiteX2" fmla="*/ 41179 w 462728"/>
+                <a:gd name="connsiteY2" fmla="*/ 1245231 h 1791818"/>
+                <a:gd name="connsiteX3" fmla="*/ 0 w 462728"/>
+                <a:gd name="connsiteY3" fmla="*/ 1443025 h 1791818"/>
+                <a:gd name="connsiteX4" fmla="*/ 7911 w 462728"/>
+                <a:gd name="connsiteY4" fmla="*/ 1621053 h 1791818"/>
+                <a:gd name="connsiteX5" fmla="*/ 97134 w 462728"/>
+                <a:gd name="connsiteY5" fmla="*/ 1784174 h 1791818"/>
+                <a:gd name="connsiteX6" fmla="*/ 249432 w 462728"/>
+                <a:gd name="connsiteY6" fmla="*/ 1791818 h 1791818"/>
+                <a:gd name="connsiteX7" fmla="*/ 355332 w 462728"/>
+                <a:gd name="connsiteY7" fmla="*/ 1784174 h 1791818"/>
+                <a:gd name="connsiteX8" fmla="*/ 457021 w 462728"/>
+                <a:gd name="connsiteY8" fmla="*/ 1612853 h 1791818"/>
+                <a:gd name="connsiteX9" fmla="*/ 462718 w 462728"/>
+                <a:gd name="connsiteY9" fmla="*/ 1397463 h 1791818"/>
+                <a:gd name="connsiteX10" fmla="*/ 421508 w 462728"/>
+                <a:gd name="connsiteY10" fmla="*/ 1226730 h 1791818"/>
+                <a:gd name="connsiteX11" fmla="*/ 318560 w 462728"/>
+                <a:gd name="connsiteY11" fmla="*/ 1128268 h 1791818"/>
+                <a:gd name="connsiteX12" fmla="*/ 318164 w 462728"/>
+                <a:gd name="connsiteY12" fmla="*/ 63217 h 1791818"/>
+                <a:gd name="connsiteX13" fmla="*/ 276477 w 462728"/>
+                <a:gd name="connsiteY13" fmla="*/ 5226 h 1791818"/>
+                <a:gd name="connsiteX14" fmla="*/ 187285 w 462728"/>
+                <a:gd name="connsiteY14" fmla="*/ 0 h 1791818"/>
+                <a:gd name="connsiteX15" fmla="*/ 147046 w 462728"/>
+                <a:gd name="connsiteY15" fmla="*/ 62366 h 1791818"/>
+                <a:gd name="connsiteX0" fmla="*/ 141807 w 457489"/>
+                <a:gd name="connsiteY0" fmla="*/ 62366 h 1791818"/>
+                <a:gd name="connsiteX1" fmla="*/ 142305 w 457489"/>
+                <a:gd name="connsiteY1" fmla="*/ 1143976 h 1791818"/>
+                <a:gd name="connsiteX2" fmla="*/ 35940 w 457489"/>
+                <a:gd name="connsiteY2" fmla="*/ 1245231 h 1791818"/>
+                <a:gd name="connsiteX3" fmla="*/ 0 w 457489"/>
+                <a:gd name="connsiteY3" fmla="*/ 1392255 h 1791818"/>
+                <a:gd name="connsiteX4" fmla="*/ 2672 w 457489"/>
+                <a:gd name="connsiteY4" fmla="*/ 1621053 h 1791818"/>
+                <a:gd name="connsiteX5" fmla="*/ 91895 w 457489"/>
+                <a:gd name="connsiteY5" fmla="*/ 1784174 h 1791818"/>
+                <a:gd name="connsiteX6" fmla="*/ 244193 w 457489"/>
+                <a:gd name="connsiteY6" fmla="*/ 1791818 h 1791818"/>
+                <a:gd name="connsiteX7" fmla="*/ 350093 w 457489"/>
+                <a:gd name="connsiteY7" fmla="*/ 1784174 h 1791818"/>
+                <a:gd name="connsiteX8" fmla="*/ 451782 w 457489"/>
+                <a:gd name="connsiteY8" fmla="*/ 1612853 h 1791818"/>
+                <a:gd name="connsiteX9" fmla="*/ 457479 w 457489"/>
+                <a:gd name="connsiteY9" fmla="*/ 1397463 h 1791818"/>
+                <a:gd name="connsiteX10" fmla="*/ 416269 w 457489"/>
+                <a:gd name="connsiteY10" fmla="*/ 1226730 h 1791818"/>
+                <a:gd name="connsiteX11" fmla="*/ 313321 w 457489"/>
+                <a:gd name="connsiteY11" fmla="*/ 1128268 h 1791818"/>
+                <a:gd name="connsiteX12" fmla="*/ 312925 w 457489"/>
+                <a:gd name="connsiteY12" fmla="*/ 63217 h 1791818"/>
+                <a:gd name="connsiteX13" fmla="*/ 271238 w 457489"/>
+                <a:gd name="connsiteY13" fmla="*/ 5226 h 1791818"/>
+                <a:gd name="connsiteX14" fmla="*/ 182046 w 457489"/>
+                <a:gd name="connsiteY14" fmla="*/ 0 h 1791818"/>
+                <a:gd name="connsiteX15" fmla="*/ 141807 w 457489"/>
+                <a:gd name="connsiteY15" fmla="*/ 62366 h 1791818"/>
+                <a:gd name="connsiteX0" fmla="*/ 141807 w 457489"/>
+                <a:gd name="connsiteY0" fmla="*/ 62366 h 1791818"/>
+                <a:gd name="connsiteX1" fmla="*/ 142305 w 457489"/>
+                <a:gd name="connsiteY1" fmla="*/ 1143976 h 1791818"/>
+                <a:gd name="connsiteX2" fmla="*/ 46417 w 457489"/>
+                <a:gd name="connsiteY2" fmla="*/ 1226193 h 1791818"/>
+                <a:gd name="connsiteX3" fmla="*/ 0 w 457489"/>
+                <a:gd name="connsiteY3" fmla="*/ 1392255 h 1791818"/>
+                <a:gd name="connsiteX4" fmla="*/ 2672 w 457489"/>
+                <a:gd name="connsiteY4" fmla="*/ 1621053 h 1791818"/>
+                <a:gd name="connsiteX5" fmla="*/ 91895 w 457489"/>
+                <a:gd name="connsiteY5" fmla="*/ 1784174 h 1791818"/>
+                <a:gd name="connsiteX6" fmla="*/ 244193 w 457489"/>
+                <a:gd name="connsiteY6" fmla="*/ 1791818 h 1791818"/>
+                <a:gd name="connsiteX7" fmla="*/ 350093 w 457489"/>
+                <a:gd name="connsiteY7" fmla="*/ 1784174 h 1791818"/>
+                <a:gd name="connsiteX8" fmla="*/ 451782 w 457489"/>
+                <a:gd name="connsiteY8" fmla="*/ 1612853 h 1791818"/>
+                <a:gd name="connsiteX9" fmla="*/ 457479 w 457489"/>
+                <a:gd name="connsiteY9" fmla="*/ 1397463 h 1791818"/>
+                <a:gd name="connsiteX10" fmla="*/ 416269 w 457489"/>
+                <a:gd name="connsiteY10" fmla="*/ 1226730 h 1791818"/>
+                <a:gd name="connsiteX11" fmla="*/ 313321 w 457489"/>
+                <a:gd name="connsiteY11" fmla="*/ 1128268 h 1791818"/>
+                <a:gd name="connsiteX12" fmla="*/ 312925 w 457489"/>
+                <a:gd name="connsiteY12" fmla="*/ 63217 h 1791818"/>
+                <a:gd name="connsiteX13" fmla="*/ 271238 w 457489"/>
+                <a:gd name="connsiteY13" fmla="*/ 5226 h 1791818"/>
+                <a:gd name="connsiteX14" fmla="*/ 182046 w 457489"/>
+                <a:gd name="connsiteY14" fmla="*/ 0 h 1791818"/>
+                <a:gd name="connsiteX15" fmla="*/ 141807 w 457489"/>
+                <a:gd name="connsiteY15" fmla="*/ 62366 h 1791818"/>
+                <a:gd name="connsiteX0" fmla="*/ 141807 w 457489"/>
+                <a:gd name="connsiteY0" fmla="*/ 62366 h 1791818"/>
+                <a:gd name="connsiteX1" fmla="*/ 142305 w 457489"/>
+                <a:gd name="connsiteY1" fmla="*/ 1143976 h 1791818"/>
+                <a:gd name="connsiteX2" fmla="*/ 46417 w 457489"/>
+                <a:gd name="connsiteY2" fmla="*/ 1226193 h 1791818"/>
+                <a:gd name="connsiteX3" fmla="*/ 0 w 457489"/>
+                <a:gd name="connsiteY3" fmla="*/ 1392255 h 1791818"/>
+                <a:gd name="connsiteX4" fmla="*/ 2672 w 457489"/>
+                <a:gd name="connsiteY4" fmla="*/ 1621053 h 1791818"/>
+                <a:gd name="connsiteX5" fmla="*/ 91895 w 457489"/>
+                <a:gd name="connsiteY5" fmla="*/ 1784174 h 1791818"/>
+                <a:gd name="connsiteX6" fmla="*/ 244193 w 457489"/>
+                <a:gd name="connsiteY6" fmla="*/ 1791818 h 1791818"/>
+                <a:gd name="connsiteX7" fmla="*/ 350093 w 457489"/>
+                <a:gd name="connsiteY7" fmla="*/ 1784174 h 1791818"/>
+                <a:gd name="connsiteX8" fmla="*/ 451782 w 457489"/>
+                <a:gd name="connsiteY8" fmla="*/ 1612853 h 1791818"/>
+                <a:gd name="connsiteX9" fmla="*/ 457479 w 457489"/>
+                <a:gd name="connsiteY9" fmla="*/ 1397463 h 1791818"/>
+                <a:gd name="connsiteX10" fmla="*/ 419761 w 457489"/>
+                <a:gd name="connsiteY10" fmla="*/ 1223556 h 1791818"/>
+                <a:gd name="connsiteX11" fmla="*/ 313321 w 457489"/>
+                <a:gd name="connsiteY11" fmla="*/ 1128268 h 1791818"/>
+                <a:gd name="connsiteX12" fmla="*/ 312925 w 457489"/>
+                <a:gd name="connsiteY12" fmla="*/ 63217 h 1791818"/>
+                <a:gd name="connsiteX13" fmla="*/ 271238 w 457489"/>
+                <a:gd name="connsiteY13" fmla="*/ 5226 h 1791818"/>
+                <a:gd name="connsiteX14" fmla="*/ 182046 w 457489"/>
+                <a:gd name="connsiteY14" fmla="*/ 0 h 1791818"/>
+                <a:gd name="connsiteX15" fmla="*/ 141807 w 457489"/>
+                <a:gd name="connsiteY15" fmla="*/ 62366 h 1791818"/>
+                <a:gd name="connsiteX0" fmla="*/ 141807 w 457489"/>
+                <a:gd name="connsiteY0" fmla="*/ 62366 h 1791818"/>
+                <a:gd name="connsiteX1" fmla="*/ 142305 w 457489"/>
+                <a:gd name="connsiteY1" fmla="*/ 1143976 h 1791818"/>
+                <a:gd name="connsiteX2" fmla="*/ 46417 w 457489"/>
+                <a:gd name="connsiteY2" fmla="*/ 1226193 h 1791818"/>
+                <a:gd name="connsiteX3" fmla="*/ 0 w 457489"/>
+                <a:gd name="connsiteY3" fmla="*/ 1392255 h 1791818"/>
+                <a:gd name="connsiteX4" fmla="*/ 2672 w 457489"/>
+                <a:gd name="connsiteY4" fmla="*/ 1621053 h 1791818"/>
+                <a:gd name="connsiteX5" fmla="*/ 91895 w 457489"/>
+                <a:gd name="connsiteY5" fmla="*/ 1784174 h 1791818"/>
+                <a:gd name="connsiteX6" fmla="*/ 244193 w 457489"/>
+                <a:gd name="connsiteY6" fmla="*/ 1791818 h 1791818"/>
+                <a:gd name="connsiteX7" fmla="*/ 350093 w 457489"/>
+                <a:gd name="connsiteY7" fmla="*/ 1784174 h 1791818"/>
+                <a:gd name="connsiteX8" fmla="*/ 451782 w 457489"/>
+                <a:gd name="connsiteY8" fmla="*/ 1612853 h 1791818"/>
+                <a:gd name="connsiteX9" fmla="*/ 457479 w 457489"/>
+                <a:gd name="connsiteY9" fmla="*/ 1397463 h 1791818"/>
+                <a:gd name="connsiteX10" fmla="*/ 419761 w 457489"/>
+                <a:gd name="connsiteY10" fmla="*/ 1223556 h 1791818"/>
+                <a:gd name="connsiteX11" fmla="*/ 313321 w 457489"/>
+                <a:gd name="connsiteY11" fmla="*/ 1128268 h 1791818"/>
+                <a:gd name="connsiteX12" fmla="*/ 312925 w 457489"/>
+                <a:gd name="connsiteY12" fmla="*/ 63217 h 1791818"/>
+                <a:gd name="connsiteX13" fmla="*/ 271238 w 457489"/>
+                <a:gd name="connsiteY13" fmla="*/ 5226 h 1791818"/>
+                <a:gd name="connsiteX14" fmla="*/ 182046 w 457489"/>
+                <a:gd name="connsiteY14" fmla="*/ 0 h 1791818"/>
+                <a:gd name="connsiteX15" fmla="*/ 141807 w 457489"/>
+                <a:gd name="connsiteY15" fmla="*/ 62366 h 1791818"/>
+                <a:gd name="connsiteX0" fmla="*/ 141807 w 457489"/>
+                <a:gd name="connsiteY0" fmla="*/ 62366 h 1791818"/>
+                <a:gd name="connsiteX1" fmla="*/ 142305 w 457489"/>
+                <a:gd name="connsiteY1" fmla="*/ 1143976 h 1791818"/>
+                <a:gd name="connsiteX2" fmla="*/ 46417 w 457489"/>
+                <a:gd name="connsiteY2" fmla="*/ 1226193 h 1791818"/>
+                <a:gd name="connsiteX3" fmla="*/ 0 w 457489"/>
+                <a:gd name="connsiteY3" fmla="*/ 1392255 h 1791818"/>
+                <a:gd name="connsiteX4" fmla="*/ 2672 w 457489"/>
+                <a:gd name="connsiteY4" fmla="*/ 1621053 h 1791818"/>
+                <a:gd name="connsiteX5" fmla="*/ 91895 w 457489"/>
+                <a:gd name="connsiteY5" fmla="*/ 1784174 h 1791818"/>
+                <a:gd name="connsiteX6" fmla="*/ 244193 w 457489"/>
+                <a:gd name="connsiteY6" fmla="*/ 1791818 h 1791818"/>
+                <a:gd name="connsiteX7" fmla="*/ 350093 w 457489"/>
+                <a:gd name="connsiteY7" fmla="*/ 1784174 h 1791818"/>
+                <a:gd name="connsiteX8" fmla="*/ 451782 w 457489"/>
+                <a:gd name="connsiteY8" fmla="*/ 1612853 h 1791818"/>
+                <a:gd name="connsiteX9" fmla="*/ 457479 w 457489"/>
+                <a:gd name="connsiteY9" fmla="*/ 1397463 h 1791818"/>
+                <a:gd name="connsiteX10" fmla="*/ 419761 w 457489"/>
+                <a:gd name="connsiteY10" fmla="*/ 1223556 h 1791818"/>
+                <a:gd name="connsiteX11" fmla="*/ 313321 w 457489"/>
+                <a:gd name="connsiteY11" fmla="*/ 1128268 h 1791818"/>
+                <a:gd name="connsiteX12" fmla="*/ 312925 w 457489"/>
+                <a:gd name="connsiteY12" fmla="*/ 63217 h 1791818"/>
+                <a:gd name="connsiteX13" fmla="*/ 271238 w 457489"/>
+                <a:gd name="connsiteY13" fmla="*/ 5226 h 1791818"/>
+                <a:gd name="connsiteX14" fmla="*/ 182046 w 457489"/>
+                <a:gd name="connsiteY14" fmla="*/ 0 h 1791818"/>
+                <a:gd name="connsiteX15" fmla="*/ 141807 w 457489"/>
+                <a:gd name="connsiteY15" fmla="*/ 62366 h 1791818"/>
+                <a:gd name="connsiteX0" fmla="*/ 141807 w 457489"/>
+                <a:gd name="connsiteY0" fmla="*/ 66659 h 1796111"/>
+                <a:gd name="connsiteX1" fmla="*/ 142305 w 457489"/>
+                <a:gd name="connsiteY1" fmla="*/ 1148269 h 1796111"/>
+                <a:gd name="connsiteX2" fmla="*/ 46417 w 457489"/>
+                <a:gd name="connsiteY2" fmla="*/ 1230486 h 1796111"/>
+                <a:gd name="connsiteX3" fmla="*/ 0 w 457489"/>
+                <a:gd name="connsiteY3" fmla="*/ 1396548 h 1796111"/>
+                <a:gd name="connsiteX4" fmla="*/ 2672 w 457489"/>
+                <a:gd name="connsiteY4" fmla="*/ 1625346 h 1796111"/>
+                <a:gd name="connsiteX5" fmla="*/ 91895 w 457489"/>
+                <a:gd name="connsiteY5" fmla="*/ 1788467 h 1796111"/>
+                <a:gd name="connsiteX6" fmla="*/ 244193 w 457489"/>
+                <a:gd name="connsiteY6" fmla="*/ 1796111 h 1796111"/>
+                <a:gd name="connsiteX7" fmla="*/ 350093 w 457489"/>
+                <a:gd name="connsiteY7" fmla="*/ 1788467 h 1796111"/>
+                <a:gd name="connsiteX8" fmla="*/ 451782 w 457489"/>
+                <a:gd name="connsiteY8" fmla="*/ 1617146 h 1796111"/>
+                <a:gd name="connsiteX9" fmla="*/ 457479 w 457489"/>
+                <a:gd name="connsiteY9" fmla="*/ 1401756 h 1796111"/>
+                <a:gd name="connsiteX10" fmla="*/ 419761 w 457489"/>
+                <a:gd name="connsiteY10" fmla="*/ 1227849 h 1796111"/>
+                <a:gd name="connsiteX11" fmla="*/ 313321 w 457489"/>
+                <a:gd name="connsiteY11" fmla="*/ 1132561 h 1796111"/>
+                <a:gd name="connsiteX12" fmla="*/ 312925 w 457489"/>
+                <a:gd name="connsiteY12" fmla="*/ 67510 h 1796111"/>
+                <a:gd name="connsiteX13" fmla="*/ 269492 w 457489"/>
+                <a:gd name="connsiteY13" fmla="*/ 0 h 1796111"/>
+                <a:gd name="connsiteX14" fmla="*/ 182046 w 457489"/>
+                <a:gd name="connsiteY14" fmla="*/ 4293 h 1796111"/>
+                <a:gd name="connsiteX15" fmla="*/ 141807 w 457489"/>
+                <a:gd name="connsiteY15" fmla="*/ 66659 h 1796111"/>
+                <a:gd name="connsiteX0" fmla="*/ 141807 w 457489"/>
+                <a:gd name="connsiteY0" fmla="*/ 66659 h 1796111"/>
+                <a:gd name="connsiteX1" fmla="*/ 142305 w 457489"/>
+                <a:gd name="connsiteY1" fmla="*/ 1148269 h 1796111"/>
+                <a:gd name="connsiteX2" fmla="*/ 46417 w 457489"/>
+                <a:gd name="connsiteY2" fmla="*/ 1230486 h 1796111"/>
+                <a:gd name="connsiteX3" fmla="*/ 0 w 457489"/>
+                <a:gd name="connsiteY3" fmla="*/ 1396548 h 1796111"/>
+                <a:gd name="connsiteX4" fmla="*/ 2672 w 457489"/>
+                <a:gd name="connsiteY4" fmla="*/ 1625346 h 1796111"/>
+                <a:gd name="connsiteX5" fmla="*/ 91895 w 457489"/>
+                <a:gd name="connsiteY5" fmla="*/ 1788467 h 1796111"/>
+                <a:gd name="connsiteX6" fmla="*/ 244193 w 457489"/>
+                <a:gd name="connsiteY6" fmla="*/ 1796111 h 1796111"/>
+                <a:gd name="connsiteX7" fmla="*/ 350093 w 457489"/>
+                <a:gd name="connsiteY7" fmla="*/ 1788467 h 1796111"/>
+                <a:gd name="connsiteX8" fmla="*/ 451782 w 457489"/>
+                <a:gd name="connsiteY8" fmla="*/ 1617146 h 1796111"/>
+                <a:gd name="connsiteX9" fmla="*/ 457479 w 457489"/>
+                <a:gd name="connsiteY9" fmla="*/ 1401756 h 1796111"/>
+                <a:gd name="connsiteX10" fmla="*/ 431984 w 457489"/>
+                <a:gd name="connsiteY10" fmla="*/ 1243715 h 1796111"/>
+                <a:gd name="connsiteX11" fmla="*/ 313321 w 457489"/>
+                <a:gd name="connsiteY11" fmla="*/ 1132561 h 1796111"/>
+                <a:gd name="connsiteX12" fmla="*/ 312925 w 457489"/>
+                <a:gd name="connsiteY12" fmla="*/ 67510 h 1796111"/>
+                <a:gd name="connsiteX13" fmla="*/ 269492 w 457489"/>
+                <a:gd name="connsiteY13" fmla="*/ 0 h 1796111"/>
+                <a:gd name="connsiteX14" fmla="*/ 182046 w 457489"/>
+                <a:gd name="connsiteY14" fmla="*/ 4293 h 1796111"/>
+                <a:gd name="connsiteX15" fmla="*/ 141807 w 457489"/>
+                <a:gd name="connsiteY15" fmla="*/ 66659 h 1796111"/>
+                <a:gd name="connsiteX0" fmla="*/ 141807 w 457489"/>
+                <a:gd name="connsiteY0" fmla="*/ 66659 h 1796111"/>
+                <a:gd name="connsiteX1" fmla="*/ 142305 w 457489"/>
+                <a:gd name="connsiteY1" fmla="*/ 1148269 h 1796111"/>
+                <a:gd name="connsiteX2" fmla="*/ 46417 w 457489"/>
+                <a:gd name="connsiteY2" fmla="*/ 1230486 h 1796111"/>
+                <a:gd name="connsiteX3" fmla="*/ 0 w 457489"/>
+                <a:gd name="connsiteY3" fmla="*/ 1396548 h 1796111"/>
+                <a:gd name="connsiteX4" fmla="*/ 2672 w 457489"/>
+                <a:gd name="connsiteY4" fmla="*/ 1625346 h 1796111"/>
+                <a:gd name="connsiteX5" fmla="*/ 91895 w 457489"/>
+                <a:gd name="connsiteY5" fmla="*/ 1788467 h 1796111"/>
+                <a:gd name="connsiteX6" fmla="*/ 244193 w 457489"/>
+                <a:gd name="connsiteY6" fmla="*/ 1796111 h 1796111"/>
+                <a:gd name="connsiteX7" fmla="*/ 350093 w 457489"/>
+                <a:gd name="connsiteY7" fmla="*/ 1788467 h 1796111"/>
+                <a:gd name="connsiteX8" fmla="*/ 451782 w 457489"/>
+                <a:gd name="connsiteY8" fmla="*/ 1617146 h 1796111"/>
+                <a:gd name="connsiteX9" fmla="*/ 457479 w 457489"/>
+                <a:gd name="connsiteY9" fmla="*/ 1401756 h 1796111"/>
+                <a:gd name="connsiteX10" fmla="*/ 424999 w 457489"/>
+                <a:gd name="connsiteY10" fmla="*/ 1227849 h 1796111"/>
+                <a:gd name="connsiteX11" fmla="*/ 313321 w 457489"/>
+                <a:gd name="connsiteY11" fmla="*/ 1132561 h 1796111"/>
+                <a:gd name="connsiteX12" fmla="*/ 312925 w 457489"/>
+                <a:gd name="connsiteY12" fmla="*/ 67510 h 1796111"/>
+                <a:gd name="connsiteX13" fmla="*/ 269492 w 457489"/>
+                <a:gd name="connsiteY13" fmla="*/ 0 h 1796111"/>
+                <a:gd name="connsiteX14" fmla="*/ 182046 w 457489"/>
+                <a:gd name="connsiteY14" fmla="*/ 4293 h 1796111"/>
+                <a:gd name="connsiteX15" fmla="*/ 141807 w 457489"/>
+                <a:gd name="connsiteY15" fmla="*/ 66659 h 1796111"/>
+                <a:gd name="connsiteX0" fmla="*/ 141807 w 457489"/>
+                <a:gd name="connsiteY0" fmla="*/ 66659 h 1796111"/>
+                <a:gd name="connsiteX1" fmla="*/ 142305 w 457489"/>
+                <a:gd name="connsiteY1" fmla="*/ 1148269 h 1796111"/>
+                <a:gd name="connsiteX2" fmla="*/ 46417 w 457489"/>
+                <a:gd name="connsiteY2" fmla="*/ 1230486 h 1796111"/>
+                <a:gd name="connsiteX3" fmla="*/ 0 w 457489"/>
+                <a:gd name="connsiteY3" fmla="*/ 1396548 h 1796111"/>
+                <a:gd name="connsiteX4" fmla="*/ 2672 w 457489"/>
+                <a:gd name="connsiteY4" fmla="*/ 1625346 h 1796111"/>
+                <a:gd name="connsiteX5" fmla="*/ 91895 w 457489"/>
+                <a:gd name="connsiteY5" fmla="*/ 1788467 h 1796111"/>
+                <a:gd name="connsiteX6" fmla="*/ 244193 w 457489"/>
+                <a:gd name="connsiteY6" fmla="*/ 1796111 h 1796111"/>
+                <a:gd name="connsiteX7" fmla="*/ 350093 w 457489"/>
+                <a:gd name="connsiteY7" fmla="*/ 1788467 h 1796111"/>
+                <a:gd name="connsiteX8" fmla="*/ 451782 w 457489"/>
+                <a:gd name="connsiteY8" fmla="*/ 1617146 h 1796111"/>
+                <a:gd name="connsiteX9" fmla="*/ 457479 w 457489"/>
+                <a:gd name="connsiteY9" fmla="*/ 1401756 h 1796111"/>
+                <a:gd name="connsiteX10" fmla="*/ 424999 w 457489"/>
+                <a:gd name="connsiteY10" fmla="*/ 1227849 h 1796111"/>
+                <a:gd name="connsiteX11" fmla="*/ 313321 w 457489"/>
+                <a:gd name="connsiteY11" fmla="*/ 1132561 h 1796111"/>
+                <a:gd name="connsiteX12" fmla="*/ 312925 w 457489"/>
+                <a:gd name="connsiteY12" fmla="*/ 67510 h 1796111"/>
+                <a:gd name="connsiteX13" fmla="*/ 269492 w 457489"/>
+                <a:gd name="connsiteY13" fmla="*/ 0 h 1796111"/>
+                <a:gd name="connsiteX14" fmla="*/ 182046 w 457489"/>
+                <a:gd name="connsiteY14" fmla="*/ 4293 h 1796111"/>
+                <a:gd name="connsiteX15" fmla="*/ 141807 w 457489"/>
+                <a:gd name="connsiteY15" fmla="*/ 66659 h 1796111"/>
+              </a:gdLst>
+              <a:ahLst/>
+              <a:cxnLst>
+                <a:cxn ang="0">
+                  <a:pos x="connsiteX0" y="connsiteY0"/>
+                </a:cxn>
+                <a:cxn ang="0">
+                  <a:pos x="connsiteX1" y="connsiteY1"/>
+                </a:cxn>
+                <a:cxn ang="0">
+                  <a:pos x="connsiteX2" y="connsiteY2"/>
+                </a:cxn>
+                <a:cxn ang="0">
+                  <a:pos x="connsiteX3" y="connsiteY3"/>
+                </a:cxn>
+                <a:cxn ang="0">
+                  <a:pos x="connsiteX4" y="connsiteY4"/>
+                </a:cxn>
+                <a:cxn ang="0">
+                  <a:pos x="connsiteX5" y="connsiteY5"/>
+                </a:cxn>
+                <a:cxn ang="0">
+                  <a:pos x="connsiteX6" y="connsiteY6"/>
+                </a:cxn>
+                <a:cxn ang="0">
+                  <a:pos x="connsiteX7" y="connsiteY7"/>
+                </a:cxn>
+                <a:cxn ang="0">
+                  <a:pos x="connsiteX8" y="connsiteY8"/>
+                </a:cxn>
+                <a:cxn ang="0">
+                  <a:pos x="connsiteX9" y="connsiteY9"/>
+                </a:cxn>
+                <a:cxn ang="0">
+                  <a:pos x="connsiteX10" y="connsiteY10"/>
+                </a:cxn>
+                <a:cxn ang="0">
+                  <a:pos x="connsiteX11" y="connsiteY11"/>
+                </a:cxn>
+                <a:cxn ang="0">
+                  <a:pos x="connsiteX12" y="connsiteY12"/>
+                </a:cxn>
+                <a:cxn ang="0">
+                  <a:pos x="connsiteX13" y="connsiteY13"/>
+                </a:cxn>
+                <a:cxn ang="0">
+                  <a:pos x="connsiteX14" y="connsiteY14"/>
+                </a:cxn>
+                <a:cxn ang="0">
+                  <a:pos x="connsiteX15" y="connsiteY15"/>
+                </a:cxn>
+              </a:cxnLst>
+              <a:rect l="l" t="t" r="r" b="b"/>
+              <a:pathLst>
+                <a:path w="457489" h="1796111">
+                  <a:moveTo>
+                    <a:pt x="141807" y="66659"/>
+                  </a:moveTo>
+                  <a:lnTo>
+                    <a:pt x="142305" y="1148269"/>
+                  </a:lnTo>
+                  <a:lnTo>
+                    <a:pt x="46417" y="1230486"/>
+                  </a:lnTo>
+                  <a:cubicBezTo>
+                    <a:pt x="9991" y="1315456"/>
+                    <a:pt x="13726" y="1330617"/>
+                    <a:pt x="0" y="1396548"/>
+                  </a:cubicBezTo>
+                  <a:cubicBezTo>
+                    <a:pt x="891" y="1472814"/>
+                    <a:pt x="1781" y="1549080"/>
+                    <a:pt x="2672" y="1625346"/>
+                  </a:cubicBezTo>
+                  <a:cubicBezTo>
+                    <a:pt x="21936" y="1724143"/>
+                    <a:pt x="53424" y="1749958"/>
+                    <a:pt x="91895" y="1788467"/>
+                  </a:cubicBezTo>
+                  <a:lnTo>
+                    <a:pt x="244193" y="1796111"/>
+                  </a:lnTo>
+                  <a:lnTo>
+                    <a:pt x="350093" y="1788467"/>
+                  </a:lnTo>
+                  <a:cubicBezTo>
+                    <a:pt x="390973" y="1744052"/>
+                    <a:pt x="428363" y="1696465"/>
+                    <a:pt x="451782" y="1617146"/>
+                  </a:cubicBezTo>
+                  <a:cubicBezTo>
+                    <a:pt x="451481" y="1523359"/>
+                    <a:pt x="457780" y="1495543"/>
+                    <a:pt x="457479" y="1401756"/>
+                  </a:cubicBezTo>
+                  <a:cubicBezTo>
+                    <a:pt x="443742" y="1344845"/>
+                    <a:pt x="450959" y="1303799"/>
+                    <a:pt x="424999" y="1227849"/>
+                  </a:cubicBezTo>
+                  <a:lnTo>
+                    <a:pt x="313321" y="1132561"/>
+                  </a:lnTo>
+                  <a:cubicBezTo>
+                    <a:pt x="315972" y="729695"/>
+                    <a:pt x="310274" y="470376"/>
+                    <a:pt x="312925" y="67510"/>
+                  </a:cubicBezTo>
+                  <a:cubicBezTo>
+                    <a:pt x="302521" y="29141"/>
+                    <a:pt x="283388" y="19330"/>
+                    <a:pt x="269492" y="0"/>
+                  </a:cubicBezTo>
+                  <a:lnTo>
+                    <a:pt x="182046" y="4293"/>
+                  </a:lnTo>
+                  <a:cubicBezTo>
+                    <a:pt x="168633" y="25082"/>
+                    <a:pt x="151728" y="30005"/>
+                    <a:pt x="141807" y="66659"/>
+                  </a:cubicBezTo>
+                  <a:close/>
+                </a:path>
+              </a:pathLst>
+            </a:custGeom>
+            <a:gradFill>
+              <a:gsLst>
+                <a:gs pos="4000">
+                  <a:srgbClr val="FF0000">
+                    <a:lumMod val="93000"/>
+                  </a:srgbClr>
+                </a:gs>
+                <a:gs pos="100000">
+                  <a:srgbClr val="CB1015"/>
+                </a:gs>
+                <a:gs pos="18000">
+                  <a:srgbClr val="FF2600"/>
+                </a:gs>
+              </a:gsLst>
+              <a:lin ang="2700000" scaled="1"/>
+            </a:gradFill>
+            <a:ln>
+              <a:noFill/>
+            </a:ln>
+            <a:scene3d>
+              <a:camera prst="orthographicFront"/>
+              <a:lightRig rig="threePt" dir="t"/>
+            </a:scene3d>
+            <a:sp3d>
+              <a:bevelT w="101600" h="101600"/>
+              <a:bevelB w="101600" h="101600"/>
+            </a:sp3d>
+          </p:spPr>
+          <p:style>
+            <a:lnRef idx="2">
+              <a:schemeClr val="accent1">
+                <a:shade val="15000"/>
+              </a:schemeClr>
+            </a:lnRef>
+            <a:fillRef idx="1">
+              <a:schemeClr val="accent1"/>
+            </a:fillRef>
+            <a:effectRef idx="0">
+              <a:schemeClr val="accent1"/>
+            </a:effectRef>
+            <a:fontRef idx="minor">
+              <a:schemeClr val="lt1"/>
+            </a:fontRef>
+          </p:style>
+          <p:txBody>
+            <a:bodyPr rtlCol="0" anchor="ctr"/>
+            <a:lstStyle/>
+            <a:p>
+              <a:pPr algn="ctr"/>
+              <a:endParaRPr lang="en-US"/>
+            </a:p>
+          </p:txBody>
+        </p:sp>
+        <p:cxnSp>
+          <p:nvCxnSpPr>
+            <p:cNvPr id="24" name="Straight Connector 23">
+              <a:extLst>
+                <a:ext uri="{FF2B5EF4-FFF2-40B4-BE49-F238E27FC236}">
+                  <a16:creationId xmlns:a16="http://schemas.microsoft.com/office/drawing/2014/main" id="{7A43E566-3D02-5525-106C-1F387187073F}"/>
+                </a:ext>
+              </a:extLst>
+            </p:cNvPr>
+            <p:cNvCxnSpPr>
+              <a:cxnSpLocks/>
+            </p:cNvCxnSpPr>
+            <p:nvPr/>
+          </p:nvCxnSpPr>
+          <p:spPr>
+            <a:xfrm>
+              <a:off x="6902890" y="2376377"/>
+              <a:ext cx="430619" cy="0"/>
+            </a:xfrm>
+            <a:prstGeom prst="line">
+              <a:avLst/>
+            </a:prstGeom>
+            <a:ln>
+              <a:solidFill>
+                <a:schemeClr val="tx1"/>
+              </a:solidFill>
+            </a:ln>
+          </p:spPr>
+          <p:style>
+            <a:lnRef idx="2">
+              <a:schemeClr val="accent1"/>
+            </a:lnRef>
+            <a:fillRef idx="0">
+              <a:schemeClr val="accent1"/>
+            </a:fillRef>
+            <a:effectRef idx="1">
+              <a:schemeClr val="accent1"/>
+            </a:effectRef>
+            <a:fontRef idx="minor">
+              <a:schemeClr val="tx1"/>
+            </a:fontRef>
+          </p:style>
+        </p:cxnSp>
+        <p:cxnSp>
+          <p:nvCxnSpPr>
+            <p:cNvPr id="29" name="Straight Connector 28">
+              <a:extLst>
+                <a:ext uri="{FF2B5EF4-FFF2-40B4-BE49-F238E27FC236}">
+                  <a16:creationId xmlns:a16="http://schemas.microsoft.com/office/drawing/2014/main" id="{8A78BC7E-71E3-D16E-8AA9-B1C85068B706}"/>
+                </a:ext>
+              </a:extLst>
+            </p:cNvPr>
+            <p:cNvCxnSpPr>
+              <a:cxnSpLocks/>
+            </p:cNvCxnSpPr>
+            <p:nvPr/>
+          </p:nvCxnSpPr>
+          <p:spPr>
+            <a:xfrm>
+              <a:off x="6902890" y="2736112"/>
+              <a:ext cx="430619" cy="0"/>
+            </a:xfrm>
+            <a:prstGeom prst="line">
+              <a:avLst/>
+            </a:prstGeom>
+            <a:ln>
+              <a:solidFill>
+                <a:schemeClr val="tx1"/>
+              </a:solidFill>
+            </a:ln>
+          </p:spPr>
+          <p:style>
+            <a:lnRef idx="2">
+              <a:schemeClr val="accent1"/>
+            </a:lnRef>
+            <a:fillRef idx="0">
+              <a:schemeClr val="accent1"/>
+            </a:fillRef>
+            <a:effectRef idx="1">
+              <a:schemeClr val="accent1"/>
+            </a:effectRef>
+            <a:fontRef idx="minor">
+              <a:schemeClr val="tx1"/>
+            </a:fontRef>
+          </p:style>
+        </p:cxnSp>
+        <p:cxnSp>
+          <p:nvCxnSpPr>
+            <p:cNvPr id="30" name="Straight Connector 29">
+              <a:extLst>
+                <a:ext uri="{FF2B5EF4-FFF2-40B4-BE49-F238E27FC236}">
+                  <a16:creationId xmlns:a16="http://schemas.microsoft.com/office/drawing/2014/main" id="{A1B5825C-6BCC-E417-0720-C865957FFAF5}"/>
+                </a:ext>
+              </a:extLst>
+            </p:cNvPr>
+            <p:cNvCxnSpPr>
+              <a:cxnSpLocks/>
+            </p:cNvCxnSpPr>
+            <p:nvPr/>
+          </p:nvCxnSpPr>
+          <p:spPr>
+            <a:xfrm>
+              <a:off x="6902890" y="3114001"/>
+              <a:ext cx="430619" cy="0"/>
+            </a:xfrm>
+            <a:prstGeom prst="line">
+              <a:avLst/>
+            </a:prstGeom>
+            <a:ln>
+              <a:solidFill>
+                <a:schemeClr val="tx1"/>
+              </a:solidFill>
+            </a:ln>
+          </p:spPr>
+          <p:style>
+            <a:lnRef idx="2">
+              <a:schemeClr val="accent1"/>
+            </a:lnRef>
+            <a:fillRef idx="0">
+              <a:schemeClr val="accent1"/>
+            </a:fillRef>
+            <a:effectRef idx="1">
+              <a:schemeClr val="accent1"/>
+            </a:effectRef>
+            <a:fontRef idx="minor">
+              <a:schemeClr val="tx1"/>
+            </a:fontRef>
+          </p:style>
+        </p:cxnSp>
+        <p:cxnSp>
+          <p:nvCxnSpPr>
+            <p:cNvPr id="31" name="Straight Connector 30">
+              <a:extLst>
+                <a:ext uri="{FF2B5EF4-FFF2-40B4-BE49-F238E27FC236}">
+                  <a16:creationId xmlns:a16="http://schemas.microsoft.com/office/drawing/2014/main" id="{B5F685D3-D731-7490-9F60-7F50824D71FA}"/>
+                </a:ext>
+              </a:extLst>
+            </p:cNvPr>
+            <p:cNvCxnSpPr>
+              <a:cxnSpLocks/>
+            </p:cNvCxnSpPr>
+            <p:nvPr/>
+          </p:nvCxnSpPr>
+          <p:spPr>
+            <a:xfrm>
+              <a:off x="6902890" y="3494966"/>
+              <a:ext cx="430619" cy="0"/>
+            </a:xfrm>
+            <a:prstGeom prst="line">
+              <a:avLst/>
+            </a:prstGeom>
+            <a:ln>
+              <a:solidFill>
+                <a:schemeClr val="tx1"/>
+              </a:solidFill>
+            </a:ln>
+          </p:spPr>
+          <p:style>
+            <a:lnRef idx="2">
+              <a:schemeClr val="accent1"/>
+            </a:lnRef>
+            <a:fillRef idx="0">
+              <a:schemeClr val="accent1"/>
+            </a:fillRef>
+            <a:effectRef idx="1">
+              <a:schemeClr val="accent1"/>
+            </a:effectRef>
+            <a:fontRef idx="minor">
+              <a:schemeClr val="tx1"/>
+            </a:fontRef>
+          </p:style>
+        </p:cxnSp>
+      </p:grpSp>
+      <p:grpSp>
+        <p:nvGrpSpPr>
+          <p:cNvPr id="39" name="Group 38">
+            <a:extLst>
+              <a:ext uri="{FF2B5EF4-FFF2-40B4-BE49-F238E27FC236}">
+                <a16:creationId xmlns:a16="http://schemas.microsoft.com/office/drawing/2014/main" id="{1EA1227B-5BC8-98B5-6A43-00F95FEB6D58}"/>
+              </a:ext>
+            </a:extLst>
+          </p:cNvPr>
+          <p:cNvGrpSpPr/>
+          <p:nvPr/>
+        </p:nvGrpSpPr>
+        <p:grpSpPr>
+          <a:xfrm>
+            <a:off x="4869217" y="3273358"/>
+            <a:ext cx="298208" cy="607756"/>
+            <a:chOff x="4815268" y="3287161"/>
+            <a:chExt cx="298208" cy="607756"/>
+          </a:xfrm>
+        </p:grpSpPr>
+        <p:sp>
+          <p:nvSpPr>
+            <p:cNvPr id="34" name="Freeform 33">
+              <a:extLst>
+                <a:ext uri="{FF2B5EF4-FFF2-40B4-BE49-F238E27FC236}">
+                  <a16:creationId xmlns:a16="http://schemas.microsoft.com/office/drawing/2014/main" id="{DBF08D25-297A-4722-BE9E-129B3B4A8D3D}"/>
+                </a:ext>
+              </a:extLst>
+            </p:cNvPr>
+            <p:cNvSpPr/>
+            <p:nvPr/>
+          </p:nvSpPr>
+          <p:spPr>
+            <a:xfrm>
+              <a:off x="4815268" y="3287161"/>
+              <a:ext cx="298208" cy="607756"/>
+            </a:xfrm>
+            <a:custGeom>
+              <a:avLst/>
+              <a:gdLst>
+                <a:gd name="connsiteX0" fmla="*/ 246491 w 564543"/>
+                <a:gd name="connsiteY0" fmla="*/ 71562 h 1765189"/>
+                <a:gd name="connsiteX1" fmla="*/ 246491 w 564543"/>
+                <a:gd name="connsiteY1" fmla="*/ 1280160 h 1765189"/>
+                <a:gd name="connsiteX2" fmla="*/ 87465 w 564543"/>
+                <a:gd name="connsiteY2" fmla="*/ 1351722 h 1765189"/>
+                <a:gd name="connsiteX3" fmla="*/ 0 w 564543"/>
+                <a:gd name="connsiteY3" fmla="*/ 1494845 h 1765189"/>
+                <a:gd name="connsiteX4" fmla="*/ 7952 w 564543"/>
+                <a:gd name="connsiteY4" fmla="*/ 1630017 h 1765189"/>
+                <a:gd name="connsiteX5" fmla="*/ 119270 w 564543"/>
+                <a:gd name="connsiteY5" fmla="*/ 1749287 h 1765189"/>
+                <a:gd name="connsiteX6" fmla="*/ 318053 w 564543"/>
+                <a:gd name="connsiteY6" fmla="*/ 1765189 h 1765189"/>
+                <a:gd name="connsiteX7" fmla="*/ 477079 w 564543"/>
+                <a:gd name="connsiteY7" fmla="*/ 1749287 h 1765189"/>
+                <a:gd name="connsiteX8" fmla="*/ 556592 w 564543"/>
+                <a:gd name="connsiteY8" fmla="*/ 1590261 h 1765189"/>
+                <a:gd name="connsiteX9" fmla="*/ 564543 w 564543"/>
+                <a:gd name="connsiteY9" fmla="*/ 1391478 h 1765189"/>
+                <a:gd name="connsiteX10" fmla="*/ 437322 w 564543"/>
+                <a:gd name="connsiteY10" fmla="*/ 1296062 h 1765189"/>
+                <a:gd name="connsiteX11" fmla="*/ 365760 w 564543"/>
+                <a:gd name="connsiteY11" fmla="*/ 1272208 h 1765189"/>
+                <a:gd name="connsiteX12" fmla="*/ 373712 w 564543"/>
+                <a:gd name="connsiteY12" fmla="*/ 63610 h 1765189"/>
+                <a:gd name="connsiteX13" fmla="*/ 318053 w 564543"/>
+                <a:gd name="connsiteY13" fmla="*/ 0 h 1765189"/>
+                <a:gd name="connsiteX14" fmla="*/ 318053 w 564543"/>
+                <a:gd name="connsiteY14" fmla="*/ 0 h 1765189"/>
+                <a:gd name="connsiteX15" fmla="*/ 246491 w 564543"/>
+                <a:gd name="connsiteY15" fmla="*/ 71562 h 1765189"/>
+                <a:gd name="connsiteX0" fmla="*/ 246491 w 564543"/>
+                <a:gd name="connsiteY0" fmla="*/ 71562 h 1765189"/>
+                <a:gd name="connsiteX1" fmla="*/ 246491 w 564543"/>
+                <a:gd name="connsiteY1" fmla="*/ 1280160 h 1765189"/>
+                <a:gd name="connsiteX2" fmla="*/ 87465 w 564543"/>
+                <a:gd name="connsiteY2" fmla="*/ 1351722 h 1765189"/>
+                <a:gd name="connsiteX3" fmla="*/ 0 w 564543"/>
+                <a:gd name="connsiteY3" fmla="*/ 1494845 h 1765189"/>
+                <a:gd name="connsiteX4" fmla="*/ 47796 w 564543"/>
+                <a:gd name="connsiteY4" fmla="*/ 1642404 h 1765189"/>
+                <a:gd name="connsiteX5" fmla="*/ 119270 w 564543"/>
+                <a:gd name="connsiteY5" fmla="*/ 1749287 h 1765189"/>
+                <a:gd name="connsiteX6" fmla="*/ 318053 w 564543"/>
+                <a:gd name="connsiteY6" fmla="*/ 1765189 h 1765189"/>
+                <a:gd name="connsiteX7" fmla="*/ 477079 w 564543"/>
+                <a:gd name="connsiteY7" fmla="*/ 1749287 h 1765189"/>
+                <a:gd name="connsiteX8" fmla="*/ 556592 w 564543"/>
+                <a:gd name="connsiteY8" fmla="*/ 1590261 h 1765189"/>
+                <a:gd name="connsiteX9" fmla="*/ 564543 w 564543"/>
+                <a:gd name="connsiteY9" fmla="*/ 1391478 h 1765189"/>
+                <a:gd name="connsiteX10" fmla="*/ 437322 w 564543"/>
+                <a:gd name="connsiteY10" fmla="*/ 1296062 h 1765189"/>
+                <a:gd name="connsiteX11" fmla="*/ 365760 w 564543"/>
+                <a:gd name="connsiteY11" fmla="*/ 1272208 h 1765189"/>
+                <a:gd name="connsiteX12" fmla="*/ 373712 w 564543"/>
+                <a:gd name="connsiteY12" fmla="*/ 63610 h 1765189"/>
+                <a:gd name="connsiteX13" fmla="*/ 318053 w 564543"/>
+                <a:gd name="connsiteY13" fmla="*/ 0 h 1765189"/>
+                <a:gd name="connsiteX14" fmla="*/ 318053 w 564543"/>
+                <a:gd name="connsiteY14" fmla="*/ 0 h 1765189"/>
+                <a:gd name="connsiteX15" fmla="*/ 246491 w 564543"/>
+                <a:gd name="connsiteY15" fmla="*/ 71562 h 1765189"/>
+                <a:gd name="connsiteX0" fmla="*/ 213287 w 531339"/>
+                <a:gd name="connsiteY0" fmla="*/ 71562 h 1765189"/>
+                <a:gd name="connsiteX1" fmla="*/ 213287 w 531339"/>
+                <a:gd name="connsiteY1" fmla="*/ 1280160 h 1765189"/>
+                <a:gd name="connsiteX2" fmla="*/ 54261 w 531339"/>
+                <a:gd name="connsiteY2" fmla="*/ 1351722 h 1765189"/>
+                <a:gd name="connsiteX3" fmla="*/ 0 w 531339"/>
+                <a:gd name="connsiteY3" fmla="*/ 1457685 h 1765189"/>
+                <a:gd name="connsiteX4" fmla="*/ 14592 w 531339"/>
+                <a:gd name="connsiteY4" fmla="*/ 1642404 h 1765189"/>
+                <a:gd name="connsiteX5" fmla="*/ 86066 w 531339"/>
+                <a:gd name="connsiteY5" fmla="*/ 1749287 h 1765189"/>
+                <a:gd name="connsiteX6" fmla="*/ 284849 w 531339"/>
+                <a:gd name="connsiteY6" fmla="*/ 1765189 h 1765189"/>
+                <a:gd name="connsiteX7" fmla="*/ 443875 w 531339"/>
+                <a:gd name="connsiteY7" fmla="*/ 1749287 h 1765189"/>
+                <a:gd name="connsiteX8" fmla="*/ 523388 w 531339"/>
+                <a:gd name="connsiteY8" fmla="*/ 1590261 h 1765189"/>
+                <a:gd name="connsiteX9" fmla="*/ 531339 w 531339"/>
+                <a:gd name="connsiteY9" fmla="*/ 1391478 h 1765189"/>
+                <a:gd name="connsiteX10" fmla="*/ 404118 w 531339"/>
+                <a:gd name="connsiteY10" fmla="*/ 1296062 h 1765189"/>
+                <a:gd name="connsiteX11" fmla="*/ 332556 w 531339"/>
+                <a:gd name="connsiteY11" fmla="*/ 1272208 h 1765189"/>
+                <a:gd name="connsiteX12" fmla="*/ 340508 w 531339"/>
+                <a:gd name="connsiteY12" fmla="*/ 63610 h 1765189"/>
+                <a:gd name="connsiteX13" fmla="*/ 284849 w 531339"/>
+                <a:gd name="connsiteY13" fmla="*/ 0 h 1765189"/>
+                <a:gd name="connsiteX14" fmla="*/ 284849 w 531339"/>
+                <a:gd name="connsiteY14" fmla="*/ 0 h 1765189"/>
+                <a:gd name="connsiteX15" fmla="*/ 213287 w 531339"/>
+                <a:gd name="connsiteY15" fmla="*/ 71562 h 1765189"/>
+                <a:gd name="connsiteX0" fmla="*/ 213287 w 523388"/>
+                <a:gd name="connsiteY0" fmla="*/ 71562 h 1765189"/>
+                <a:gd name="connsiteX1" fmla="*/ 213287 w 523388"/>
+                <a:gd name="connsiteY1" fmla="*/ 1280160 h 1765189"/>
+                <a:gd name="connsiteX2" fmla="*/ 54261 w 523388"/>
+                <a:gd name="connsiteY2" fmla="*/ 1351722 h 1765189"/>
+                <a:gd name="connsiteX3" fmla="*/ 0 w 523388"/>
+                <a:gd name="connsiteY3" fmla="*/ 1457685 h 1765189"/>
+                <a:gd name="connsiteX4" fmla="*/ 14592 w 523388"/>
+                <a:gd name="connsiteY4" fmla="*/ 1642404 h 1765189"/>
+                <a:gd name="connsiteX5" fmla="*/ 86066 w 523388"/>
+                <a:gd name="connsiteY5" fmla="*/ 1749287 h 1765189"/>
+                <a:gd name="connsiteX6" fmla="*/ 284849 w 523388"/>
+                <a:gd name="connsiteY6" fmla="*/ 1765189 h 1765189"/>
+                <a:gd name="connsiteX7" fmla="*/ 443875 w 523388"/>
+                <a:gd name="connsiteY7" fmla="*/ 1749287 h 1765189"/>
+                <a:gd name="connsiteX8" fmla="*/ 523388 w 523388"/>
+                <a:gd name="connsiteY8" fmla="*/ 1590261 h 1765189"/>
+                <a:gd name="connsiteX9" fmla="*/ 520271 w 523388"/>
+                <a:gd name="connsiteY9" fmla="*/ 1395607 h 1765189"/>
+                <a:gd name="connsiteX10" fmla="*/ 404118 w 523388"/>
+                <a:gd name="connsiteY10" fmla="*/ 1296062 h 1765189"/>
+                <a:gd name="connsiteX11" fmla="*/ 332556 w 523388"/>
+                <a:gd name="connsiteY11" fmla="*/ 1272208 h 1765189"/>
+                <a:gd name="connsiteX12" fmla="*/ 340508 w 523388"/>
+                <a:gd name="connsiteY12" fmla="*/ 63610 h 1765189"/>
+                <a:gd name="connsiteX13" fmla="*/ 284849 w 523388"/>
+                <a:gd name="connsiteY13" fmla="*/ 0 h 1765189"/>
+                <a:gd name="connsiteX14" fmla="*/ 284849 w 523388"/>
+                <a:gd name="connsiteY14" fmla="*/ 0 h 1765189"/>
+                <a:gd name="connsiteX15" fmla="*/ 213287 w 523388"/>
+                <a:gd name="connsiteY15" fmla="*/ 71562 h 1765189"/>
+                <a:gd name="connsiteX0" fmla="*/ 213287 w 520271"/>
+                <a:gd name="connsiteY0" fmla="*/ 71562 h 1765189"/>
+                <a:gd name="connsiteX1" fmla="*/ 213287 w 520271"/>
+                <a:gd name="connsiteY1" fmla="*/ 1280160 h 1765189"/>
+                <a:gd name="connsiteX2" fmla="*/ 54261 w 520271"/>
+                <a:gd name="connsiteY2" fmla="*/ 1351722 h 1765189"/>
+                <a:gd name="connsiteX3" fmla="*/ 0 w 520271"/>
+                <a:gd name="connsiteY3" fmla="*/ 1457685 h 1765189"/>
+                <a:gd name="connsiteX4" fmla="*/ 14592 w 520271"/>
+                <a:gd name="connsiteY4" fmla="*/ 1642404 h 1765189"/>
+                <a:gd name="connsiteX5" fmla="*/ 86066 w 520271"/>
+                <a:gd name="connsiteY5" fmla="*/ 1749287 h 1765189"/>
+                <a:gd name="connsiteX6" fmla="*/ 284849 w 520271"/>
+                <a:gd name="connsiteY6" fmla="*/ 1765189 h 1765189"/>
+                <a:gd name="connsiteX7" fmla="*/ 443875 w 520271"/>
+                <a:gd name="connsiteY7" fmla="*/ 1749287 h 1765189"/>
+                <a:gd name="connsiteX8" fmla="*/ 510107 w 520271"/>
+                <a:gd name="connsiteY8" fmla="*/ 1639808 h 1765189"/>
+                <a:gd name="connsiteX9" fmla="*/ 520271 w 520271"/>
+                <a:gd name="connsiteY9" fmla="*/ 1395607 h 1765189"/>
+                <a:gd name="connsiteX10" fmla="*/ 404118 w 520271"/>
+                <a:gd name="connsiteY10" fmla="*/ 1296062 h 1765189"/>
+                <a:gd name="connsiteX11" fmla="*/ 332556 w 520271"/>
+                <a:gd name="connsiteY11" fmla="*/ 1272208 h 1765189"/>
+                <a:gd name="connsiteX12" fmla="*/ 340508 w 520271"/>
+                <a:gd name="connsiteY12" fmla="*/ 63610 h 1765189"/>
+                <a:gd name="connsiteX13" fmla="*/ 284849 w 520271"/>
+                <a:gd name="connsiteY13" fmla="*/ 0 h 1765189"/>
+                <a:gd name="connsiteX14" fmla="*/ 284849 w 520271"/>
+                <a:gd name="connsiteY14" fmla="*/ 0 h 1765189"/>
+                <a:gd name="connsiteX15" fmla="*/ 213287 w 520271"/>
+                <a:gd name="connsiteY15" fmla="*/ 71562 h 1765189"/>
+                <a:gd name="connsiteX0" fmla="*/ 213287 w 520271"/>
+                <a:gd name="connsiteY0" fmla="*/ 71562 h 1765189"/>
+                <a:gd name="connsiteX1" fmla="*/ 213287 w 520271"/>
+                <a:gd name="connsiteY1" fmla="*/ 1280160 h 1765189"/>
+                <a:gd name="connsiteX2" fmla="*/ 109600 w 520271"/>
+                <a:gd name="connsiteY2" fmla="*/ 1314562 h 1765189"/>
+                <a:gd name="connsiteX3" fmla="*/ 0 w 520271"/>
+                <a:gd name="connsiteY3" fmla="*/ 1457685 h 1765189"/>
+                <a:gd name="connsiteX4" fmla="*/ 14592 w 520271"/>
+                <a:gd name="connsiteY4" fmla="*/ 1642404 h 1765189"/>
+                <a:gd name="connsiteX5" fmla="*/ 86066 w 520271"/>
+                <a:gd name="connsiteY5" fmla="*/ 1749287 h 1765189"/>
+                <a:gd name="connsiteX6" fmla="*/ 284849 w 520271"/>
+                <a:gd name="connsiteY6" fmla="*/ 1765189 h 1765189"/>
+                <a:gd name="connsiteX7" fmla="*/ 443875 w 520271"/>
+                <a:gd name="connsiteY7" fmla="*/ 1749287 h 1765189"/>
+                <a:gd name="connsiteX8" fmla="*/ 510107 w 520271"/>
+                <a:gd name="connsiteY8" fmla="*/ 1639808 h 1765189"/>
+                <a:gd name="connsiteX9" fmla="*/ 520271 w 520271"/>
+                <a:gd name="connsiteY9" fmla="*/ 1395607 h 1765189"/>
+                <a:gd name="connsiteX10" fmla="*/ 404118 w 520271"/>
+                <a:gd name="connsiteY10" fmla="*/ 1296062 h 1765189"/>
+                <a:gd name="connsiteX11" fmla="*/ 332556 w 520271"/>
+                <a:gd name="connsiteY11" fmla="*/ 1272208 h 1765189"/>
+                <a:gd name="connsiteX12" fmla="*/ 340508 w 520271"/>
+                <a:gd name="connsiteY12" fmla="*/ 63610 h 1765189"/>
+                <a:gd name="connsiteX13" fmla="*/ 284849 w 520271"/>
+                <a:gd name="connsiteY13" fmla="*/ 0 h 1765189"/>
+                <a:gd name="connsiteX14" fmla="*/ 284849 w 520271"/>
+                <a:gd name="connsiteY14" fmla="*/ 0 h 1765189"/>
+                <a:gd name="connsiteX15" fmla="*/ 213287 w 520271"/>
+                <a:gd name="connsiteY15" fmla="*/ 71562 h 1765189"/>
+                <a:gd name="connsiteX0" fmla="*/ 198695 w 505679"/>
+                <a:gd name="connsiteY0" fmla="*/ 71562 h 1765189"/>
+                <a:gd name="connsiteX1" fmla="*/ 198695 w 505679"/>
+                <a:gd name="connsiteY1" fmla="*/ 1280160 h 1765189"/>
+                <a:gd name="connsiteX2" fmla="*/ 95008 w 505679"/>
+                <a:gd name="connsiteY2" fmla="*/ 1314562 h 1765189"/>
+                <a:gd name="connsiteX3" fmla="*/ 20825 w 505679"/>
+                <a:gd name="connsiteY3" fmla="*/ 1416396 h 1765189"/>
+                <a:gd name="connsiteX4" fmla="*/ 0 w 505679"/>
+                <a:gd name="connsiteY4" fmla="*/ 1642404 h 1765189"/>
+                <a:gd name="connsiteX5" fmla="*/ 71474 w 505679"/>
+                <a:gd name="connsiteY5" fmla="*/ 1749287 h 1765189"/>
+                <a:gd name="connsiteX6" fmla="*/ 270257 w 505679"/>
+                <a:gd name="connsiteY6" fmla="*/ 1765189 h 1765189"/>
+                <a:gd name="connsiteX7" fmla="*/ 429283 w 505679"/>
+                <a:gd name="connsiteY7" fmla="*/ 1749287 h 1765189"/>
+                <a:gd name="connsiteX8" fmla="*/ 495515 w 505679"/>
+                <a:gd name="connsiteY8" fmla="*/ 1639808 h 1765189"/>
+                <a:gd name="connsiteX9" fmla="*/ 505679 w 505679"/>
+                <a:gd name="connsiteY9" fmla="*/ 1395607 h 1765189"/>
+                <a:gd name="connsiteX10" fmla="*/ 389526 w 505679"/>
+                <a:gd name="connsiteY10" fmla="*/ 1296062 h 1765189"/>
+                <a:gd name="connsiteX11" fmla="*/ 317964 w 505679"/>
+                <a:gd name="connsiteY11" fmla="*/ 1272208 h 1765189"/>
+                <a:gd name="connsiteX12" fmla="*/ 325916 w 505679"/>
+                <a:gd name="connsiteY12" fmla="*/ 63610 h 1765189"/>
+                <a:gd name="connsiteX13" fmla="*/ 270257 w 505679"/>
+                <a:gd name="connsiteY13" fmla="*/ 0 h 1765189"/>
+                <a:gd name="connsiteX14" fmla="*/ 270257 w 505679"/>
+                <a:gd name="connsiteY14" fmla="*/ 0 h 1765189"/>
+                <a:gd name="connsiteX15" fmla="*/ 198695 w 505679"/>
+                <a:gd name="connsiteY15" fmla="*/ 71562 h 1765189"/>
+                <a:gd name="connsiteX0" fmla="*/ 177870 w 484854"/>
+                <a:gd name="connsiteY0" fmla="*/ 71562 h 1765189"/>
+                <a:gd name="connsiteX1" fmla="*/ 177870 w 484854"/>
+                <a:gd name="connsiteY1" fmla="*/ 1280160 h 1765189"/>
+                <a:gd name="connsiteX2" fmla="*/ 74183 w 484854"/>
+                <a:gd name="connsiteY2" fmla="*/ 1314562 h 1765189"/>
+                <a:gd name="connsiteX3" fmla="*/ 0 w 484854"/>
+                <a:gd name="connsiteY3" fmla="*/ 1416396 h 1765189"/>
+                <a:gd name="connsiteX4" fmla="*/ 1311 w 484854"/>
+                <a:gd name="connsiteY4" fmla="*/ 1642404 h 1765189"/>
+                <a:gd name="connsiteX5" fmla="*/ 50649 w 484854"/>
+                <a:gd name="connsiteY5" fmla="*/ 1749287 h 1765189"/>
+                <a:gd name="connsiteX6" fmla="*/ 249432 w 484854"/>
+                <a:gd name="connsiteY6" fmla="*/ 1765189 h 1765189"/>
+                <a:gd name="connsiteX7" fmla="*/ 408458 w 484854"/>
+                <a:gd name="connsiteY7" fmla="*/ 1749287 h 1765189"/>
+                <a:gd name="connsiteX8" fmla="*/ 474690 w 484854"/>
+                <a:gd name="connsiteY8" fmla="*/ 1639808 h 1765189"/>
+                <a:gd name="connsiteX9" fmla="*/ 484854 w 484854"/>
+                <a:gd name="connsiteY9" fmla="*/ 1395607 h 1765189"/>
+                <a:gd name="connsiteX10" fmla="*/ 368701 w 484854"/>
+                <a:gd name="connsiteY10" fmla="*/ 1296062 h 1765189"/>
+                <a:gd name="connsiteX11" fmla="*/ 297139 w 484854"/>
+                <a:gd name="connsiteY11" fmla="*/ 1272208 h 1765189"/>
+                <a:gd name="connsiteX12" fmla="*/ 305091 w 484854"/>
+                <a:gd name="connsiteY12" fmla="*/ 63610 h 1765189"/>
+                <a:gd name="connsiteX13" fmla="*/ 249432 w 484854"/>
+                <a:gd name="connsiteY13" fmla="*/ 0 h 1765189"/>
+                <a:gd name="connsiteX14" fmla="*/ 249432 w 484854"/>
+                <a:gd name="connsiteY14" fmla="*/ 0 h 1765189"/>
+                <a:gd name="connsiteX15" fmla="*/ 177870 w 484854"/>
+                <a:gd name="connsiteY15" fmla="*/ 71562 h 1765189"/>
+                <a:gd name="connsiteX0" fmla="*/ 177870 w 484854"/>
+                <a:gd name="connsiteY0" fmla="*/ 71562 h 1765189"/>
+                <a:gd name="connsiteX1" fmla="*/ 177870 w 484854"/>
+                <a:gd name="connsiteY1" fmla="*/ 1280160 h 1765189"/>
+                <a:gd name="connsiteX2" fmla="*/ 74183 w 484854"/>
+                <a:gd name="connsiteY2" fmla="*/ 1314562 h 1765189"/>
+                <a:gd name="connsiteX3" fmla="*/ 0 w 484854"/>
+                <a:gd name="connsiteY3" fmla="*/ 1416396 h 1765189"/>
+                <a:gd name="connsiteX4" fmla="*/ 1311 w 484854"/>
+                <a:gd name="connsiteY4" fmla="*/ 1642404 h 1765189"/>
+                <a:gd name="connsiteX5" fmla="*/ 97134 w 484854"/>
+                <a:gd name="connsiteY5" fmla="*/ 1757545 h 1765189"/>
+                <a:gd name="connsiteX6" fmla="*/ 249432 w 484854"/>
+                <a:gd name="connsiteY6" fmla="*/ 1765189 h 1765189"/>
+                <a:gd name="connsiteX7" fmla="*/ 408458 w 484854"/>
+                <a:gd name="connsiteY7" fmla="*/ 1749287 h 1765189"/>
+                <a:gd name="connsiteX8" fmla="*/ 474690 w 484854"/>
+                <a:gd name="connsiteY8" fmla="*/ 1639808 h 1765189"/>
+                <a:gd name="connsiteX9" fmla="*/ 484854 w 484854"/>
+                <a:gd name="connsiteY9" fmla="*/ 1395607 h 1765189"/>
+                <a:gd name="connsiteX10" fmla="*/ 368701 w 484854"/>
+                <a:gd name="connsiteY10" fmla="*/ 1296062 h 1765189"/>
+                <a:gd name="connsiteX11" fmla="*/ 297139 w 484854"/>
+                <a:gd name="connsiteY11" fmla="*/ 1272208 h 1765189"/>
+                <a:gd name="connsiteX12" fmla="*/ 305091 w 484854"/>
+                <a:gd name="connsiteY12" fmla="*/ 63610 h 1765189"/>
+                <a:gd name="connsiteX13" fmla="*/ 249432 w 484854"/>
+                <a:gd name="connsiteY13" fmla="*/ 0 h 1765189"/>
+                <a:gd name="connsiteX14" fmla="*/ 249432 w 484854"/>
+                <a:gd name="connsiteY14" fmla="*/ 0 h 1765189"/>
+                <a:gd name="connsiteX15" fmla="*/ 177870 w 484854"/>
+                <a:gd name="connsiteY15" fmla="*/ 71562 h 1765189"/>
+                <a:gd name="connsiteX0" fmla="*/ 177870 w 484854"/>
+                <a:gd name="connsiteY0" fmla="*/ 71562 h 1765189"/>
+                <a:gd name="connsiteX1" fmla="*/ 177870 w 484854"/>
+                <a:gd name="connsiteY1" fmla="*/ 1280160 h 1765189"/>
+                <a:gd name="connsiteX2" fmla="*/ 74183 w 484854"/>
+                <a:gd name="connsiteY2" fmla="*/ 1314562 h 1765189"/>
+                <a:gd name="connsiteX3" fmla="*/ 0 w 484854"/>
+                <a:gd name="connsiteY3" fmla="*/ 1416396 h 1765189"/>
+                <a:gd name="connsiteX4" fmla="*/ 1311 w 484854"/>
+                <a:gd name="connsiteY4" fmla="*/ 1642404 h 1765189"/>
+                <a:gd name="connsiteX5" fmla="*/ 97134 w 484854"/>
+                <a:gd name="connsiteY5" fmla="*/ 1757545 h 1765189"/>
+                <a:gd name="connsiteX6" fmla="*/ 249432 w 484854"/>
+                <a:gd name="connsiteY6" fmla="*/ 1765189 h 1765189"/>
+                <a:gd name="connsiteX7" fmla="*/ 355332 w 484854"/>
+                <a:gd name="connsiteY7" fmla="*/ 1757545 h 1765189"/>
+                <a:gd name="connsiteX8" fmla="*/ 474690 w 484854"/>
+                <a:gd name="connsiteY8" fmla="*/ 1639808 h 1765189"/>
+                <a:gd name="connsiteX9" fmla="*/ 484854 w 484854"/>
+                <a:gd name="connsiteY9" fmla="*/ 1395607 h 1765189"/>
+                <a:gd name="connsiteX10" fmla="*/ 368701 w 484854"/>
+                <a:gd name="connsiteY10" fmla="*/ 1296062 h 1765189"/>
+                <a:gd name="connsiteX11" fmla="*/ 297139 w 484854"/>
+                <a:gd name="connsiteY11" fmla="*/ 1272208 h 1765189"/>
+                <a:gd name="connsiteX12" fmla="*/ 305091 w 484854"/>
+                <a:gd name="connsiteY12" fmla="*/ 63610 h 1765189"/>
+                <a:gd name="connsiteX13" fmla="*/ 249432 w 484854"/>
+                <a:gd name="connsiteY13" fmla="*/ 0 h 1765189"/>
+                <a:gd name="connsiteX14" fmla="*/ 249432 w 484854"/>
+                <a:gd name="connsiteY14" fmla="*/ 0 h 1765189"/>
+                <a:gd name="connsiteX15" fmla="*/ 177870 w 484854"/>
+                <a:gd name="connsiteY15" fmla="*/ 71562 h 1765189"/>
+                <a:gd name="connsiteX0" fmla="*/ 177870 w 474690"/>
+                <a:gd name="connsiteY0" fmla="*/ 71562 h 1765189"/>
+                <a:gd name="connsiteX1" fmla="*/ 177870 w 474690"/>
+                <a:gd name="connsiteY1" fmla="*/ 1280160 h 1765189"/>
+                <a:gd name="connsiteX2" fmla="*/ 74183 w 474690"/>
+                <a:gd name="connsiteY2" fmla="*/ 1314562 h 1765189"/>
+                <a:gd name="connsiteX3" fmla="*/ 0 w 474690"/>
+                <a:gd name="connsiteY3" fmla="*/ 1416396 h 1765189"/>
+                <a:gd name="connsiteX4" fmla="*/ 1311 w 474690"/>
+                <a:gd name="connsiteY4" fmla="*/ 1642404 h 1765189"/>
+                <a:gd name="connsiteX5" fmla="*/ 97134 w 474690"/>
+                <a:gd name="connsiteY5" fmla="*/ 1757545 h 1765189"/>
+                <a:gd name="connsiteX6" fmla="*/ 249432 w 474690"/>
+                <a:gd name="connsiteY6" fmla="*/ 1765189 h 1765189"/>
+                <a:gd name="connsiteX7" fmla="*/ 355332 w 474690"/>
+                <a:gd name="connsiteY7" fmla="*/ 1757545 h 1765189"/>
+                <a:gd name="connsiteX8" fmla="*/ 474690 w 474690"/>
+                <a:gd name="connsiteY8" fmla="*/ 1639808 h 1765189"/>
+                <a:gd name="connsiteX9" fmla="*/ 462718 w 474690"/>
+                <a:gd name="connsiteY9" fmla="*/ 1370834 h 1765189"/>
+                <a:gd name="connsiteX10" fmla="*/ 368701 w 474690"/>
+                <a:gd name="connsiteY10" fmla="*/ 1296062 h 1765189"/>
+                <a:gd name="connsiteX11" fmla="*/ 297139 w 474690"/>
+                <a:gd name="connsiteY11" fmla="*/ 1272208 h 1765189"/>
+                <a:gd name="connsiteX12" fmla="*/ 305091 w 474690"/>
+                <a:gd name="connsiteY12" fmla="*/ 63610 h 1765189"/>
+                <a:gd name="connsiteX13" fmla="*/ 249432 w 474690"/>
+                <a:gd name="connsiteY13" fmla="*/ 0 h 1765189"/>
+                <a:gd name="connsiteX14" fmla="*/ 249432 w 474690"/>
+                <a:gd name="connsiteY14" fmla="*/ 0 h 1765189"/>
+                <a:gd name="connsiteX15" fmla="*/ 177870 w 474690"/>
+                <a:gd name="connsiteY15" fmla="*/ 71562 h 1765189"/>
+                <a:gd name="connsiteX0" fmla="*/ 177870 w 463622"/>
+                <a:gd name="connsiteY0" fmla="*/ 71562 h 1765189"/>
+                <a:gd name="connsiteX1" fmla="*/ 177870 w 463622"/>
+                <a:gd name="connsiteY1" fmla="*/ 1280160 h 1765189"/>
+                <a:gd name="connsiteX2" fmla="*/ 74183 w 463622"/>
+                <a:gd name="connsiteY2" fmla="*/ 1314562 h 1765189"/>
+                <a:gd name="connsiteX3" fmla="*/ 0 w 463622"/>
+                <a:gd name="connsiteY3" fmla="*/ 1416396 h 1765189"/>
+                <a:gd name="connsiteX4" fmla="*/ 1311 w 463622"/>
+                <a:gd name="connsiteY4" fmla="*/ 1642404 h 1765189"/>
+                <a:gd name="connsiteX5" fmla="*/ 97134 w 463622"/>
+                <a:gd name="connsiteY5" fmla="*/ 1757545 h 1765189"/>
+                <a:gd name="connsiteX6" fmla="*/ 249432 w 463622"/>
+                <a:gd name="connsiteY6" fmla="*/ 1765189 h 1765189"/>
+                <a:gd name="connsiteX7" fmla="*/ 355332 w 463622"/>
+                <a:gd name="connsiteY7" fmla="*/ 1757545 h 1765189"/>
+                <a:gd name="connsiteX8" fmla="*/ 463622 w 463622"/>
+                <a:gd name="connsiteY8" fmla="*/ 1652195 h 1765189"/>
+                <a:gd name="connsiteX9" fmla="*/ 462718 w 463622"/>
+                <a:gd name="connsiteY9" fmla="*/ 1370834 h 1765189"/>
+                <a:gd name="connsiteX10" fmla="*/ 368701 w 463622"/>
+                <a:gd name="connsiteY10" fmla="*/ 1296062 h 1765189"/>
+                <a:gd name="connsiteX11" fmla="*/ 297139 w 463622"/>
+                <a:gd name="connsiteY11" fmla="*/ 1272208 h 1765189"/>
+                <a:gd name="connsiteX12" fmla="*/ 305091 w 463622"/>
+                <a:gd name="connsiteY12" fmla="*/ 63610 h 1765189"/>
+                <a:gd name="connsiteX13" fmla="*/ 249432 w 463622"/>
+                <a:gd name="connsiteY13" fmla="*/ 0 h 1765189"/>
+                <a:gd name="connsiteX14" fmla="*/ 249432 w 463622"/>
+                <a:gd name="connsiteY14" fmla="*/ 0 h 1765189"/>
+                <a:gd name="connsiteX15" fmla="*/ 177870 w 463622"/>
+                <a:gd name="connsiteY15" fmla="*/ 71562 h 1765189"/>
+                <a:gd name="connsiteX0" fmla="*/ 177870 w 463622"/>
+                <a:gd name="connsiteY0" fmla="*/ 71562 h 1765189"/>
+                <a:gd name="connsiteX1" fmla="*/ 144244 w 463622"/>
+                <a:gd name="connsiteY1" fmla="*/ 1285278 h 1765189"/>
+                <a:gd name="connsiteX2" fmla="*/ 74183 w 463622"/>
+                <a:gd name="connsiteY2" fmla="*/ 1314562 h 1765189"/>
+                <a:gd name="connsiteX3" fmla="*/ 0 w 463622"/>
+                <a:gd name="connsiteY3" fmla="*/ 1416396 h 1765189"/>
+                <a:gd name="connsiteX4" fmla="*/ 1311 w 463622"/>
+                <a:gd name="connsiteY4" fmla="*/ 1642404 h 1765189"/>
+                <a:gd name="connsiteX5" fmla="*/ 97134 w 463622"/>
+                <a:gd name="connsiteY5" fmla="*/ 1757545 h 1765189"/>
+                <a:gd name="connsiteX6" fmla="*/ 249432 w 463622"/>
+                <a:gd name="connsiteY6" fmla="*/ 1765189 h 1765189"/>
+                <a:gd name="connsiteX7" fmla="*/ 355332 w 463622"/>
+                <a:gd name="connsiteY7" fmla="*/ 1757545 h 1765189"/>
+                <a:gd name="connsiteX8" fmla="*/ 463622 w 463622"/>
+                <a:gd name="connsiteY8" fmla="*/ 1652195 h 1765189"/>
+                <a:gd name="connsiteX9" fmla="*/ 462718 w 463622"/>
+                <a:gd name="connsiteY9" fmla="*/ 1370834 h 1765189"/>
+                <a:gd name="connsiteX10" fmla="*/ 368701 w 463622"/>
+                <a:gd name="connsiteY10" fmla="*/ 1296062 h 1765189"/>
+                <a:gd name="connsiteX11" fmla="*/ 297139 w 463622"/>
+                <a:gd name="connsiteY11" fmla="*/ 1272208 h 1765189"/>
+                <a:gd name="connsiteX12" fmla="*/ 305091 w 463622"/>
+                <a:gd name="connsiteY12" fmla="*/ 63610 h 1765189"/>
+                <a:gd name="connsiteX13" fmla="*/ 249432 w 463622"/>
+                <a:gd name="connsiteY13" fmla="*/ 0 h 1765189"/>
+                <a:gd name="connsiteX14" fmla="*/ 249432 w 463622"/>
+                <a:gd name="connsiteY14" fmla="*/ 0 h 1765189"/>
+                <a:gd name="connsiteX15" fmla="*/ 177870 w 463622"/>
+                <a:gd name="connsiteY15" fmla="*/ 71562 h 1765189"/>
+                <a:gd name="connsiteX0" fmla="*/ 177870 w 463622"/>
+                <a:gd name="connsiteY0" fmla="*/ 71562 h 1765189"/>
+                <a:gd name="connsiteX1" fmla="*/ 144244 w 463622"/>
+                <a:gd name="connsiteY1" fmla="*/ 1285278 h 1765189"/>
+                <a:gd name="connsiteX2" fmla="*/ 74183 w 463622"/>
+                <a:gd name="connsiteY2" fmla="*/ 1314562 h 1765189"/>
+                <a:gd name="connsiteX3" fmla="*/ 0 w 463622"/>
+                <a:gd name="connsiteY3" fmla="*/ 1416396 h 1765189"/>
+                <a:gd name="connsiteX4" fmla="*/ 1311 w 463622"/>
+                <a:gd name="connsiteY4" fmla="*/ 1642404 h 1765189"/>
+                <a:gd name="connsiteX5" fmla="*/ 97134 w 463622"/>
+                <a:gd name="connsiteY5" fmla="*/ 1757545 h 1765189"/>
+                <a:gd name="connsiteX6" fmla="*/ 249432 w 463622"/>
+                <a:gd name="connsiteY6" fmla="*/ 1765189 h 1765189"/>
+                <a:gd name="connsiteX7" fmla="*/ 355332 w 463622"/>
+                <a:gd name="connsiteY7" fmla="*/ 1757545 h 1765189"/>
+                <a:gd name="connsiteX8" fmla="*/ 463622 w 463622"/>
+                <a:gd name="connsiteY8" fmla="*/ 1652195 h 1765189"/>
+                <a:gd name="connsiteX9" fmla="*/ 462718 w 463622"/>
+                <a:gd name="connsiteY9" fmla="*/ 1370834 h 1765189"/>
+                <a:gd name="connsiteX10" fmla="*/ 368701 w 463622"/>
+                <a:gd name="connsiteY10" fmla="*/ 1296062 h 1765189"/>
+                <a:gd name="connsiteX11" fmla="*/ 325161 w 463622"/>
+                <a:gd name="connsiteY11" fmla="*/ 1287562 h 1765189"/>
+                <a:gd name="connsiteX12" fmla="*/ 305091 w 463622"/>
+                <a:gd name="connsiteY12" fmla="*/ 63610 h 1765189"/>
+                <a:gd name="connsiteX13" fmla="*/ 249432 w 463622"/>
+                <a:gd name="connsiteY13" fmla="*/ 0 h 1765189"/>
+                <a:gd name="connsiteX14" fmla="*/ 249432 w 463622"/>
+                <a:gd name="connsiteY14" fmla="*/ 0 h 1765189"/>
+                <a:gd name="connsiteX15" fmla="*/ 177870 w 463622"/>
+                <a:gd name="connsiteY15" fmla="*/ 71562 h 1765189"/>
+                <a:gd name="connsiteX0" fmla="*/ 147046 w 463622"/>
+                <a:gd name="connsiteY0" fmla="*/ 35737 h 1765189"/>
+                <a:gd name="connsiteX1" fmla="*/ 144244 w 463622"/>
+                <a:gd name="connsiteY1" fmla="*/ 1285278 h 1765189"/>
+                <a:gd name="connsiteX2" fmla="*/ 74183 w 463622"/>
+                <a:gd name="connsiteY2" fmla="*/ 1314562 h 1765189"/>
+                <a:gd name="connsiteX3" fmla="*/ 0 w 463622"/>
+                <a:gd name="connsiteY3" fmla="*/ 1416396 h 1765189"/>
+                <a:gd name="connsiteX4" fmla="*/ 1311 w 463622"/>
+                <a:gd name="connsiteY4" fmla="*/ 1642404 h 1765189"/>
+                <a:gd name="connsiteX5" fmla="*/ 97134 w 463622"/>
+                <a:gd name="connsiteY5" fmla="*/ 1757545 h 1765189"/>
+                <a:gd name="connsiteX6" fmla="*/ 249432 w 463622"/>
+                <a:gd name="connsiteY6" fmla="*/ 1765189 h 1765189"/>
+                <a:gd name="connsiteX7" fmla="*/ 355332 w 463622"/>
+                <a:gd name="connsiteY7" fmla="*/ 1757545 h 1765189"/>
+                <a:gd name="connsiteX8" fmla="*/ 463622 w 463622"/>
+                <a:gd name="connsiteY8" fmla="*/ 1652195 h 1765189"/>
+                <a:gd name="connsiteX9" fmla="*/ 462718 w 463622"/>
+                <a:gd name="connsiteY9" fmla="*/ 1370834 h 1765189"/>
+                <a:gd name="connsiteX10" fmla="*/ 368701 w 463622"/>
+                <a:gd name="connsiteY10" fmla="*/ 1296062 h 1765189"/>
+                <a:gd name="connsiteX11" fmla="*/ 325161 w 463622"/>
+                <a:gd name="connsiteY11" fmla="*/ 1287562 h 1765189"/>
+                <a:gd name="connsiteX12" fmla="*/ 305091 w 463622"/>
+                <a:gd name="connsiteY12" fmla="*/ 63610 h 1765189"/>
+                <a:gd name="connsiteX13" fmla="*/ 249432 w 463622"/>
+                <a:gd name="connsiteY13" fmla="*/ 0 h 1765189"/>
+                <a:gd name="connsiteX14" fmla="*/ 249432 w 463622"/>
+                <a:gd name="connsiteY14" fmla="*/ 0 h 1765189"/>
+                <a:gd name="connsiteX15" fmla="*/ 147046 w 463622"/>
+                <a:gd name="connsiteY15" fmla="*/ 35737 h 1765189"/>
+                <a:gd name="connsiteX0" fmla="*/ 147046 w 463622"/>
+                <a:gd name="connsiteY0" fmla="*/ 35737 h 1765189"/>
+                <a:gd name="connsiteX1" fmla="*/ 144244 w 463622"/>
+                <a:gd name="connsiteY1" fmla="*/ 1285278 h 1765189"/>
+                <a:gd name="connsiteX2" fmla="*/ 74183 w 463622"/>
+                <a:gd name="connsiteY2" fmla="*/ 1314562 h 1765189"/>
+                <a:gd name="connsiteX3" fmla="*/ 0 w 463622"/>
+                <a:gd name="connsiteY3" fmla="*/ 1416396 h 1765189"/>
+                <a:gd name="connsiteX4" fmla="*/ 1311 w 463622"/>
+                <a:gd name="connsiteY4" fmla="*/ 1642404 h 1765189"/>
+                <a:gd name="connsiteX5" fmla="*/ 97134 w 463622"/>
+                <a:gd name="connsiteY5" fmla="*/ 1757545 h 1765189"/>
+                <a:gd name="connsiteX6" fmla="*/ 249432 w 463622"/>
+                <a:gd name="connsiteY6" fmla="*/ 1765189 h 1765189"/>
+                <a:gd name="connsiteX7" fmla="*/ 355332 w 463622"/>
+                <a:gd name="connsiteY7" fmla="*/ 1757545 h 1765189"/>
+                <a:gd name="connsiteX8" fmla="*/ 463622 w 463622"/>
+                <a:gd name="connsiteY8" fmla="*/ 1652195 h 1765189"/>
+                <a:gd name="connsiteX9" fmla="*/ 462718 w 463622"/>
+                <a:gd name="connsiteY9" fmla="*/ 1370834 h 1765189"/>
+                <a:gd name="connsiteX10" fmla="*/ 368701 w 463622"/>
+                <a:gd name="connsiteY10" fmla="*/ 1296062 h 1765189"/>
+                <a:gd name="connsiteX11" fmla="*/ 325161 w 463622"/>
+                <a:gd name="connsiteY11" fmla="*/ 1287562 h 1765189"/>
+                <a:gd name="connsiteX12" fmla="*/ 330310 w 463622"/>
+                <a:gd name="connsiteY12" fmla="*/ 53374 h 1765189"/>
+                <a:gd name="connsiteX13" fmla="*/ 249432 w 463622"/>
+                <a:gd name="connsiteY13" fmla="*/ 0 h 1765189"/>
+                <a:gd name="connsiteX14" fmla="*/ 249432 w 463622"/>
+                <a:gd name="connsiteY14" fmla="*/ 0 h 1765189"/>
+                <a:gd name="connsiteX15" fmla="*/ 147046 w 463622"/>
+                <a:gd name="connsiteY15" fmla="*/ 35737 h 1765189"/>
+                <a:gd name="connsiteX0" fmla="*/ 147046 w 463622"/>
+                <a:gd name="connsiteY0" fmla="*/ 35737 h 1765189"/>
+                <a:gd name="connsiteX1" fmla="*/ 144244 w 463622"/>
+                <a:gd name="connsiteY1" fmla="*/ 1285278 h 1765189"/>
+                <a:gd name="connsiteX2" fmla="*/ 74183 w 463622"/>
+                <a:gd name="connsiteY2" fmla="*/ 1314562 h 1765189"/>
+                <a:gd name="connsiteX3" fmla="*/ 0 w 463622"/>
+                <a:gd name="connsiteY3" fmla="*/ 1416396 h 1765189"/>
+                <a:gd name="connsiteX4" fmla="*/ 1311 w 463622"/>
+                <a:gd name="connsiteY4" fmla="*/ 1642404 h 1765189"/>
+                <a:gd name="connsiteX5" fmla="*/ 97134 w 463622"/>
+                <a:gd name="connsiteY5" fmla="*/ 1757545 h 1765189"/>
+                <a:gd name="connsiteX6" fmla="*/ 249432 w 463622"/>
+                <a:gd name="connsiteY6" fmla="*/ 1765189 h 1765189"/>
+                <a:gd name="connsiteX7" fmla="*/ 355332 w 463622"/>
+                <a:gd name="connsiteY7" fmla="*/ 1757545 h 1765189"/>
+                <a:gd name="connsiteX8" fmla="*/ 463622 w 463622"/>
+                <a:gd name="connsiteY8" fmla="*/ 1652195 h 1765189"/>
+                <a:gd name="connsiteX9" fmla="*/ 462718 w 463622"/>
+                <a:gd name="connsiteY9" fmla="*/ 1370834 h 1765189"/>
+                <a:gd name="connsiteX10" fmla="*/ 368701 w 463622"/>
+                <a:gd name="connsiteY10" fmla="*/ 1296062 h 1765189"/>
+                <a:gd name="connsiteX11" fmla="*/ 325161 w 463622"/>
+                <a:gd name="connsiteY11" fmla="*/ 1287562 h 1765189"/>
+                <a:gd name="connsiteX12" fmla="*/ 333112 w 463622"/>
+                <a:gd name="connsiteY12" fmla="*/ 17549 h 1765189"/>
+                <a:gd name="connsiteX13" fmla="*/ 249432 w 463622"/>
+                <a:gd name="connsiteY13" fmla="*/ 0 h 1765189"/>
+                <a:gd name="connsiteX14" fmla="*/ 249432 w 463622"/>
+                <a:gd name="connsiteY14" fmla="*/ 0 h 1765189"/>
+                <a:gd name="connsiteX15" fmla="*/ 147046 w 463622"/>
+                <a:gd name="connsiteY15" fmla="*/ 35737 h 1765189"/>
+                <a:gd name="connsiteX0" fmla="*/ 147046 w 463622"/>
+                <a:gd name="connsiteY0" fmla="*/ 35737 h 1765189"/>
+                <a:gd name="connsiteX1" fmla="*/ 144244 w 463622"/>
+                <a:gd name="connsiteY1" fmla="*/ 1285278 h 1765189"/>
+                <a:gd name="connsiteX2" fmla="*/ 74183 w 463622"/>
+                <a:gd name="connsiteY2" fmla="*/ 1314562 h 1765189"/>
+                <a:gd name="connsiteX3" fmla="*/ 0 w 463622"/>
+                <a:gd name="connsiteY3" fmla="*/ 1416396 h 1765189"/>
+                <a:gd name="connsiteX4" fmla="*/ 1311 w 463622"/>
+                <a:gd name="connsiteY4" fmla="*/ 1642404 h 1765189"/>
+                <a:gd name="connsiteX5" fmla="*/ 97134 w 463622"/>
+                <a:gd name="connsiteY5" fmla="*/ 1757545 h 1765189"/>
+                <a:gd name="connsiteX6" fmla="*/ 249432 w 463622"/>
+                <a:gd name="connsiteY6" fmla="*/ 1765189 h 1765189"/>
+                <a:gd name="connsiteX7" fmla="*/ 355332 w 463622"/>
+                <a:gd name="connsiteY7" fmla="*/ 1757545 h 1765189"/>
+                <a:gd name="connsiteX8" fmla="*/ 463622 w 463622"/>
+                <a:gd name="connsiteY8" fmla="*/ 1652195 h 1765189"/>
+                <a:gd name="connsiteX9" fmla="*/ 462718 w 463622"/>
+                <a:gd name="connsiteY9" fmla="*/ 1370834 h 1765189"/>
+                <a:gd name="connsiteX10" fmla="*/ 368701 w 463622"/>
+                <a:gd name="connsiteY10" fmla="*/ 1296062 h 1765189"/>
+                <a:gd name="connsiteX11" fmla="*/ 325161 w 463622"/>
+                <a:gd name="connsiteY11" fmla="*/ 1287562 h 1765189"/>
+                <a:gd name="connsiteX12" fmla="*/ 333112 w 463622"/>
+                <a:gd name="connsiteY12" fmla="*/ 17549 h 1765189"/>
+                <a:gd name="connsiteX13" fmla="*/ 249432 w 463622"/>
+                <a:gd name="connsiteY13" fmla="*/ 0 h 1765189"/>
+                <a:gd name="connsiteX14" fmla="*/ 190586 w 463622"/>
+                <a:gd name="connsiteY14" fmla="*/ 15353 h 1765189"/>
+                <a:gd name="connsiteX15" fmla="*/ 147046 w 463622"/>
+                <a:gd name="connsiteY15" fmla="*/ 35737 h 1765189"/>
+                <a:gd name="connsiteX0" fmla="*/ 147046 w 463622"/>
+                <a:gd name="connsiteY0" fmla="*/ 35737 h 1765189"/>
+                <a:gd name="connsiteX1" fmla="*/ 147544 w 463622"/>
+                <a:gd name="connsiteY1" fmla="*/ 1117347 h 1765189"/>
+                <a:gd name="connsiteX2" fmla="*/ 74183 w 463622"/>
+                <a:gd name="connsiteY2" fmla="*/ 1314562 h 1765189"/>
+                <a:gd name="connsiteX3" fmla="*/ 0 w 463622"/>
+                <a:gd name="connsiteY3" fmla="*/ 1416396 h 1765189"/>
+                <a:gd name="connsiteX4" fmla="*/ 1311 w 463622"/>
+                <a:gd name="connsiteY4" fmla="*/ 1642404 h 1765189"/>
+                <a:gd name="connsiteX5" fmla="*/ 97134 w 463622"/>
+                <a:gd name="connsiteY5" fmla="*/ 1757545 h 1765189"/>
+                <a:gd name="connsiteX6" fmla="*/ 249432 w 463622"/>
+                <a:gd name="connsiteY6" fmla="*/ 1765189 h 1765189"/>
+                <a:gd name="connsiteX7" fmla="*/ 355332 w 463622"/>
+                <a:gd name="connsiteY7" fmla="*/ 1757545 h 1765189"/>
+                <a:gd name="connsiteX8" fmla="*/ 463622 w 463622"/>
+                <a:gd name="connsiteY8" fmla="*/ 1652195 h 1765189"/>
+                <a:gd name="connsiteX9" fmla="*/ 462718 w 463622"/>
+                <a:gd name="connsiteY9" fmla="*/ 1370834 h 1765189"/>
+                <a:gd name="connsiteX10" fmla="*/ 368701 w 463622"/>
+                <a:gd name="connsiteY10" fmla="*/ 1296062 h 1765189"/>
+                <a:gd name="connsiteX11" fmla="*/ 325161 w 463622"/>
+                <a:gd name="connsiteY11" fmla="*/ 1287562 h 1765189"/>
+                <a:gd name="connsiteX12" fmla="*/ 333112 w 463622"/>
+                <a:gd name="connsiteY12" fmla="*/ 17549 h 1765189"/>
+                <a:gd name="connsiteX13" fmla="*/ 249432 w 463622"/>
+                <a:gd name="connsiteY13" fmla="*/ 0 h 1765189"/>
+                <a:gd name="connsiteX14" fmla="*/ 190586 w 463622"/>
+                <a:gd name="connsiteY14" fmla="*/ 15353 h 1765189"/>
+                <a:gd name="connsiteX15" fmla="*/ 147046 w 463622"/>
+                <a:gd name="connsiteY15" fmla="*/ 35737 h 1765189"/>
+                <a:gd name="connsiteX0" fmla="*/ 147046 w 463622"/>
+                <a:gd name="connsiteY0" fmla="*/ 35737 h 1765189"/>
+                <a:gd name="connsiteX1" fmla="*/ 147544 w 463622"/>
+                <a:gd name="connsiteY1" fmla="*/ 1117347 h 1765189"/>
+                <a:gd name="connsiteX2" fmla="*/ 41179 w 463622"/>
+                <a:gd name="connsiteY2" fmla="*/ 1218602 h 1765189"/>
+                <a:gd name="connsiteX3" fmla="*/ 0 w 463622"/>
+                <a:gd name="connsiteY3" fmla="*/ 1416396 h 1765189"/>
+                <a:gd name="connsiteX4" fmla="*/ 1311 w 463622"/>
+                <a:gd name="connsiteY4" fmla="*/ 1642404 h 1765189"/>
+                <a:gd name="connsiteX5" fmla="*/ 97134 w 463622"/>
+                <a:gd name="connsiteY5" fmla="*/ 1757545 h 1765189"/>
+                <a:gd name="connsiteX6" fmla="*/ 249432 w 463622"/>
+                <a:gd name="connsiteY6" fmla="*/ 1765189 h 1765189"/>
+                <a:gd name="connsiteX7" fmla="*/ 355332 w 463622"/>
+                <a:gd name="connsiteY7" fmla="*/ 1757545 h 1765189"/>
+                <a:gd name="connsiteX8" fmla="*/ 463622 w 463622"/>
+                <a:gd name="connsiteY8" fmla="*/ 1652195 h 1765189"/>
+                <a:gd name="connsiteX9" fmla="*/ 462718 w 463622"/>
+                <a:gd name="connsiteY9" fmla="*/ 1370834 h 1765189"/>
+                <a:gd name="connsiteX10" fmla="*/ 368701 w 463622"/>
+                <a:gd name="connsiteY10" fmla="*/ 1296062 h 1765189"/>
+                <a:gd name="connsiteX11" fmla="*/ 325161 w 463622"/>
+                <a:gd name="connsiteY11" fmla="*/ 1287562 h 1765189"/>
+                <a:gd name="connsiteX12" fmla="*/ 333112 w 463622"/>
+                <a:gd name="connsiteY12" fmla="*/ 17549 h 1765189"/>
+                <a:gd name="connsiteX13" fmla="*/ 249432 w 463622"/>
+                <a:gd name="connsiteY13" fmla="*/ 0 h 1765189"/>
+                <a:gd name="connsiteX14" fmla="*/ 190586 w 463622"/>
+                <a:gd name="connsiteY14" fmla="*/ 15353 h 1765189"/>
+                <a:gd name="connsiteX15" fmla="*/ 147046 w 463622"/>
+                <a:gd name="connsiteY15" fmla="*/ 35737 h 1765189"/>
+                <a:gd name="connsiteX0" fmla="*/ 147046 w 463622"/>
+                <a:gd name="connsiteY0" fmla="*/ 35737 h 1765189"/>
+                <a:gd name="connsiteX1" fmla="*/ 147544 w 463622"/>
+                <a:gd name="connsiteY1" fmla="*/ 1117347 h 1765189"/>
+                <a:gd name="connsiteX2" fmla="*/ 41179 w 463622"/>
+                <a:gd name="connsiteY2" fmla="*/ 1218602 h 1765189"/>
+                <a:gd name="connsiteX3" fmla="*/ 0 w 463622"/>
+                <a:gd name="connsiteY3" fmla="*/ 1416396 h 1765189"/>
+                <a:gd name="connsiteX4" fmla="*/ 1311 w 463622"/>
+                <a:gd name="connsiteY4" fmla="*/ 1642404 h 1765189"/>
+                <a:gd name="connsiteX5" fmla="*/ 97134 w 463622"/>
+                <a:gd name="connsiteY5" fmla="*/ 1757545 h 1765189"/>
+                <a:gd name="connsiteX6" fmla="*/ 249432 w 463622"/>
+                <a:gd name="connsiteY6" fmla="*/ 1765189 h 1765189"/>
+                <a:gd name="connsiteX7" fmla="*/ 355332 w 463622"/>
+                <a:gd name="connsiteY7" fmla="*/ 1757545 h 1765189"/>
+                <a:gd name="connsiteX8" fmla="*/ 463622 w 463622"/>
+                <a:gd name="connsiteY8" fmla="*/ 1652195 h 1765189"/>
+                <a:gd name="connsiteX9" fmla="*/ 462718 w 463622"/>
+                <a:gd name="connsiteY9" fmla="*/ 1370834 h 1765189"/>
+                <a:gd name="connsiteX10" fmla="*/ 368701 w 463622"/>
+                <a:gd name="connsiteY10" fmla="*/ 1296062 h 1765189"/>
+                <a:gd name="connsiteX11" fmla="*/ 318560 w 463622"/>
+                <a:gd name="connsiteY11" fmla="*/ 1101639 h 1765189"/>
+                <a:gd name="connsiteX12" fmla="*/ 333112 w 463622"/>
+                <a:gd name="connsiteY12" fmla="*/ 17549 h 1765189"/>
+                <a:gd name="connsiteX13" fmla="*/ 249432 w 463622"/>
+                <a:gd name="connsiteY13" fmla="*/ 0 h 1765189"/>
+                <a:gd name="connsiteX14" fmla="*/ 190586 w 463622"/>
+                <a:gd name="connsiteY14" fmla="*/ 15353 h 1765189"/>
+                <a:gd name="connsiteX15" fmla="*/ 147046 w 463622"/>
+                <a:gd name="connsiteY15" fmla="*/ 35737 h 1765189"/>
+                <a:gd name="connsiteX0" fmla="*/ 147046 w 463622"/>
+                <a:gd name="connsiteY0" fmla="*/ 35737 h 1765189"/>
+                <a:gd name="connsiteX1" fmla="*/ 147544 w 463622"/>
+                <a:gd name="connsiteY1" fmla="*/ 1117347 h 1765189"/>
+                <a:gd name="connsiteX2" fmla="*/ 41179 w 463622"/>
+                <a:gd name="connsiteY2" fmla="*/ 1218602 h 1765189"/>
+                <a:gd name="connsiteX3" fmla="*/ 0 w 463622"/>
+                <a:gd name="connsiteY3" fmla="*/ 1416396 h 1765189"/>
+                <a:gd name="connsiteX4" fmla="*/ 1311 w 463622"/>
+                <a:gd name="connsiteY4" fmla="*/ 1642404 h 1765189"/>
+                <a:gd name="connsiteX5" fmla="*/ 97134 w 463622"/>
+                <a:gd name="connsiteY5" fmla="*/ 1757545 h 1765189"/>
+                <a:gd name="connsiteX6" fmla="*/ 249432 w 463622"/>
+                <a:gd name="connsiteY6" fmla="*/ 1765189 h 1765189"/>
+                <a:gd name="connsiteX7" fmla="*/ 355332 w 463622"/>
+                <a:gd name="connsiteY7" fmla="*/ 1757545 h 1765189"/>
+                <a:gd name="connsiteX8" fmla="*/ 463622 w 463622"/>
+                <a:gd name="connsiteY8" fmla="*/ 1652195 h 1765189"/>
+                <a:gd name="connsiteX9" fmla="*/ 462718 w 463622"/>
+                <a:gd name="connsiteY9" fmla="*/ 1370834 h 1765189"/>
+                <a:gd name="connsiteX10" fmla="*/ 421508 w 463622"/>
+                <a:gd name="connsiteY10" fmla="*/ 1200101 h 1765189"/>
+                <a:gd name="connsiteX11" fmla="*/ 318560 w 463622"/>
+                <a:gd name="connsiteY11" fmla="*/ 1101639 h 1765189"/>
+                <a:gd name="connsiteX12" fmla="*/ 333112 w 463622"/>
+                <a:gd name="connsiteY12" fmla="*/ 17549 h 1765189"/>
+                <a:gd name="connsiteX13" fmla="*/ 249432 w 463622"/>
+                <a:gd name="connsiteY13" fmla="*/ 0 h 1765189"/>
+                <a:gd name="connsiteX14" fmla="*/ 190586 w 463622"/>
+                <a:gd name="connsiteY14" fmla="*/ 15353 h 1765189"/>
+                <a:gd name="connsiteX15" fmla="*/ 147046 w 463622"/>
+                <a:gd name="connsiteY15" fmla="*/ 35737 h 1765189"/>
+                <a:gd name="connsiteX0" fmla="*/ 147046 w 463622"/>
+                <a:gd name="connsiteY0" fmla="*/ 35737 h 1765189"/>
+                <a:gd name="connsiteX1" fmla="*/ 147544 w 463622"/>
+                <a:gd name="connsiteY1" fmla="*/ 1117347 h 1765189"/>
+                <a:gd name="connsiteX2" fmla="*/ 41179 w 463622"/>
+                <a:gd name="connsiteY2" fmla="*/ 1218602 h 1765189"/>
+                <a:gd name="connsiteX3" fmla="*/ 0 w 463622"/>
+                <a:gd name="connsiteY3" fmla="*/ 1416396 h 1765189"/>
+                <a:gd name="connsiteX4" fmla="*/ 7911 w 463622"/>
+                <a:gd name="connsiteY4" fmla="*/ 1594424 h 1765189"/>
+                <a:gd name="connsiteX5" fmla="*/ 97134 w 463622"/>
+                <a:gd name="connsiteY5" fmla="*/ 1757545 h 1765189"/>
+                <a:gd name="connsiteX6" fmla="*/ 249432 w 463622"/>
+                <a:gd name="connsiteY6" fmla="*/ 1765189 h 1765189"/>
+                <a:gd name="connsiteX7" fmla="*/ 355332 w 463622"/>
+                <a:gd name="connsiteY7" fmla="*/ 1757545 h 1765189"/>
+                <a:gd name="connsiteX8" fmla="*/ 463622 w 463622"/>
+                <a:gd name="connsiteY8" fmla="*/ 1652195 h 1765189"/>
+                <a:gd name="connsiteX9" fmla="*/ 462718 w 463622"/>
+                <a:gd name="connsiteY9" fmla="*/ 1370834 h 1765189"/>
+                <a:gd name="connsiteX10" fmla="*/ 421508 w 463622"/>
+                <a:gd name="connsiteY10" fmla="*/ 1200101 h 1765189"/>
+                <a:gd name="connsiteX11" fmla="*/ 318560 w 463622"/>
+                <a:gd name="connsiteY11" fmla="*/ 1101639 h 1765189"/>
+                <a:gd name="connsiteX12" fmla="*/ 333112 w 463622"/>
+                <a:gd name="connsiteY12" fmla="*/ 17549 h 1765189"/>
+                <a:gd name="connsiteX13" fmla="*/ 249432 w 463622"/>
+                <a:gd name="connsiteY13" fmla="*/ 0 h 1765189"/>
+                <a:gd name="connsiteX14" fmla="*/ 190586 w 463622"/>
+                <a:gd name="connsiteY14" fmla="*/ 15353 h 1765189"/>
+                <a:gd name="connsiteX15" fmla="*/ 147046 w 463622"/>
+                <a:gd name="connsiteY15" fmla="*/ 35737 h 1765189"/>
+                <a:gd name="connsiteX0" fmla="*/ 147046 w 466922"/>
+                <a:gd name="connsiteY0" fmla="*/ 35737 h 1765189"/>
+                <a:gd name="connsiteX1" fmla="*/ 147544 w 466922"/>
+                <a:gd name="connsiteY1" fmla="*/ 1117347 h 1765189"/>
+                <a:gd name="connsiteX2" fmla="*/ 41179 w 466922"/>
+                <a:gd name="connsiteY2" fmla="*/ 1218602 h 1765189"/>
+                <a:gd name="connsiteX3" fmla="*/ 0 w 466922"/>
+                <a:gd name="connsiteY3" fmla="*/ 1416396 h 1765189"/>
+                <a:gd name="connsiteX4" fmla="*/ 7911 w 466922"/>
+                <a:gd name="connsiteY4" fmla="*/ 1594424 h 1765189"/>
+                <a:gd name="connsiteX5" fmla="*/ 97134 w 466922"/>
+                <a:gd name="connsiteY5" fmla="*/ 1757545 h 1765189"/>
+                <a:gd name="connsiteX6" fmla="*/ 249432 w 466922"/>
+                <a:gd name="connsiteY6" fmla="*/ 1765189 h 1765189"/>
+                <a:gd name="connsiteX7" fmla="*/ 355332 w 466922"/>
+                <a:gd name="connsiteY7" fmla="*/ 1757545 h 1765189"/>
+                <a:gd name="connsiteX8" fmla="*/ 466922 w 466922"/>
+                <a:gd name="connsiteY8" fmla="*/ 1568230 h 1765189"/>
+                <a:gd name="connsiteX9" fmla="*/ 462718 w 466922"/>
+                <a:gd name="connsiteY9" fmla="*/ 1370834 h 1765189"/>
+                <a:gd name="connsiteX10" fmla="*/ 421508 w 466922"/>
+                <a:gd name="connsiteY10" fmla="*/ 1200101 h 1765189"/>
+                <a:gd name="connsiteX11" fmla="*/ 318560 w 466922"/>
+                <a:gd name="connsiteY11" fmla="*/ 1101639 h 1765189"/>
+                <a:gd name="connsiteX12" fmla="*/ 333112 w 466922"/>
+                <a:gd name="connsiteY12" fmla="*/ 17549 h 1765189"/>
+                <a:gd name="connsiteX13" fmla="*/ 249432 w 466922"/>
+                <a:gd name="connsiteY13" fmla="*/ 0 h 1765189"/>
+                <a:gd name="connsiteX14" fmla="*/ 190586 w 466922"/>
+                <a:gd name="connsiteY14" fmla="*/ 15353 h 1765189"/>
+                <a:gd name="connsiteX15" fmla="*/ 147046 w 466922"/>
+                <a:gd name="connsiteY15" fmla="*/ 35737 h 1765189"/>
+                <a:gd name="connsiteX0" fmla="*/ 147046 w 466922"/>
+                <a:gd name="connsiteY0" fmla="*/ 35737 h 1765189"/>
+                <a:gd name="connsiteX1" fmla="*/ 147544 w 466922"/>
+                <a:gd name="connsiteY1" fmla="*/ 1117347 h 1765189"/>
+                <a:gd name="connsiteX2" fmla="*/ 41179 w 466922"/>
+                <a:gd name="connsiteY2" fmla="*/ 1218602 h 1765189"/>
+                <a:gd name="connsiteX3" fmla="*/ 0 w 466922"/>
+                <a:gd name="connsiteY3" fmla="*/ 1416396 h 1765189"/>
+                <a:gd name="connsiteX4" fmla="*/ 7911 w 466922"/>
+                <a:gd name="connsiteY4" fmla="*/ 1594424 h 1765189"/>
+                <a:gd name="connsiteX5" fmla="*/ 97134 w 466922"/>
+                <a:gd name="connsiteY5" fmla="*/ 1757545 h 1765189"/>
+                <a:gd name="connsiteX6" fmla="*/ 249432 w 466922"/>
+                <a:gd name="connsiteY6" fmla="*/ 1765189 h 1765189"/>
+                <a:gd name="connsiteX7" fmla="*/ 355332 w 466922"/>
+                <a:gd name="connsiteY7" fmla="*/ 1757545 h 1765189"/>
+                <a:gd name="connsiteX8" fmla="*/ 466922 w 466922"/>
+                <a:gd name="connsiteY8" fmla="*/ 1574228 h 1765189"/>
+                <a:gd name="connsiteX9" fmla="*/ 462718 w 466922"/>
+                <a:gd name="connsiteY9" fmla="*/ 1370834 h 1765189"/>
+                <a:gd name="connsiteX10" fmla="*/ 421508 w 466922"/>
+                <a:gd name="connsiteY10" fmla="*/ 1200101 h 1765189"/>
+                <a:gd name="connsiteX11" fmla="*/ 318560 w 466922"/>
+                <a:gd name="connsiteY11" fmla="*/ 1101639 h 1765189"/>
+                <a:gd name="connsiteX12" fmla="*/ 333112 w 466922"/>
+                <a:gd name="connsiteY12" fmla="*/ 17549 h 1765189"/>
+                <a:gd name="connsiteX13" fmla="*/ 249432 w 466922"/>
+                <a:gd name="connsiteY13" fmla="*/ 0 h 1765189"/>
+                <a:gd name="connsiteX14" fmla="*/ 190586 w 466922"/>
+                <a:gd name="connsiteY14" fmla="*/ 15353 h 1765189"/>
+                <a:gd name="connsiteX15" fmla="*/ 147046 w 466922"/>
+                <a:gd name="connsiteY15" fmla="*/ 35737 h 1765189"/>
+                <a:gd name="connsiteX0" fmla="*/ 147046 w 462728"/>
+                <a:gd name="connsiteY0" fmla="*/ 35737 h 1765189"/>
+                <a:gd name="connsiteX1" fmla="*/ 147544 w 462728"/>
+                <a:gd name="connsiteY1" fmla="*/ 1117347 h 1765189"/>
+                <a:gd name="connsiteX2" fmla="*/ 41179 w 462728"/>
+                <a:gd name="connsiteY2" fmla="*/ 1218602 h 1765189"/>
+                <a:gd name="connsiteX3" fmla="*/ 0 w 462728"/>
+                <a:gd name="connsiteY3" fmla="*/ 1416396 h 1765189"/>
+                <a:gd name="connsiteX4" fmla="*/ 7911 w 462728"/>
+                <a:gd name="connsiteY4" fmla="*/ 1594424 h 1765189"/>
+                <a:gd name="connsiteX5" fmla="*/ 97134 w 462728"/>
+                <a:gd name="connsiteY5" fmla="*/ 1757545 h 1765189"/>
+                <a:gd name="connsiteX6" fmla="*/ 249432 w 462728"/>
+                <a:gd name="connsiteY6" fmla="*/ 1765189 h 1765189"/>
+                <a:gd name="connsiteX7" fmla="*/ 355332 w 462728"/>
+                <a:gd name="connsiteY7" fmla="*/ 1757545 h 1765189"/>
+                <a:gd name="connsiteX8" fmla="*/ 457021 w 462728"/>
+                <a:gd name="connsiteY8" fmla="*/ 1586224 h 1765189"/>
+                <a:gd name="connsiteX9" fmla="*/ 462718 w 462728"/>
+                <a:gd name="connsiteY9" fmla="*/ 1370834 h 1765189"/>
+                <a:gd name="connsiteX10" fmla="*/ 421508 w 462728"/>
+                <a:gd name="connsiteY10" fmla="*/ 1200101 h 1765189"/>
+                <a:gd name="connsiteX11" fmla="*/ 318560 w 462728"/>
+                <a:gd name="connsiteY11" fmla="*/ 1101639 h 1765189"/>
+                <a:gd name="connsiteX12" fmla="*/ 333112 w 462728"/>
+                <a:gd name="connsiteY12" fmla="*/ 17549 h 1765189"/>
+                <a:gd name="connsiteX13" fmla="*/ 249432 w 462728"/>
+                <a:gd name="connsiteY13" fmla="*/ 0 h 1765189"/>
+                <a:gd name="connsiteX14" fmla="*/ 190586 w 462728"/>
+                <a:gd name="connsiteY14" fmla="*/ 15353 h 1765189"/>
+                <a:gd name="connsiteX15" fmla="*/ 147046 w 462728"/>
+                <a:gd name="connsiteY15" fmla="*/ 35737 h 1765189"/>
+                <a:gd name="connsiteX0" fmla="*/ 147046 w 462728"/>
+                <a:gd name="connsiteY0" fmla="*/ 35737 h 1765189"/>
+                <a:gd name="connsiteX1" fmla="*/ 147544 w 462728"/>
+                <a:gd name="connsiteY1" fmla="*/ 1117347 h 1765189"/>
+                <a:gd name="connsiteX2" fmla="*/ 41179 w 462728"/>
+                <a:gd name="connsiteY2" fmla="*/ 1218602 h 1765189"/>
+                <a:gd name="connsiteX3" fmla="*/ 0 w 462728"/>
+                <a:gd name="connsiteY3" fmla="*/ 1416396 h 1765189"/>
+                <a:gd name="connsiteX4" fmla="*/ 7911 w 462728"/>
+                <a:gd name="connsiteY4" fmla="*/ 1594424 h 1765189"/>
+                <a:gd name="connsiteX5" fmla="*/ 97134 w 462728"/>
+                <a:gd name="connsiteY5" fmla="*/ 1757545 h 1765189"/>
+                <a:gd name="connsiteX6" fmla="*/ 249432 w 462728"/>
+                <a:gd name="connsiteY6" fmla="*/ 1765189 h 1765189"/>
+                <a:gd name="connsiteX7" fmla="*/ 355332 w 462728"/>
+                <a:gd name="connsiteY7" fmla="*/ 1757545 h 1765189"/>
+                <a:gd name="connsiteX8" fmla="*/ 457021 w 462728"/>
+                <a:gd name="connsiteY8" fmla="*/ 1586224 h 1765189"/>
+                <a:gd name="connsiteX9" fmla="*/ 462718 w 462728"/>
+                <a:gd name="connsiteY9" fmla="*/ 1370834 h 1765189"/>
+                <a:gd name="connsiteX10" fmla="*/ 421508 w 462728"/>
+                <a:gd name="connsiteY10" fmla="*/ 1200101 h 1765189"/>
+                <a:gd name="connsiteX11" fmla="*/ 318560 w 462728"/>
+                <a:gd name="connsiteY11" fmla="*/ 1101639 h 1765189"/>
+                <a:gd name="connsiteX12" fmla="*/ 319910 w 462728"/>
+                <a:gd name="connsiteY12" fmla="*/ 17549 h 1765189"/>
+                <a:gd name="connsiteX13" fmla="*/ 249432 w 462728"/>
+                <a:gd name="connsiteY13" fmla="*/ 0 h 1765189"/>
+                <a:gd name="connsiteX14" fmla="*/ 190586 w 462728"/>
+                <a:gd name="connsiteY14" fmla="*/ 15353 h 1765189"/>
+                <a:gd name="connsiteX15" fmla="*/ 147046 w 462728"/>
+                <a:gd name="connsiteY15" fmla="*/ 35737 h 1765189"/>
+                <a:gd name="connsiteX0" fmla="*/ 147046 w 462728"/>
+                <a:gd name="connsiteY0" fmla="*/ 62366 h 1791818"/>
+                <a:gd name="connsiteX1" fmla="*/ 147544 w 462728"/>
+                <a:gd name="connsiteY1" fmla="*/ 1143976 h 1791818"/>
+                <a:gd name="connsiteX2" fmla="*/ 41179 w 462728"/>
+                <a:gd name="connsiteY2" fmla="*/ 1245231 h 1791818"/>
+                <a:gd name="connsiteX3" fmla="*/ 0 w 462728"/>
+                <a:gd name="connsiteY3" fmla="*/ 1443025 h 1791818"/>
+                <a:gd name="connsiteX4" fmla="*/ 7911 w 462728"/>
+                <a:gd name="connsiteY4" fmla="*/ 1621053 h 1791818"/>
+                <a:gd name="connsiteX5" fmla="*/ 97134 w 462728"/>
+                <a:gd name="connsiteY5" fmla="*/ 1784174 h 1791818"/>
+                <a:gd name="connsiteX6" fmla="*/ 249432 w 462728"/>
+                <a:gd name="connsiteY6" fmla="*/ 1791818 h 1791818"/>
+                <a:gd name="connsiteX7" fmla="*/ 355332 w 462728"/>
+                <a:gd name="connsiteY7" fmla="*/ 1784174 h 1791818"/>
+                <a:gd name="connsiteX8" fmla="*/ 457021 w 462728"/>
+                <a:gd name="connsiteY8" fmla="*/ 1612853 h 1791818"/>
+                <a:gd name="connsiteX9" fmla="*/ 462718 w 462728"/>
+                <a:gd name="connsiteY9" fmla="*/ 1397463 h 1791818"/>
+                <a:gd name="connsiteX10" fmla="*/ 421508 w 462728"/>
+                <a:gd name="connsiteY10" fmla="*/ 1226730 h 1791818"/>
+                <a:gd name="connsiteX11" fmla="*/ 318560 w 462728"/>
+                <a:gd name="connsiteY11" fmla="*/ 1128268 h 1791818"/>
+                <a:gd name="connsiteX12" fmla="*/ 319910 w 462728"/>
+                <a:gd name="connsiteY12" fmla="*/ 44178 h 1791818"/>
+                <a:gd name="connsiteX13" fmla="*/ 249432 w 462728"/>
+                <a:gd name="connsiteY13" fmla="*/ 26629 h 1791818"/>
+                <a:gd name="connsiteX14" fmla="*/ 187285 w 462728"/>
+                <a:gd name="connsiteY14" fmla="*/ 0 h 1791818"/>
+                <a:gd name="connsiteX15" fmla="*/ 147046 w 462728"/>
+                <a:gd name="connsiteY15" fmla="*/ 62366 h 1791818"/>
+                <a:gd name="connsiteX0" fmla="*/ 147046 w 462728"/>
+                <a:gd name="connsiteY0" fmla="*/ 62366 h 1791818"/>
+                <a:gd name="connsiteX1" fmla="*/ 147544 w 462728"/>
+                <a:gd name="connsiteY1" fmla="*/ 1143976 h 1791818"/>
+                <a:gd name="connsiteX2" fmla="*/ 41179 w 462728"/>
+                <a:gd name="connsiteY2" fmla="*/ 1245231 h 1791818"/>
+                <a:gd name="connsiteX3" fmla="*/ 0 w 462728"/>
+                <a:gd name="connsiteY3" fmla="*/ 1443025 h 1791818"/>
+                <a:gd name="connsiteX4" fmla="*/ 7911 w 462728"/>
+                <a:gd name="connsiteY4" fmla="*/ 1621053 h 1791818"/>
+                <a:gd name="connsiteX5" fmla="*/ 97134 w 462728"/>
+                <a:gd name="connsiteY5" fmla="*/ 1784174 h 1791818"/>
+                <a:gd name="connsiteX6" fmla="*/ 249432 w 462728"/>
+                <a:gd name="connsiteY6" fmla="*/ 1791818 h 1791818"/>
+                <a:gd name="connsiteX7" fmla="*/ 355332 w 462728"/>
+                <a:gd name="connsiteY7" fmla="*/ 1784174 h 1791818"/>
+                <a:gd name="connsiteX8" fmla="*/ 457021 w 462728"/>
+                <a:gd name="connsiteY8" fmla="*/ 1612853 h 1791818"/>
+                <a:gd name="connsiteX9" fmla="*/ 462718 w 462728"/>
+                <a:gd name="connsiteY9" fmla="*/ 1397463 h 1791818"/>
+                <a:gd name="connsiteX10" fmla="*/ 421508 w 462728"/>
+                <a:gd name="connsiteY10" fmla="*/ 1226730 h 1791818"/>
+                <a:gd name="connsiteX11" fmla="*/ 318560 w 462728"/>
+                <a:gd name="connsiteY11" fmla="*/ 1128268 h 1791818"/>
+                <a:gd name="connsiteX12" fmla="*/ 319910 w 462728"/>
+                <a:gd name="connsiteY12" fmla="*/ 44178 h 1791818"/>
+                <a:gd name="connsiteX13" fmla="*/ 249432 w 462728"/>
+                <a:gd name="connsiteY13" fmla="*/ 2639 h 1791818"/>
+                <a:gd name="connsiteX14" fmla="*/ 187285 w 462728"/>
+                <a:gd name="connsiteY14" fmla="*/ 0 h 1791818"/>
+                <a:gd name="connsiteX15" fmla="*/ 147046 w 462728"/>
+                <a:gd name="connsiteY15" fmla="*/ 62366 h 1791818"/>
+                <a:gd name="connsiteX0" fmla="*/ 147046 w 462728"/>
+                <a:gd name="connsiteY0" fmla="*/ 62366 h 1791818"/>
+                <a:gd name="connsiteX1" fmla="*/ 147544 w 462728"/>
+                <a:gd name="connsiteY1" fmla="*/ 1143976 h 1791818"/>
+                <a:gd name="connsiteX2" fmla="*/ 41179 w 462728"/>
+                <a:gd name="connsiteY2" fmla="*/ 1245231 h 1791818"/>
+                <a:gd name="connsiteX3" fmla="*/ 0 w 462728"/>
+                <a:gd name="connsiteY3" fmla="*/ 1443025 h 1791818"/>
+                <a:gd name="connsiteX4" fmla="*/ 7911 w 462728"/>
+                <a:gd name="connsiteY4" fmla="*/ 1621053 h 1791818"/>
+                <a:gd name="connsiteX5" fmla="*/ 97134 w 462728"/>
+                <a:gd name="connsiteY5" fmla="*/ 1784174 h 1791818"/>
+                <a:gd name="connsiteX6" fmla="*/ 249432 w 462728"/>
+                <a:gd name="connsiteY6" fmla="*/ 1791818 h 1791818"/>
+                <a:gd name="connsiteX7" fmla="*/ 355332 w 462728"/>
+                <a:gd name="connsiteY7" fmla="*/ 1784174 h 1791818"/>
+                <a:gd name="connsiteX8" fmla="*/ 457021 w 462728"/>
+                <a:gd name="connsiteY8" fmla="*/ 1612853 h 1791818"/>
+                <a:gd name="connsiteX9" fmla="*/ 462718 w 462728"/>
+                <a:gd name="connsiteY9" fmla="*/ 1397463 h 1791818"/>
+                <a:gd name="connsiteX10" fmla="*/ 421508 w 462728"/>
+                <a:gd name="connsiteY10" fmla="*/ 1226730 h 1791818"/>
+                <a:gd name="connsiteX11" fmla="*/ 318560 w 462728"/>
+                <a:gd name="connsiteY11" fmla="*/ 1128268 h 1791818"/>
+                <a:gd name="connsiteX12" fmla="*/ 319910 w 462728"/>
+                <a:gd name="connsiteY12" fmla="*/ 44178 h 1791818"/>
+                <a:gd name="connsiteX13" fmla="*/ 276477 w 462728"/>
+                <a:gd name="connsiteY13" fmla="*/ 5226 h 1791818"/>
+                <a:gd name="connsiteX14" fmla="*/ 187285 w 462728"/>
+                <a:gd name="connsiteY14" fmla="*/ 0 h 1791818"/>
+                <a:gd name="connsiteX15" fmla="*/ 147046 w 462728"/>
+                <a:gd name="connsiteY15" fmla="*/ 62366 h 1791818"/>
+                <a:gd name="connsiteX0" fmla="*/ 147046 w 462728"/>
+                <a:gd name="connsiteY0" fmla="*/ 62366 h 1791818"/>
+                <a:gd name="connsiteX1" fmla="*/ 147544 w 462728"/>
+                <a:gd name="connsiteY1" fmla="*/ 1143976 h 1791818"/>
+                <a:gd name="connsiteX2" fmla="*/ 41179 w 462728"/>
+                <a:gd name="connsiteY2" fmla="*/ 1245231 h 1791818"/>
+                <a:gd name="connsiteX3" fmla="*/ 0 w 462728"/>
+                <a:gd name="connsiteY3" fmla="*/ 1443025 h 1791818"/>
+                <a:gd name="connsiteX4" fmla="*/ 7911 w 462728"/>
+                <a:gd name="connsiteY4" fmla="*/ 1621053 h 1791818"/>
+                <a:gd name="connsiteX5" fmla="*/ 97134 w 462728"/>
+                <a:gd name="connsiteY5" fmla="*/ 1784174 h 1791818"/>
+                <a:gd name="connsiteX6" fmla="*/ 249432 w 462728"/>
+                <a:gd name="connsiteY6" fmla="*/ 1791818 h 1791818"/>
+                <a:gd name="connsiteX7" fmla="*/ 355332 w 462728"/>
+                <a:gd name="connsiteY7" fmla="*/ 1784174 h 1791818"/>
+                <a:gd name="connsiteX8" fmla="*/ 457021 w 462728"/>
+                <a:gd name="connsiteY8" fmla="*/ 1612853 h 1791818"/>
+                <a:gd name="connsiteX9" fmla="*/ 462718 w 462728"/>
+                <a:gd name="connsiteY9" fmla="*/ 1397463 h 1791818"/>
+                <a:gd name="connsiteX10" fmla="*/ 421508 w 462728"/>
+                <a:gd name="connsiteY10" fmla="*/ 1226730 h 1791818"/>
+                <a:gd name="connsiteX11" fmla="*/ 318560 w 462728"/>
+                <a:gd name="connsiteY11" fmla="*/ 1128268 h 1791818"/>
+                <a:gd name="connsiteX12" fmla="*/ 319910 w 462728"/>
+                <a:gd name="connsiteY12" fmla="*/ 44178 h 1791818"/>
+                <a:gd name="connsiteX13" fmla="*/ 276477 w 462728"/>
+                <a:gd name="connsiteY13" fmla="*/ 5226 h 1791818"/>
+                <a:gd name="connsiteX14" fmla="*/ 187285 w 462728"/>
+                <a:gd name="connsiteY14" fmla="*/ 0 h 1791818"/>
+                <a:gd name="connsiteX15" fmla="*/ 147046 w 462728"/>
+                <a:gd name="connsiteY15" fmla="*/ 62366 h 1791818"/>
+                <a:gd name="connsiteX0" fmla="*/ 147046 w 462728"/>
+                <a:gd name="connsiteY0" fmla="*/ 62366 h 1791818"/>
+                <a:gd name="connsiteX1" fmla="*/ 147544 w 462728"/>
+                <a:gd name="connsiteY1" fmla="*/ 1143976 h 1791818"/>
+                <a:gd name="connsiteX2" fmla="*/ 41179 w 462728"/>
+                <a:gd name="connsiteY2" fmla="*/ 1245231 h 1791818"/>
+                <a:gd name="connsiteX3" fmla="*/ 0 w 462728"/>
+                <a:gd name="connsiteY3" fmla="*/ 1443025 h 1791818"/>
+                <a:gd name="connsiteX4" fmla="*/ 7911 w 462728"/>
+                <a:gd name="connsiteY4" fmla="*/ 1621053 h 1791818"/>
+                <a:gd name="connsiteX5" fmla="*/ 97134 w 462728"/>
+                <a:gd name="connsiteY5" fmla="*/ 1784174 h 1791818"/>
+                <a:gd name="connsiteX6" fmla="*/ 249432 w 462728"/>
+                <a:gd name="connsiteY6" fmla="*/ 1791818 h 1791818"/>
+                <a:gd name="connsiteX7" fmla="*/ 355332 w 462728"/>
+                <a:gd name="connsiteY7" fmla="*/ 1784174 h 1791818"/>
+                <a:gd name="connsiteX8" fmla="*/ 457021 w 462728"/>
+                <a:gd name="connsiteY8" fmla="*/ 1612853 h 1791818"/>
+                <a:gd name="connsiteX9" fmla="*/ 462718 w 462728"/>
+                <a:gd name="connsiteY9" fmla="*/ 1397463 h 1791818"/>
+                <a:gd name="connsiteX10" fmla="*/ 421508 w 462728"/>
+                <a:gd name="connsiteY10" fmla="*/ 1226730 h 1791818"/>
+                <a:gd name="connsiteX11" fmla="*/ 318560 w 462728"/>
+                <a:gd name="connsiteY11" fmla="*/ 1128268 h 1791818"/>
+                <a:gd name="connsiteX12" fmla="*/ 319910 w 462728"/>
+                <a:gd name="connsiteY12" fmla="*/ 44178 h 1791818"/>
+                <a:gd name="connsiteX13" fmla="*/ 276477 w 462728"/>
+                <a:gd name="connsiteY13" fmla="*/ 5226 h 1791818"/>
+                <a:gd name="connsiteX14" fmla="*/ 187285 w 462728"/>
+                <a:gd name="connsiteY14" fmla="*/ 0 h 1791818"/>
+                <a:gd name="connsiteX15" fmla="*/ 147046 w 462728"/>
+                <a:gd name="connsiteY15" fmla="*/ 62366 h 1791818"/>
+                <a:gd name="connsiteX0" fmla="*/ 147046 w 462728"/>
+                <a:gd name="connsiteY0" fmla="*/ 62366 h 1791818"/>
+                <a:gd name="connsiteX1" fmla="*/ 147544 w 462728"/>
+                <a:gd name="connsiteY1" fmla="*/ 1143976 h 1791818"/>
+                <a:gd name="connsiteX2" fmla="*/ 41179 w 462728"/>
+                <a:gd name="connsiteY2" fmla="*/ 1245231 h 1791818"/>
+                <a:gd name="connsiteX3" fmla="*/ 0 w 462728"/>
+                <a:gd name="connsiteY3" fmla="*/ 1443025 h 1791818"/>
+                <a:gd name="connsiteX4" fmla="*/ 7911 w 462728"/>
+                <a:gd name="connsiteY4" fmla="*/ 1621053 h 1791818"/>
+                <a:gd name="connsiteX5" fmla="*/ 97134 w 462728"/>
+                <a:gd name="connsiteY5" fmla="*/ 1784174 h 1791818"/>
+                <a:gd name="connsiteX6" fmla="*/ 249432 w 462728"/>
+                <a:gd name="connsiteY6" fmla="*/ 1791818 h 1791818"/>
+                <a:gd name="connsiteX7" fmla="*/ 355332 w 462728"/>
+                <a:gd name="connsiteY7" fmla="*/ 1784174 h 1791818"/>
+                <a:gd name="connsiteX8" fmla="*/ 457021 w 462728"/>
+                <a:gd name="connsiteY8" fmla="*/ 1612853 h 1791818"/>
+                <a:gd name="connsiteX9" fmla="*/ 462718 w 462728"/>
+                <a:gd name="connsiteY9" fmla="*/ 1397463 h 1791818"/>
+                <a:gd name="connsiteX10" fmla="*/ 421508 w 462728"/>
+                <a:gd name="connsiteY10" fmla="*/ 1226730 h 1791818"/>
+                <a:gd name="connsiteX11" fmla="*/ 318560 w 462728"/>
+                <a:gd name="connsiteY11" fmla="*/ 1128268 h 1791818"/>
+                <a:gd name="connsiteX12" fmla="*/ 319910 w 462728"/>
+                <a:gd name="connsiteY12" fmla="*/ 44178 h 1791818"/>
+                <a:gd name="connsiteX13" fmla="*/ 276477 w 462728"/>
+                <a:gd name="connsiteY13" fmla="*/ 5226 h 1791818"/>
+                <a:gd name="connsiteX14" fmla="*/ 187285 w 462728"/>
+                <a:gd name="connsiteY14" fmla="*/ 0 h 1791818"/>
+                <a:gd name="connsiteX15" fmla="*/ 147046 w 462728"/>
+                <a:gd name="connsiteY15" fmla="*/ 62366 h 1791818"/>
+                <a:gd name="connsiteX0" fmla="*/ 147046 w 462728"/>
+                <a:gd name="connsiteY0" fmla="*/ 62366 h 1791818"/>
+                <a:gd name="connsiteX1" fmla="*/ 147544 w 462728"/>
+                <a:gd name="connsiteY1" fmla="*/ 1143976 h 1791818"/>
+                <a:gd name="connsiteX2" fmla="*/ 41179 w 462728"/>
+                <a:gd name="connsiteY2" fmla="*/ 1245231 h 1791818"/>
+                <a:gd name="connsiteX3" fmla="*/ 0 w 462728"/>
+                <a:gd name="connsiteY3" fmla="*/ 1443025 h 1791818"/>
+                <a:gd name="connsiteX4" fmla="*/ 7911 w 462728"/>
+                <a:gd name="connsiteY4" fmla="*/ 1621053 h 1791818"/>
+                <a:gd name="connsiteX5" fmla="*/ 97134 w 462728"/>
+                <a:gd name="connsiteY5" fmla="*/ 1784174 h 1791818"/>
+                <a:gd name="connsiteX6" fmla="*/ 249432 w 462728"/>
+                <a:gd name="connsiteY6" fmla="*/ 1791818 h 1791818"/>
+                <a:gd name="connsiteX7" fmla="*/ 355332 w 462728"/>
+                <a:gd name="connsiteY7" fmla="*/ 1784174 h 1791818"/>
+                <a:gd name="connsiteX8" fmla="*/ 457021 w 462728"/>
+                <a:gd name="connsiteY8" fmla="*/ 1612853 h 1791818"/>
+                <a:gd name="connsiteX9" fmla="*/ 462718 w 462728"/>
+                <a:gd name="connsiteY9" fmla="*/ 1397463 h 1791818"/>
+                <a:gd name="connsiteX10" fmla="*/ 421508 w 462728"/>
+                <a:gd name="connsiteY10" fmla="*/ 1226730 h 1791818"/>
+                <a:gd name="connsiteX11" fmla="*/ 318560 w 462728"/>
+                <a:gd name="connsiteY11" fmla="*/ 1128268 h 1791818"/>
+                <a:gd name="connsiteX12" fmla="*/ 319910 w 462728"/>
+                <a:gd name="connsiteY12" fmla="*/ 44178 h 1791818"/>
+                <a:gd name="connsiteX13" fmla="*/ 276477 w 462728"/>
+                <a:gd name="connsiteY13" fmla="*/ 5226 h 1791818"/>
+                <a:gd name="connsiteX14" fmla="*/ 187285 w 462728"/>
+                <a:gd name="connsiteY14" fmla="*/ 0 h 1791818"/>
+                <a:gd name="connsiteX15" fmla="*/ 147046 w 462728"/>
+                <a:gd name="connsiteY15" fmla="*/ 62366 h 1791818"/>
+                <a:gd name="connsiteX0" fmla="*/ 147046 w 462728"/>
+                <a:gd name="connsiteY0" fmla="*/ 62366 h 1791818"/>
+                <a:gd name="connsiteX1" fmla="*/ 147544 w 462728"/>
+                <a:gd name="connsiteY1" fmla="*/ 1143976 h 1791818"/>
+                <a:gd name="connsiteX2" fmla="*/ 41179 w 462728"/>
+                <a:gd name="connsiteY2" fmla="*/ 1245231 h 1791818"/>
+                <a:gd name="connsiteX3" fmla="*/ 0 w 462728"/>
+                <a:gd name="connsiteY3" fmla="*/ 1443025 h 1791818"/>
+                <a:gd name="connsiteX4" fmla="*/ 7911 w 462728"/>
+                <a:gd name="connsiteY4" fmla="*/ 1621053 h 1791818"/>
+                <a:gd name="connsiteX5" fmla="*/ 97134 w 462728"/>
+                <a:gd name="connsiteY5" fmla="*/ 1784174 h 1791818"/>
+                <a:gd name="connsiteX6" fmla="*/ 249432 w 462728"/>
+                <a:gd name="connsiteY6" fmla="*/ 1791818 h 1791818"/>
+                <a:gd name="connsiteX7" fmla="*/ 355332 w 462728"/>
+                <a:gd name="connsiteY7" fmla="*/ 1784174 h 1791818"/>
+                <a:gd name="connsiteX8" fmla="*/ 457021 w 462728"/>
+                <a:gd name="connsiteY8" fmla="*/ 1612853 h 1791818"/>
+                <a:gd name="connsiteX9" fmla="*/ 462718 w 462728"/>
+                <a:gd name="connsiteY9" fmla="*/ 1397463 h 1791818"/>
+                <a:gd name="connsiteX10" fmla="*/ 421508 w 462728"/>
+                <a:gd name="connsiteY10" fmla="*/ 1226730 h 1791818"/>
+                <a:gd name="connsiteX11" fmla="*/ 318560 w 462728"/>
+                <a:gd name="connsiteY11" fmla="*/ 1128268 h 1791818"/>
+                <a:gd name="connsiteX12" fmla="*/ 318164 w 462728"/>
+                <a:gd name="connsiteY12" fmla="*/ 63217 h 1791818"/>
+                <a:gd name="connsiteX13" fmla="*/ 276477 w 462728"/>
+                <a:gd name="connsiteY13" fmla="*/ 5226 h 1791818"/>
+                <a:gd name="connsiteX14" fmla="*/ 187285 w 462728"/>
+                <a:gd name="connsiteY14" fmla="*/ 0 h 1791818"/>
+                <a:gd name="connsiteX15" fmla="*/ 147046 w 462728"/>
+                <a:gd name="connsiteY15" fmla="*/ 62366 h 1791818"/>
+                <a:gd name="connsiteX0" fmla="*/ 147046 w 462728"/>
+                <a:gd name="connsiteY0" fmla="*/ 62366 h 1791818"/>
+                <a:gd name="connsiteX1" fmla="*/ 147544 w 462728"/>
+                <a:gd name="connsiteY1" fmla="*/ 1143976 h 1791818"/>
+                <a:gd name="connsiteX2" fmla="*/ 41179 w 462728"/>
+                <a:gd name="connsiteY2" fmla="*/ 1245231 h 1791818"/>
+                <a:gd name="connsiteX3" fmla="*/ 0 w 462728"/>
+                <a:gd name="connsiteY3" fmla="*/ 1443025 h 1791818"/>
+                <a:gd name="connsiteX4" fmla="*/ 7911 w 462728"/>
+                <a:gd name="connsiteY4" fmla="*/ 1621053 h 1791818"/>
+                <a:gd name="connsiteX5" fmla="*/ 97134 w 462728"/>
+                <a:gd name="connsiteY5" fmla="*/ 1784174 h 1791818"/>
+                <a:gd name="connsiteX6" fmla="*/ 249432 w 462728"/>
+                <a:gd name="connsiteY6" fmla="*/ 1791818 h 1791818"/>
+                <a:gd name="connsiteX7" fmla="*/ 355332 w 462728"/>
+                <a:gd name="connsiteY7" fmla="*/ 1784174 h 1791818"/>
+                <a:gd name="connsiteX8" fmla="*/ 457021 w 462728"/>
+                <a:gd name="connsiteY8" fmla="*/ 1612853 h 1791818"/>
+                <a:gd name="connsiteX9" fmla="*/ 462718 w 462728"/>
+                <a:gd name="connsiteY9" fmla="*/ 1397463 h 1791818"/>
+                <a:gd name="connsiteX10" fmla="*/ 421508 w 462728"/>
+                <a:gd name="connsiteY10" fmla="*/ 1226730 h 1791818"/>
+                <a:gd name="connsiteX11" fmla="*/ 318560 w 462728"/>
+                <a:gd name="connsiteY11" fmla="*/ 1128268 h 1791818"/>
+                <a:gd name="connsiteX12" fmla="*/ 318164 w 462728"/>
+                <a:gd name="connsiteY12" fmla="*/ 63217 h 1791818"/>
+                <a:gd name="connsiteX13" fmla="*/ 276477 w 462728"/>
+                <a:gd name="connsiteY13" fmla="*/ 5226 h 1791818"/>
+                <a:gd name="connsiteX14" fmla="*/ 187285 w 462728"/>
+                <a:gd name="connsiteY14" fmla="*/ 0 h 1791818"/>
+                <a:gd name="connsiteX15" fmla="*/ 147046 w 462728"/>
+                <a:gd name="connsiteY15" fmla="*/ 62366 h 1791818"/>
+                <a:gd name="connsiteX0" fmla="*/ 147046 w 462728"/>
+                <a:gd name="connsiteY0" fmla="*/ 62366 h 1791818"/>
+                <a:gd name="connsiteX1" fmla="*/ 147544 w 462728"/>
+                <a:gd name="connsiteY1" fmla="*/ 1143976 h 1791818"/>
+                <a:gd name="connsiteX2" fmla="*/ 41179 w 462728"/>
+                <a:gd name="connsiteY2" fmla="*/ 1245231 h 1791818"/>
+                <a:gd name="connsiteX3" fmla="*/ 0 w 462728"/>
+                <a:gd name="connsiteY3" fmla="*/ 1443025 h 1791818"/>
+                <a:gd name="connsiteX4" fmla="*/ 7911 w 462728"/>
+                <a:gd name="connsiteY4" fmla="*/ 1621053 h 1791818"/>
+                <a:gd name="connsiteX5" fmla="*/ 97134 w 462728"/>
+                <a:gd name="connsiteY5" fmla="*/ 1784174 h 1791818"/>
+                <a:gd name="connsiteX6" fmla="*/ 249432 w 462728"/>
+                <a:gd name="connsiteY6" fmla="*/ 1791818 h 1791818"/>
+                <a:gd name="connsiteX7" fmla="*/ 355332 w 462728"/>
+                <a:gd name="connsiteY7" fmla="*/ 1784174 h 1791818"/>
+                <a:gd name="connsiteX8" fmla="*/ 457021 w 462728"/>
+                <a:gd name="connsiteY8" fmla="*/ 1612853 h 1791818"/>
+                <a:gd name="connsiteX9" fmla="*/ 462718 w 462728"/>
+                <a:gd name="connsiteY9" fmla="*/ 1397463 h 1791818"/>
+                <a:gd name="connsiteX10" fmla="*/ 421508 w 462728"/>
+                <a:gd name="connsiteY10" fmla="*/ 1226730 h 1791818"/>
+                <a:gd name="connsiteX11" fmla="*/ 318560 w 462728"/>
+                <a:gd name="connsiteY11" fmla="*/ 1128268 h 1791818"/>
+                <a:gd name="connsiteX12" fmla="*/ 318164 w 462728"/>
+                <a:gd name="connsiteY12" fmla="*/ 63217 h 1791818"/>
+                <a:gd name="connsiteX13" fmla="*/ 276477 w 462728"/>
+                <a:gd name="connsiteY13" fmla="*/ 5226 h 1791818"/>
+                <a:gd name="connsiteX14" fmla="*/ 187285 w 462728"/>
+                <a:gd name="connsiteY14" fmla="*/ 0 h 1791818"/>
+                <a:gd name="connsiteX15" fmla="*/ 147046 w 462728"/>
+                <a:gd name="connsiteY15" fmla="*/ 62366 h 1791818"/>
+                <a:gd name="connsiteX0" fmla="*/ 141807 w 457489"/>
+                <a:gd name="connsiteY0" fmla="*/ 62366 h 1791818"/>
+                <a:gd name="connsiteX1" fmla="*/ 142305 w 457489"/>
+                <a:gd name="connsiteY1" fmla="*/ 1143976 h 1791818"/>
+                <a:gd name="connsiteX2" fmla="*/ 35940 w 457489"/>
+                <a:gd name="connsiteY2" fmla="*/ 1245231 h 1791818"/>
+                <a:gd name="connsiteX3" fmla="*/ 0 w 457489"/>
+                <a:gd name="connsiteY3" fmla="*/ 1392255 h 1791818"/>
+                <a:gd name="connsiteX4" fmla="*/ 2672 w 457489"/>
+                <a:gd name="connsiteY4" fmla="*/ 1621053 h 1791818"/>
+                <a:gd name="connsiteX5" fmla="*/ 91895 w 457489"/>
+                <a:gd name="connsiteY5" fmla="*/ 1784174 h 1791818"/>
+                <a:gd name="connsiteX6" fmla="*/ 244193 w 457489"/>
+                <a:gd name="connsiteY6" fmla="*/ 1791818 h 1791818"/>
+                <a:gd name="connsiteX7" fmla="*/ 350093 w 457489"/>
+                <a:gd name="connsiteY7" fmla="*/ 1784174 h 1791818"/>
+                <a:gd name="connsiteX8" fmla="*/ 451782 w 457489"/>
+                <a:gd name="connsiteY8" fmla="*/ 1612853 h 1791818"/>
+                <a:gd name="connsiteX9" fmla="*/ 457479 w 457489"/>
+                <a:gd name="connsiteY9" fmla="*/ 1397463 h 1791818"/>
+                <a:gd name="connsiteX10" fmla="*/ 416269 w 457489"/>
+                <a:gd name="connsiteY10" fmla="*/ 1226730 h 1791818"/>
+                <a:gd name="connsiteX11" fmla="*/ 313321 w 457489"/>
+                <a:gd name="connsiteY11" fmla="*/ 1128268 h 1791818"/>
+                <a:gd name="connsiteX12" fmla="*/ 312925 w 457489"/>
+                <a:gd name="connsiteY12" fmla="*/ 63217 h 1791818"/>
+                <a:gd name="connsiteX13" fmla="*/ 271238 w 457489"/>
+                <a:gd name="connsiteY13" fmla="*/ 5226 h 1791818"/>
+                <a:gd name="connsiteX14" fmla="*/ 182046 w 457489"/>
+                <a:gd name="connsiteY14" fmla="*/ 0 h 1791818"/>
+                <a:gd name="connsiteX15" fmla="*/ 141807 w 457489"/>
+                <a:gd name="connsiteY15" fmla="*/ 62366 h 1791818"/>
+                <a:gd name="connsiteX0" fmla="*/ 141807 w 457489"/>
+                <a:gd name="connsiteY0" fmla="*/ 62366 h 1791818"/>
+                <a:gd name="connsiteX1" fmla="*/ 142305 w 457489"/>
+                <a:gd name="connsiteY1" fmla="*/ 1143976 h 1791818"/>
+                <a:gd name="connsiteX2" fmla="*/ 46417 w 457489"/>
+                <a:gd name="connsiteY2" fmla="*/ 1226193 h 1791818"/>
+                <a:gd name="connsiteX3" fmla="*/ 0 w 457489"/>
+                <a:gd name="connsiteY3" fmla="*/ 1392255 h 1791818"/>
+                <a:gd name="connsiteX4" fmla="*/ 2672 w 457489"/>
+                <a:gd name="connsiteY4" fmla="*/ 1621053 h 1791818"/>
+                <a:gd name="connsiteX5" fmla="*/ 91895 w 457489"/>
+                <a:gd name="connsiteY5" fmla="*/ 1784174 h 1791818"/>
+                <a:gd name="connsiteX6" fmla="*/ 244193 w 457489"/>
+                <a:gd name="connsiteY6" fmla="*/ 1791818 h 1791818"/>
+                <a:gd name="connsiteX7" fmla="*/ 350093 w 457489"/>
+                <a:gd name="connsiteY7" fmla="*/ 1784174 h 1791818"/>
+                <a:gd name="connsiteX8" fmla="*/ 451782 w 457489"/>
+                <a:gd name="connsiteY8" fmla="*/ 1612853 h 1791818"/>
+                <a:gd name="connsiteX9" fmla="*/ 457479 w 457489"/>
+                <a:gd name="connsiteY9" fmla="*/ 1397463 h 1791818"/>
+                <a:gd name="connsiteX10" fmla="*/ 416269 w 457489"/>
+                <a:gd name="connsiteY10" fmla="*/ 1226730 h 1791818"/>
+                <a:gd name="connsiteX11" fmla="*/ 313321 w 457489"/>
+                <a:gd name="connsiteY11" fmla="*/ 1128268 h 1791818"/>
+                <a:gd name="connsiteX12" fmla="*/ 312925 w 457489"/>
+                <a:gd name="connsiteY12" fmla="*/ 63217 h 1791818"/>
+                <a:gd name="connsiteX13" fmla="*/ 271238 w 457489"/>
+                <a:gd name="connsiteY13" fmla="*/ 5226 h 1791818"/>
+                <a:gd name="connsiteX14" fmla="*/ 182046 w 457489"/>
+                <a:gd name="connsiteY14" fmla="*/ 0 h 1791818"/>
+                <a:gd name="connsiteX15" fmla="*/ 141807 w 457489"/>
+                <a:gd name="connsiteY15" fmla="*/ 62366 h 1791818"/>
+                <a:gd name="connsiteX0" fmla="*/ 141807 w 457489"/>
+                <a:gd name="connsiteY0" fmla="*/ 62366 h 1791818"/>
+                <a:gd name="connsiteX1" fmla="*/ 142305 w 457489"/>
+                <a:gd name="connsiteY1" fmla="*/ 1143976 h 1791818"/>
+                <a:gd name="connsiteX2" fmla="*/ 46417 w 457489"/>
+                <a:gd name="connsiteY2" fmla="*/ 1226193 h 1791818"/>
+                <a:gd name="connsiteX3" fmla="*/ 0 w 457489"/>
+                <a:gd name="connsiteY3" fmla="*/ 1392255 h 1791818"/>
+                <a:gd name="connsiteX4" fmla="*/ 2672 w 457489"/>
+                <a:gd name="connsiteY4" fmla="*/ 1621053 h 1791818"/>
+                <a:gd name="connsiteX5" fmla="*/ 91895 w 457489"/>
+                <a:gd name="connsiteY5" fmla="*/ 1784174 h 1791818"/>
+                <a:gd name="connsiteX6" fmla="*/ 244193 w 457489"/>
+                <a:gd name="connsiteY6" fmla="*/ 1791818 h 1791818"/>
+                <a:gd name="connsiteX7" fmla="*/ 350093 w 457489"/>
+                <a:gd name="connsiteY7" fmla="*/ 1784174 h 1791818"/>
+                <a:gd name="connsiteX8" fmla="*/ 451782 w 457489"/>
+                <a:gd name="connsiteY8" fmla="*/ 1612853 h 1791818"/>
+                <a:gd name="connsiteX9" fmla="*/ 457479 w 457489"/>
+                <a:gd name="connsiteY9" fmla="*/ 1397463 h 1791818"/>
+                <a:gd name="connsiteX10" fmla="*/ 419761 w 457489"/>
+                <a:gd name="connsiteY10" fmla="*/ 1223556 h 1791818"/>
+                <a:gd name="connsiteX11" fmla="*/ 313321 w 457489"/>
+                <a:gd name="connsiteY11" fmla="*/ 1128268 h 1791818"/>
+                <a:gd name="connsiteX12" fmla="*/ 312925 w 457489"/>
+                <a:gd name="connsiteY12" fmla="*/ 63217 h 1791818"/>
+                <a:gd name="connsiteX13" fmla="*/ 271238 w 457489"/>
+                <a:gd name="connsiteY13" fmla="*/ 5226 h 1791818"/>
+                <a:gd name="connsiteX14" fmla="*/ 182046 w 457489"/>
+                <a:gd name="connsiteY14" fmla="*/ 0 h 1791818"/>
+                <a:gd name="connsiteX15" fmla="*/ 141807 w 457489"/>
+                <a:gd name="connsiteY15" fmla="*/ 62366 h 1791818"/>
+                <a:gd name="connsiteX0" fmla="*/ 141807 w 457489"/>
+                <a:gd name="connsiteY0" fmla="*/ 62366 h 1791818"/>
+                <a:gd name="connsiteX1" fmla="*/ 142305 w 457489"/>
+                <a:gd name="connsiteY1" fmla="*/ 1143976 h 1791818"/>
+                <a:gd name="connsiteX2" fmla="*/ 46417 w 457489"/>
+                <a:gd name="connsiteY2" fmla="*/ 1226193 h 1791818"/>
+                <a:gd name="connsiteX3" fmla="*/ 0 w 457489"/>
+                <a:gd name="connsiteY3" fmla="*/ 1392255 h 1791818"/>
+                <a:gd name="connsiteX4" fmla="*/ 2672 w 457489"/>
+                <a:gd name="connsiteY4" fmla="*/ 1621053 h 1791818"/>
+                <a:gd name="connsiteX5" fmla="*/ 91895 w 457489"/>
+                <a:gd name="connsiteY5" fmla="*/ 1784174 h 1791818"/>
+                <a:gd name="connsiteX6" fmla="*/ 244193 w 457489"/>
+                <a:gd name="connsiteY6" fmla="*/ 1791818 h 1791818"/>
+                <a:gd name="connsiteX7" fmla="*/ 350093 w 457489"/>
+                <a:gd name="connsiteY7" fmla="*/ 1784174 h 1791818"/>
+                <a:gd name="connsiteX8" fmla="*/ 451782 w 457489"/>
+                <a:gd name="connsiteY8" fmla="*/ 1612853 h 1791818"/>
+                <a:gd name="connsiteX9" fmla="*/ 457479 w 457489"/>
+                <a:gd name="connsiteY9" fmla="*/ 1397463 h 1791818"/>
+                <a:gd name="connsiteX10" fmla="*/ 419761 w 457489"/>
+                <a:gd name="connsiteY10" fmla="*/ 1223556 h 1791818"/>
+                <a:gd name="connsiteX11" fmla="*/ 313321 w 457489"/>
+                <a:gd name="connsiteY11" fmla="*/ 1128268 h 1791818"/>
+                <a:gd name="connsiteX12" fmla="*/ 312925 w 457489"/>
+                <a:gd name="connsiteY12" fmla="*/ 63217 h 1791818"/>
+                <a:gd name="connsiteX13" fmla="*/ 271238 w 457489"/>
+                <a:gd name="connsiteY13" fmla="*/ 5226 h 1791818"/>
+                <a:gd name="connsiteX14" fmla="*/ 182046 w 457489"/>
+                <a:gd name="connsiteY14" fmla="*/ 0 h 1791818"/>
+                <a:gd name="connsiteX15" fmla="*/ 141807 w 457489"/>
+                <a:gd name="connsiteY15" fmla="*/ 62366 h 1791818"/>
+                <a:gd name="connsiteX0" fmla="*/ 141807 w 457489"/>
+                <a:gd name="connsiteY0" fmla="*/ 62366 h 1791818"/>
+                <a:gd name="connsiteX1" fmla="*/ 142305 w 457489"/>
+                <a:gd name="connsiteY1" fmla="*/ 1143976 h 1791818"/>
+                <a:gd name="connsiteX2" fmla="*/ 46417 w 457489"/>
+                <a:gd name="connsiteY2" fmla="*/ 1226193 h 1791818"/>
+                <a:gd name="connsiteX3" fmla="*/ 0 w 457489"/>
+                <a:gd name="connsiteY3" fmla="*/ 1392255 h 1791818"/>
+                <a:gd name="connsiteX4" fmla="*/ 2672 w 457489"/>
+                <a:gd name="connsiteY4" fmla="*/ 1621053 h 1791818"/>
+                <a:gd name="connsiteX5" fmla="*/ 91895 w 457489"/>
+                <a:gd name="connsiteY5" fmla="*/ 1784174 h 1791818"/>
+                <a:gd name="connsiteX6" fmla="*/ 244193 w 457489"/>
+                <a:gd name="connsiteY6" fmla="*/ 1791818 h 1791818"/>
+                <a:gd name="connsiteX7" fmla="*/ 350093 w 457489"/>
+                <a:gd name="connsiteY7" fmla="*/ 1784174 h 1791818"/>
+                <a:gd name="connsiteX8" fmla="*/ 451782 w 457489"/>
+                <a:gd name="connsiteY8" fmla="*/ 1612853 h 1791818"/>
+                <a:gd name="connsiteX9" fmla="*/ 457479 w 457489"/>
+                <a:gd name="connsiteY9" fmla="*/ 1397463 h 1791818"/>
+                <a:gd name="connsiteX10" fmla="*/ 419761 w 457489"/>
+                <a:gd name="connsiteY10" fmla="*/ 1223556 h 1791818"/>
+                <a:gd name="connsiteX11" fmla="*/ 313321 w 457489"/>
+                <a:gd name="connsiteY11" fmla="*/ 1128268 h 1791818"/>
+                <a:gd name="connsiteX12" fmla="*/ 312925 w 457489"/>
+                <a:gd name="connsiteY12" fmla="*/ 63217 h 1791818"/>
+                <a:gd name="connsiteX13" fmla="*/ 271238 w 457489"/>
+                <a:gd name="connsiteY13" fmla="*/ 5226 h 1791818"/>
+                <a:gd name="connsiteX14" fmla="*/ 182046 w 457489"/>
+                <a:gd name="connsiteY14" fmla="*/ 0 h 1791818"/>
+                <a:gd name="connsiteX15" fmla="*/ 141807 w 457489"/>
+                <a:gd name="connsiteY15" fmla="*/ 62366 h 1791818"/>
+                <a:gd name="connsiteX0" fmla="*/ 141807 w 457489"/>
+                <a:gd name="connsiteY0" fmla="*/ 66659 h 1796111"/>
+                <a:gd name="connsiteX1" fmla="*/ 142305 w 457489"/>
+                <a:gd name="connsiteY1" fmla="*/ 1148269 h 1796111"/>
+                <a:gd name="connsiteX2" fmla="*/ 46417 w 457489"/>
+                <a:gd name="connsiteY2" fmla="*/ 1230486 h 1796111"/>
+                <a:gd name="connsiteX3" fmla="*/ 0 w 457489"/>
+                <a:gd name="connsiteY3" fmla="*/ 1396548 h 1796111"/>
+                <a:gd name="connsiteX4" fmla="*/ 2672 w 457489"/>
+                <a:gd name="connsiteY4" fmla="*/ 1625346 h 1796111"/>
+                <a:gd name="connsiteX5" fmla="*/ 91895 w 457489"/>
+                <a:gd name="connsiteY5" fmla="*/ 1788467 h 1796111"/>
+                <a:gd name="connsiteX6" fmla="*/ 244193 w 457489"/>
+                <a:gd name="connsiteY6" fmla="*/ 1796111 h 1796111"/>
+                <a:gd name="connsiteX7" fmla="*/ 350093 w 457489"/>
+                <a:gd name="connsiteY7" fmla="*/ 1788467 h 1796111"/>
+                <a:gd name="connsiteX8" fmla="*/ 451782 w 457489"/>
+                <a:gd name="connsiteY8" fmla="*/ 1617146 h 1796111"/>
+                <a:gd name="connsiteX9" fmla="*/ 457479 w 457489"/>
+                <a:gd name="connsiteY9" fmla="*/ 1401756 h 1796111"/>
+                <a:gd name="connsiteX10" fmla="*/ 419761 w 457489"/>
+                <a:gd name="connsiteY10" fmla="*/ 1227849 h 1796111"/>
+                <a:gd name="connsiteX11" fmla="*/ 313321 w 457489"/>
+                <a:gd name="connsiteY11" fmla="*/ 1132561 h 1796111"/>
+                <a:gd name="connsiteX12" fmla="*/ 312925 w 457489"/>
+                <a:gd name="connsiteY12" fmla="*/ 67510 h 1796111"/>
+                <a:gd name="connsiteX13" fmla="*/ 269492 w 457489"/>
+                <a:gd name="connsiteY13" fmla="*/ 0 h 1796111"/>
+                <a:gd name="connsiteX14" fmla="*/ 182046 w 457489"/>
+                <a:gd name="connsiteY14" fmla="*/ 4293 h 1796111"/>
+                <a:gd name="connsiteX15" fmla="*/ 141807 w 457489"/>
+                <a:gd name="connsiteY15" fmla="*/ 66659 h 1796111"/>
+                <a:gd name="connsiteX0" fmla="*/ 141807 w 457489"/>
+                <a:gd name="connsiteY0" fmla="*/ 66659 h 1796111"/>
+                <a:gd name="connsiteX1" fmla="*/ 142305 w 457489"/>
+                <a:gd name="connsiteY1" fmla="*/ 1148269 h 1796111"/>
+                <a:gd name="connsiteX2" fmla="*/ 46417 w 457489"/>
+                <a:gd name="connsiteY2" fmla="*/ 1230486 h 1796111"/>
+                <a:gd name="connsiteX3" fmla="*/ 0 w 457489"/>
+                <a:gd name="connsiteY3" fmla="*/ 1396548 h 1796111"/>
+                <a:gd name="connsiteX4" fmla="*/ 2672 w 457489"/>
+                <a:gd name="connsiteY4" fmla="*/ 1625346 h 1796111"/>
+                <a:gd name="connsiteX5" fmla="*/ 91895 w 457489"/>
+                <a:gd name="connsiteY5" fmla="*/ 1788467 h 1796111"/>
+                <a:gd name="connsiteX6" fmla="*/ 244193 w 457489"/>
+                <a:gd name="connsiteY6" fmla="*/ 1796111 h 1796111"/>
+                <a:gd name="connsiteX7" fmla="*/ 350093 w 457489"/>
+                <a:gd name="connsiteY7" fmla="*/ 1788467 h 1796111"/>
+                <a:gd name="connsiteX8" fmla="*/ 451782 w 457489"/>
+                <a:gd name="connsiteY8" fmla="*/ 1617146 h 1796111"/>
+                <a:gd name="connsiteX9" fmla="*/ 457479 w 457489"/>
+                <a:gd name="connsiteY9" fmla="*/ 1401756 h 1796111"/>
+                <a:gd name="connsiteX10" fmla="*/ 431984 w 457489"/>
+                <a:gd name="connsiteY10" fmla="*/ 1243715 h 1796111"/>
+                <a:gd name="connsiteX11" fmla="*/ 313321 w 457489"/>
+                <a:gd name="connsiteY11" fmla="*/ 1132561 h 1796111"/>
+                <a:gd name="connsiteX12" fmla="*/ 312925 w 457489"/>
+                <a:gd name="connsiteY12" fmla="*/ 67510 h 1796111"/>
+                <a:gd name="connsiteX13" fmla="*/ 269492 w 457489"/>
+                <a:gd name="connsiteY13" fmla="*/ 0 h 1796111"/>
+                <a:gd name="connsiteX14" fmla="*/ 182046 w 457489"/>
+                <a:gd name="connsiteY14" fmla="*/ 4293 h 1796111"/>
+                <a:gd name="connsiteX15" fmla="*/ 141807 w 457489"/>
+                <a:gd name="connsiteY15" fmla="*/ 66659 h 1796111"/>
+                <a:gd name="connsiteX0" fmla="*/ 141807 w 457489"/>
+                <a:gd name="connsiteY0" fmla="*/ 66659 h 1796111"/>
+                <a:gd name="connsiteX1" fmla="*/ 142305 w 457489"/>
+                <a:gd name="connsiteY1" fmla="*/ 1148269 h 1796111"/>
+                <a:gd name="connsiteX2" fmla="*/ 46417 w 457489"/>
+                <a:gd name="connsiteY2" fmla="*/ 1230486 h 1796111"/>
+                <a:gd name="connsiteX3" fmla="*/ 0 w 457489"/>
+                <a:gd name="connsiteY3" fmla="*/ 1396548 h 1796111"/>
+                <a:gd name="connsiteX4" fmla="*/ 2672 w 457489"/>
+                <a:gd name="connsiteY4" fmla="*/ 1625346 h 1796111"/>
+                <a:gd name="connsiteX5" fmla="*/ 91895 w 457489"/>
+                <a:gd name="connsiteY5" fmla="*/ 1788467 h 1796111"/>
+                <a:gd name="connsiteX6" fmla="*/ 244193 w 457489"/>
+                <a:gd name="connsiteY6" fmla="*/ 1796111 h 1796111"/>
+                <a:gd name="connsiteX7" fmla="*/ 350093 w 457489"/>
+                <a:gd name="connsiteY7" fmla="*/ 1788467 h 1796111"/>
+                <a:gd name="connsiteX8" fmla="*/ 451782 w 457489"/>
+                <a:gd name="connsiteY8" fmla="*/ 1617146 h 1796111"/>
+                <a:gd name="connsiteX9" fmla="*/ 457479 w 457489"/>
+                <a:gd name="connsiteY9" fmla="*/ 1401756 h 1796111"/>
+                <a:gd name="connsiteX10" fmla="*/ 424999 w 457489"/>
+                <a:gd name="connsiteY10" fmla="*/ 1227849 h 1796111"/>
+                <a:gd name="connsiteX11" fmla="*/ 313321 w 457489"/>
+                <a:gd name="connsiteY11" fmla="*/ 1132561 h 1796111"/>
+                <a:gd name="connsiteX12" fmla="*/ 312925 w 457489"/>
+                <a:gd name="connsiteY12" fmla="*/ 67510 h 1796111"/>
+                <a:gd name="connsiteX13" fmla="*/ 269492 w 457489"/>
+                <a:gd name="connsiteY13" fmla="*/ 0 h 1796111"/>
+                <a:gd name="connsiteX14" fmla="*/ 182046 w 457489"/>
+                <a:gd name="connsiteY14" fmla="*/ 4293 h 1796111"/>
+                <a:gd name="connsiteX15" fmla="*/ 141807 w 457489"/>
+                <a:gd name="connsiteY15" fmla="*/ 66659 h 1796111"/>
+                <a:gd name="connsiteX0" fmla="*/ 141807 w 457489"/>
+                <a:gd name="connsiteY0" fmla="*/ 66659 h 1796111"/>
+                <a:gd name="connsiteX1" fmla="*/ 142305 w 457489"/>
+                <a:gd name="connsiteY1" fmla="*/ 1148269 h 1796111"/>
+                <a:gd name="connsiteX2" fmla="*/ 46417 w 457489"/>
+                <a:gd name="connsiteY2" fmla="*/ 1230486 h 1796111"/>
+                <a:gd name="connsiteX3" fmla="*/ 0 w 457489"/>
+                <a:gd name="connsiteY3" fmla="*/ 1396548 h 1796111"/>
+                <a:gd name="connsiteX4" fmla="*/ 2672 w 457489"/>
+                <a:gd name="connsiteY4" fmla="*/ 1625346 h 1796111"/>
+                <a:gd name="connsiteX5" fmla="*/ 91895 w 457489"/>
+                <a:gd name="connsiteY5" fmla="*/ 1788467 h 1796111"/>
+                <a:gd name="connsiteX6" fmla="*/ 244193 w 457489"/>
+                <a:gd name="connsiteY6" fmla="*/ 1796111 h 1796111"/>
+                <a:gd name="connsiteX7" fmla="*/ 350093 w 457489"/>
+                <a:gd name="connsiteY7" fmla="*/ 1788467 h 1796111"/>
+                <a:gd name="connsiteX8" fmla="*/ 451782 w 457489"/>
+                <a:gd name="connsiteY8" fmla="*/ 1617146 h 1796111"/>
+                <a:gd name="connsiteX9" fmla="*/ 457479 w 457489"/>
+                <a:gd name="connsiteY9" fmla="*/ 1401756 h 1796111"/>
+                <a:gd name="connsiteX10" fmla="*/ 424999 w 457489"/>
+                <a:gd name="connsiteY10" fmla="*/ 1227849 h 1796111"/>
+                <a:gd name="connsiteX11" fmla="*/ 313321 w 457489"/>
+                <a:gd name="connsiteY11" fmla="*/ 1132561 h 1796111"/>
+                <a:gd name="connsiteX12" fmla="*/ 312925 w 457489"/>
+                <a:gd name="connsiteY12" fmla="*/ 67510 h 1796111"/>
+                <a:gd name="connsiteX13" fmla="*/ 269492 w 457489"/>
+                <a:gd name="connsiteY13" fmla="*/ 0 h 1796111"/>
+                <a:gd name="connsiteX14" fmla="*/ 182046 w 457489"/>
+                <a:gd name="connsiteY14" fmla="*/ 4293 h 1796111"/>
+                <a:gd name="connsiteX15" fmla="*/ 141807 w 457489"/>
+                <a:gd name="connsiteY15" fmla="*/ 66659 h 1796111"/>
+              </a:gdLst>
+              <a:ahLst/>
+              <a:cxnLst>
+                <a:cxn ang="0">
+                  <a:pos x="connsiteX0" y="connsiteY0"/>
+                </a:cxn>
+                <a:cxn ang="0">
+                  <a:pos x="connsiteX1" y="connsiteY1"/>
+                </a:cxn>
+                <a:cxn ang="0">
+                  <a:pos x="connsiteX2" y="connsiteY2"/>
+                </a:cxn>
+                <a:cxn ang="0">
+                  <a:pos x="connsiteX3" y="connsiteY3"/>
+                </a:cxn>
+                <a:cxn ang="0">
+                  <a:pos x="connsiteX4" y="connsiteY4"/>
+                </a:cxn>
+                <a:cxn ang="0">
+                  <a:pos x="connsiteX5" y="connsiteY5"/>
+                </a:cxn>
+                <a:cxn ang="0">
+                  <a:pos x="connsiteX6" y="connsiteY6"/>
+                </a:cxn>
+                <a:cxn ang="0">
+                  <a:pos x="connsiteX7" y="connsiteY7"/>
+                </a:cxn>
+                <a:cxn ang="0">
+                  <a:pos x="connsiteX8" y="connsiteY8"/>
+                </a:cxn>
+                <a:cxn ang="0">
+                  <a:pos x="connsiteX9" y="connsiteY9"/>
+                </a:cxn>
+                <a:cxn ang="0">
+                  <a:pos x="connsiteX10" y="connsiteY10"/>
+                </a:cxn>
+                <a:cxn ang="0">
+                  <a:pos x="connsiteX11" y="connsiteY11"/>
+                </a:cxn>
+                <a:cxn ang="0">
+                  <a:pos x="connsiteX12" y="connsiteY12"/>
+                </a:cxn>
+                <a:cxn ang="0">
+                  <a:pos x="connsiteX13" y="connsiteY13"/>
+                </a:cxn>
+                <a:cxn ang="0">
+                  <a:pos x="connsiteX14" y="connsiteY14"/>
+                </a:cxn>
+                <a:cxn ang="0">
+                  <a:pos x="connsiteX15" y="connsiteY15"/>
+                </a:cxn>
+              </a:cxnLst>
+              <a:rect l="l" t="t" r="r" b="b"/>
+              <a:pathLst>
+                <a:path w="457489" h="1796111">
+                  <a:moveTo>
+                    <a:pt x="141807" y="66659"/>
+                  </a:moveTo>
+                  <a:lnTo>
+                    <a:pt x="142305" y="1148269"/>
+                  </a:lnTo>
+                  <a:lnTo>
+                    <a:pt x="46417" y="1230486"/>
+                  </a:lnTo>
+                  <a:cubicBezTo>
+                    <a:pt x="9991" y="1315456"/>
+                    <a:pt x="13726" y="1330617"/>
+                    <a:pt x="0" y="1396548"/>
+                  </a:cubicBezTo>
+                  <a:cubicBezTo>
+                    <a:pt x="891" y="1472814"/>
+                    <a:pt x="1781" y="1549080"/>
+                    <a:pt x="2672" y="1625346"/>
+                  </a:cubicBezTo>
+                  <a:cubicBezTo>
+                    <a:pt x="21936" y="1724143"/>
+                    <a:pt x="53424" y="1749958"/>
+                    <a:pt x="91895" y="1788467"/>
+                  </a:cubicBezTo>
+                  <a:lnTo>
+                    <a:pt x="244193" y="1796111"/>
+                  </a:lnTo>
+                  <a:lnTo>
+                    <a:pt x="350093" y="1788467"/>
+                  </a:lnTo>
+                  <a:cubicBezTo>
+                    <a:pt x="390973" y="1744052"/>
+                    <a:pt x="428363" y="1696465"/>
+                    <a:pt x="451782" y="1617146"/>
+                  </a:cubicBezTo>
+                  <a:cubicBezTo>
+                    <a:pt x="451481" y="1523359"/>
+                    <a:pt x="457780" y="1495543"/>
+                    <a:pt x="457479" y="1401756"/>
+                  </a:cubicBezTo>
+                  <a:cubicBezTo>
+                    <a:pt x="443742" y="1344845"/>
+                    <a:pt x="450959" y="1303799"/>
+                    <a:pt x="424999" y="1227849"/>
+                  </a:cubicBezTo>
+                  <a:lnTo>
+                    <a:pt x="313321" y="1132561"/>
+                  </a:lnTo>
+                  <a:cubicBezTo>
+                    <a:pt x="315972" y="729695"/>
+                    <a:pt x="310274" y="470376"/>
+                    <a:pt x="312925" y="67510"/>
+                  </a:cubicBezTo>
+                  <a:cubicBezTo>
+                    <a:pt x="302521" y="29141"/>
+                    <a:pt x="283388" y="19330"/>
+                    <a:pt x="269492" y="0"/>
+                  </a:cubicBezTo>
+                  <a:lnTo>
+                    <a:pt x="182046" y="4293"/>
+                  </a:lnTo>
+                  <a:cubicBezTo>
+                    <a:pt x="168633" y="25082"/>
+                    <a:pt x="151728" y="30005"/>
+                    <a:pt x="141807" y="66659"/>
+                  </a:cubicBezTo>
+                  <a:close/>
+                </a:path>
+              </a:pathLst>
+            </a:custGeom>
+            <a:gradFill>
+              <a:gsLst>
+                <a:gs pos="4000">
+                  <a:schemeClr val="tx2">
+                    <a:lumMod val="25000"/>
+                    <a:lumOff val="75000"/>
+                  </a:schemeClr>
+                </a:gs>
+                <a:gs pos="100000">
+                  <a:schemeClr val="tx2">
+                    <a:lumMod val="75000"/>
+                    <a:lumOff val="25000"/>
+                  </a:schemeClr>
+                </a:gs>
+                <a:gs pos="18000">
+                  <a:schemeClr val="tx2">
+                    <a:lumMod val="50000"/>
+                    <a:lumOff val="50000"/>
+                  </a:schemeClr>
+                </a:gs>
+              </a:gsLst>
+              <a:lin ang="2700000" scaled="1"/>
+            </a:gradFill>
+            <a:ln>
+              <a:noFill/>
+            </a:ln>
+            <a:scene3d>
+              <a:camera prst="orthographicFront"/>
+              <a:lightRig rig="threePt" dir="t"/>
+            </a:scene3d>
+            <a:sp3d>
+              <a:bevelT w="101600" h="101600"/>
+              <a:bevelB w="101600" h="101600"/>
+            </a:sp3d>
+          </p:spPr>
+          <p:style>
+            <a:lnRef idx="2">
+              <a:schemeClr val="accent1">
+                <a:shade val="15000"/>
+              </a:schemeClr>
+            </a:lnRef>
+            <a:fillRef idx="1">
+              <a:schemeClr val="accent1"/>
+            </a:fillRef>
+            <a:effectRef idx="0">
+              <a:schemeClr val="accent1"/>
+            </a:effectRef>
+            <a:fontRef idx="minor">
+              <a:schemeClr val="lt1"/>
+            </a:fontRef>
+          </p:style>
+          <p:txBody>
+            <a:bodyPr rtlCol="0" anchor="ctr"/>
+            <a:lstStyle/>
+            <a:p>
+              <a:pPr algn="ctr"/>
+              <a:endParaRPr lang="en-US"/>
+            </a:p>
+          </p:txBody>
+        </p:sp>
+        <p:cxnSp>
+          <p:nvCxnSpPr>
+            <p:cNvPr id="35" name="Straight Connector 34">
+              <a:extLst>
+                <a:ext uri="{FF2B5EF4-FFF2-40B4-BE49-F238E27FC236}">
+                  <a16:creationId xmlns:a16="http://schemas.microsoft.com/office/drawing/2014/main" id="{731A5DAB-4E6C-6985-EE9F-D35C40E9FAD4}"/>
+                </a:ext>
+              </a:extLst>
+            </p:cNvPr>
+            <p:cNvCxnSpPr>
+              <a:cxnSpLocks/>
+            </p:cNvCxnSpPr>
+            <p:nvPr/>
+          </p:nvCxnSpPr>
+          <p:spPr>
+            <a:xfrm>
+              <a:off x="4916631" y="3374365"/>
+              <a:ext cx="92195" cy="0"/>
+            </a:xfrm>
+            <a:prstGeom prst="line">
+              <a:avLst/>
+            </a:prstGeom>
+            <a:ln>
+              <a:solidFill>
+                <a:schemeClr val="tx1"/>
+              </a:solidFill>
+            </a:ln>
+          </p:spPr>
+          <p:style>
+            <a:lnRef idx="2">
+              <a:schemeClr val="accent1"/>
+            </a:lnRef>
+            <a:fillRef idx="0">
+              <a:schemeClr val="accent1"/>
+            </a:fillRef>
+            <a:effectRef idx="1">
+              <a:schemeClr val="accent1"/>
+            </a:effectRef>
+            <a:fontRef idx="minor">
+              <a:schemeClr val="tx1"/>
+            </a:fontRef>
+          </p:style>
+        </p:cxnSp>
+        <p:cxnSp>
+          <p:nvCxnSpPr>
+            <p:cNvPr id="36" name="Straight Connector 35">
+              <a:extLst>
+                <a:ext uri="{FF2B5EF4-FFF2-40B4-BE49-F238E27FC236}">
+                  <a16:creationId xmlns:a16="http://schemas.microsoft.com/office/drawing/2014/main" id="{498D70D1-9DF5-2D3B-EE99-4090B574E691}"/>
+                </a:ext>
+              </a:extLst>
+            </p:cNvPr>
+            <p:cNvCxnSpPr>
+              <a:cxnSpLocks/>
+            </p:cNvCxnSpPr>
+            <p:nvPr/>
+          </p:nvCxnSpPr>
+          <p:spPr>
+            <a:xfrm>
+              <a:off x="4916631" y="3447019"/>
+              <a:ext cx="92195" cy="0"/>
+            </a:xfrm>
+            <a:prstGeom prst="line">
+              <a:avLst/>
+            </a:prstGeom>
+            <a:ln>
+              <a:solidFill>
+                <a:schemeClr val="tx1"/>
+              </a:solidFill>
+            </a:ln>
+          </p:spPr>
+          <p:style>
+            <a:lnRef idx="2">
+              <a:schemeClr val="accent1"/>
+            </a:lnRef>
+            <a:fillRef idx="0">
+              <a:schemeClr val="accent1"/>
+            </a:fillRef>
+            <a:effectRef idx="1">
+              <a:schemeClr val="accent1"/>
+            </a:effectRef>
+            <a:fontRef idx="minor">
+              <a:schemeClr val="tx1"/>
+            </a:fontRef>
+          </p:style>
+        </p:cxnSp>
+        <p:cxnSp>
+          <p:nvCxnSpPr>
+            <p:cNvPr id="37" name="Straight Connector 36">
+              <a:extLst>
+                <a:ext uri="{FF2B5EF4-FFF2-40B4-BE49-F238E27FC236}">
+                  <a16:creationId xmlns:a16="http://schemas.microsoft.com/office/drawing/2014/main" id="{AEC8008D-3EE2-8C8C-FB51-F4315391F6AE}"/>
+                </a:ext>
+              </a:extLst>
+            </p:cNvPr>
+            <p:cNvCxnSpPr>
+              <a:cxnSpLocks/>
+            </p:cNvCxnSpPr>
+            <p:nvPr/>
+          </p:nvCxnSpPr>
+          <p:spPr>
+            <a:xfrm>
+              <a:off x="4916631" y="3523338"/>
+              <a:ext cx="92195" cy="0"/>
+            </a:xfrm>
+            <a:prstGeom prst="line">
+              <a:avLst/>
+            </a:prstGeom>
+            <a:ln>
+              <a:solidFill>
+                <a:schemeClr val="tx1"/>
+              </a:solidFill>
+            </a:ln>
+          </p:spPr>
+          <p:style>
+            <a:lnRef idx="2">
+              <a:schemeClr val="accent1"/>
+            </a:lnRef>
+            <a:fillRef idx="0">
+              <a:schemeClr val="accent1"/>
+            </a:fillRef>
+            <a:effectRef idx="1">
+              <a:schemeClr val="accent1"/>
+            </a:effectRef>
+            <a:fontRef idx="minor">
+              <a:schemeClr val="tx1"/>
+            </a:fontRef>
+          </p:style>
+        </p:cxnSp>
+        <p:cxnSp>
+          <p:nvCxnSpPr>
+            <p:cNvPr id="38" name="Straight Connector 37">
+              <a:extLst>
+                <a:ext uri="{FF2B5EF4-FFF2-40B4-BE49-F238E27FC236}">
+                  <a16:creationId xmlns:a16="http://schemas.microsoft.com/office/drawing/2014/main" id="{34B1E6A1-B250-8C9B-9B84-09301E0865DE}"/>
+                </a:ext>
+              </a:extLst>
+            </p:cNvPr>
+            <p:cNvCxnSpPr>
+              <a:cxnSpLocks/>
+            </p:cNvCxnSpPr>
+            <p:nvPr/>
+          </p:nvCxnSpPr>
+          <p:spPr>
+            <a:xfrm>
+              <a:off x="4916631" y="3600279"/>
+              <a:ext cx="92195" cy="0"/>
+            </a:xfrm>
+            <a:prstGeom prst="line">
+              <a:avLst/>
+            </a:prstGeom>
+            <a:ln>
+              <a:solidFill>
+                <a:schemeClr val="tx1"/>
+              </a:solidFill>
+            </a:ln>
+          </p:spPr>
+          <p:style>
+            <a:lnRef idx="2">
+              <a:schemeClr val="accent1"/>
+            </a:lnRef>
+            <a:fillRef idx="0">
+              <a:schemeClr val="accent1"/>
+            </a:fillRef>
+            <a:effectRef idx="1">
+              <a:schemeClr val="accent1"/>
+            </a:effectRef>
+            <a:fontRef idx="minor">
+              <a:schemeClr val="tx1"/>
+            </a:fontRef>
+          </p:style>
+        </p:cxnSp>
+      </p:grpSp>
     </p:spTree>
     <p:extLst>
       <p:ext uri="{BB962C8B-B14F-4D97-AF65-F5344CB8AC3E}">

--- a/ESP32/T-HMI/shadow_buttons.pptx
+++ b/ESP32/T-HMI/shadow_buttons.pptx
@@ -241,7 +241,7 @@
           <a:p>
             <a:fld id="{EF30BD5C-3066-8345-81E7-CFA18801ABFB}" type="datetimeFigureOut">
               <a:rPr lang="en-US"/>
-              <a:t>10/2/24</a:t>
+              <a:t>10/30/24</a:t>
             </a:fld>
             <a:endParaRPr lang="en-US"/>
           </a:p>
@@ -409,7 +409,7 @@
           <a:p>
             <a:fld id="{EF30BD5C-3066-8345-81E7-CFA18801ABFB}" type="datetimeFigureOut">
               <a:rPr lang="en-US"/>
-              <a:t>10/2/24</a:t>
+              <a:t>10/30/24</a:t>
             </a:fld>
             <a:endParaRPr lang="en-US"/>
           </a:p>
@@ -587,7 +587,7 @@
           <a:p>
             <a:fld id="{EF30BD5C-3066-8345-81E7-CFA18801ABFB}" type="datetimeFigureOut">
               <a:rPr lang="en-US"/>
-              <a:t>10/2/24</a:t>
+              <a:t>10/30/24</a:t>
             </a:fld>
             <a:endParaRPr lang="en-US"/>
           </a:p>
@@ -755,7 +755,7 @@
           <a:p>
             <a:fld id="{EF30BD5C-3066-8345-81E7-CFA18801ABFB}" type="datetimeFigureOut">
               <a:rPr lang="en-US"/>
-              <a:t>10/2/24</a:t>
+              <a:t>10/30/24</a:t>
             </a:fld>
             <a:endParaRPr lang="en-US"/>
           </a:p>
@@ -1000,7 +1000,7 @@
           <a:p>
             <a:fld id="{EF30BD5C-3066-8345-81E7-CFA18801ABFB}" type="datetimeFigureOut">
               <a:rPr lang="en-US"/>
-              <a:t>10/2/24</a:t>
+              <a:t>10/30/24</a:t>
             </a:fld>
             <a:endParaRPr lang="en-US"/>
           </a:p>
@@ -1229,7 +1229,7 @@
           <a:p>
             <a:fld id="{EF30BD5C-3066-8345-81E7-CFA18801ABFB}" type="datetimeFigureOut">
               <a:rPr lang="en-US"/>
-              <a:t>10/2/24</a:t>
+              <a:t>10/30/24</a:t>
             </a:fld>
             <a:endParaRPr lang="en-US"/>
           </a:p>
@@ -1593,7 +1593,7 @@
           <a:p>
             <a:fld id="{EF30BD5C-3066-8345-81E7-CFA18801ABFB}" type="datetimeFigureOut">
               <a:rPr lang="en-US"/>
-              <a:t>10/2/24</a:t>
+              <a:t>10/30/24</a:t>
             </a:fld>
             <a:endParaRPr lang="en-US"/>
           </a:p>
@@ -1710,7 +1710,7 @@
           <a:p>
             <a:fld id="{EF30BD5C-3066-8345-81E7-CFA18801ABFB}" type="datetimeFigureOut">
               <a:rPr lang="en-US"/>
-              <a:t>10/2/24</a:t>
+              <a:t>10/30/24</a:t>
             </a:fld>
             <a:endParaRPr lang="en-US"/>
           </a:p>
@@ -1805,7 +1805,7 @@
           <a:p>
             <a:fld id="{EF30BD5C-3066-8345-81E7-CFA18801ABFB}" type="datetimeFigureOut">
               <a:rPr lang="en-US"/>
-              <a:t>10/2/24</a:t>
+              <a:t>10/30/24</a:t>
             </a:fld>
             <a:endParaRPr lang="en-US"/>
           </a:p>
@@ -2080,7 +2080,7 @@
           <a:p>
             <a:fld id="{EF30BD5C-3066-8345-81E7-CFA18801ABFB}" type="datetimeFigureOut">
               <a:rPr lang="en-US"/>
-              <a:t>10/2/24</a:t>
+              <a:t>10/30/24</a:t>
             </a:fld>
             <a:endParaRPr lang="en-US"/>
           </a:p>
@@ -2335,7 +2335,7 @@
           <a:p>
             <a:fld id="{EF30BD5C-3066-8345-81E7-CFA18801ABFB}" type="datetimeFigureOut">
               <a:rPr lang="en-US"/>
-              <a:t>10/2/24</a:t>
+              <a:t>10/30/24</a:t>
             </a:fld>
             <a:endParaRPr lang="en-US"/>
           </a:p>
@@ -2546,7 +2546,7 @@
           <a:p>
             <a:fld id="{EF30BD5C-3066-8345-81E7-CFA18801ABFB}" type="datetimeFigureOut">
               <a:rPr lang="en-US"/>
-              <a:t>10/2/24</a:t>
+              <a:t>10/30/24</a:t>
             </a:fld>
             <a:endParaRPr lang="en-US"/>
           </a:p>
@@ -2951,6 +2951,36 @@
           <a:chExt cx="0" cy="0"/>
         </a:xfrm>
       </p:grpSpPr>
+      <p:pic>
+        <p:nvPicPr>
+          <p:cNvPr id="23" name="Picture 22" descr="A blue square with white dots&#10;&#10;Description automatically generated">
+            <a:extLst>
+              <a:ext uri="{FF2B5EF4-FFF2-40B4-BE49-F238E27FC236}">
+                <a16:creationId xmlns:a16="http://schemas.microsoft.com/office/drawing/2014/main" id="{02E7AFD7-5665-B8D4-750E-42A0DCD1356F}"/>
+              </a:ext>
+            </a:extLst>
+          </p:cNvPr>
+          <p:cNvPicPr>
+            <a:picLocks noChangeAspect="1"/>
+          </p:cNvPicPr>
+          <p:nvPr/>
+        </p:nvPicPr>
+        <p:blipFill>
+          <a:blip r:embed="rId2"/>
+          <a:stretch>
+            <a:fillRect/>
+          </a:stretch>
+        </p:blipFill>
+        <p:spPr>
+          <a:xfrm>
+            <a:off x="192855" y="2509660"/>
+            <a:ext cx="3149692" cy="1609494"/>
+          </a:xfrm>
+          <a:prstGeom prst="rect">
+            <a:avLst/>
+          </a:prstGeom>
+        </p:spPr>
+      </p:pic>
       <p:sp>
         <p:nvSpPr>
           <p:cNvPr id="16" name="Rectangle 15">
@@ -7567,6 +7597,192 @@
           </p:style>
         </p:cxnSp>
       </p:grpSp>
+      <p:sp>
+        <p:nvSpPr>
+          <p:cNvPr id="10" name="Rectangle 9">
+            <a:extLst>
+              <a:ext uri="{FF2B5EF4-FFF2-40B4-BE49-F238E27FC236}">
+                <a16:creationId xmlns:a16="http://schemas.microsoft.com/office/drawing/2014/main" id="{60080149-9089-5D8C-610E-DB884C812E6D}"/>
+              </a:ext>
+            </a:extLst>
+          </p:cNvPr>
+          <p:cNvSpPr/>
+          <p:nvPr/>
+        </p:nvSpPr>
+        <p:spPr>
+          <a:xfrm>
+            <a:off x="380597" y="2698842"/>
+            <a:ext cx="2536272" cy="1323439"/>
+          </a:xfrm>
+          <a:prstGeom prst="rect">
+            <a:avLst/>
+          </a:prstGeom>
+          <a:noFill/>
+        </p:spPr>
+        <p:txBody>
+          <a:bodyPr wrap="none" lIns="91440" tIns="45720" rIns="91440" bIns="45720">
+            <a:spAutoFit/>
+          </a:bodyPr>
+          <a:lstStyle/>
+          <a:p>
+            <a:pPr algn="ctr"/>
+            <a:r>
+              <a:rPr lang="en-US" sz="8000" b="1" cap="none" spc="0" dirty="0">
+                <a:ln w="12700">
+                  <a:solidFill>
+                    <a:schemeClr val="accent1"/>
+                  </a:solidFill>
+                  <a:prstDash val="solid"/>
+                </a:ln>
+                <a:solidFill>
+                  <a:schemeClr val="bg1">
+                    <a:lumMod val="65000"/>
+                  </a:schemeClr>
+                </a:solidFill>
+                <a:effectLst>
+                  <a:outerShdw dist="38100" dir="2640000" algn="bl" rotWithShape="0">
+                    <a:schemeClr val="bg2">
+                      <a:lumMod val="50000"/>
+                    </a:schemeClr>
+                  </a:outerShdw>
+                </a:effectLst>
+                <a:latin typeface="Futura Condensed ExtraBold" panose="020B0602020204020303" pitchFamily="34" charset="-79"/>
+                <a:cs typeface="Futura Condensed ExtraBold" panose="020B0602020204020303" pitchFamily="34" charset="-79"/>
+              </a:rPr>
+              <a:t>MESC</a:t>
+            </a:r>
+            <a:endParaRPr lang="en-US" sz="8000" b="1" cap="none" spc="0" dirty="0">
+              <a:ln w="12700">
+                <a:solidFill>
+                  <a:schemeClr val="accent1"/>
+                </a:solidFill>
+                <a:prstDash val="solid"/>
+              </a:ln>
+              <a:solidFill>
+                <a:schemeClr val="bg1">
+                  <a:lumMod val="65000"/>
+                </a:schemeClr>
+              </a:solidFill>
+              <a:effectLst>
+                <a:outerShdw dist="38100" dir="2640000" algn="bl" rotWithShape="0">
+                  <a:schemeClr val="bg2">
+                    <a:lumMod val="50000"/>
+                  </a:schemeClr>
+                </a:outerShdw>
+              </a:effectLst>
+            </a:endParaRPr>
+          </a:p>
+        </p:txBody>
+      </p:sp>
+      <p:sp>
+        <p:nvSpPr>
+          <p:cNvPr id="28" name="Rectangle 27">
+            <a:extLst>
+              <a:ext uri="{FF2B5EF4-FFF2-40B4-BE49-F238E27FC236}">
+                <a16:creationId xmlns:a16="http://schemas.microsoft.com/office/drawing/2014/main" id="{19780B9A-7E5B-AF4F-1710-847A03A618B7}"/>
+              </a:ext>
+            </a:extLst>
+          </p:cNvPr>
+          <p:cNvSpPr/>
+          <p:nvPr/>
+        </p:nvSpPr>
+        <p:spPr>
+          <a:xfrm>
+            <a:off x="3476978" y="374245"/>
+            <a:ext cx="1359537" cy="666568"/>
+          </a:xfrm>
+          <a:prstGeom prst="rect">
+            <a:avLst/>
+          </a:prstGeom>
+          <a:solidFill>
+            <a:srgbClr val="3D3F4A"/>
+          </a:solidFill>
+        </p:spPr>
+        <p:style>
+          <a:lnRef idx="2">
+            <a:schemeClr val="accent1">
+              <a:shade val="15000"/>
+            </a:schemeClr>
+          </a:lnRef>
+          <a:fillRef idx="1">
+            <a:schemeClr val="accent1"/>
+          </a:fillRef>
+          <a:effectRef idx="0">
+            <a:schemeClr val="accent1"/>
+          </a:effectRef>
+          <a:fontRef idx="minor">
+            <a:schemeClr val="lt1"/>
+          </a:fontRef>
+        </p:style>
+        <p:txBody>
+          <a:bodyPr rtlCol="0" anchor="ctr"/>
+          <a:lstStyle/>
+          <a:p>
+            <a:pPr algn="ctr"/>
+            <a:endParaRPr lang="en-US" sz="400"/>
+          </a:p>
+        </p:txBody>
+      </p:sp>
+      <p:pic>
+        <p:nvPicPr>
+          <p:cNvPr id="25" name="Picture 24">
+            <a:extLst>
+              <a:ext uri="{FF2B5EF4-FFF2-40B4-BE49-F238E27FC236}">
+                <a16:creationId xmlns:a16="http://schemas.microsoft.com/office/drawing/2014/main" id="{A1E80DD8-A4DC-5B48-661A-164B7CE96C24}"/>
+              </a:ext>
+            </a:extLst>
+          </p:cNvPr>
+          <p:cNvPicPr>
+            <a:picLocks noChangeAspect="1"/>
+          </p:cNvPicPr>
+          <p:nvPr/>
+        </p:nvPicPr>
+        <p:blipFill>
+          <a:blip r:embed="rId3"/>
+          <a:stretch>
+            <a:fillRect/>
+          </a:stretch>
+        </p:blipFill>
+        <p:spPr>
+          <a:xfrm>
+            <a:off x="3691710" y="525476"/>
+            <a:ext cx="311061" cy="311061"/>
+          </a:xfrm>
+          <a:prstGeom prst="rect">
+            <a:avLst/>
+          </a:prstGeom>
+        </p:spPr>
+      </p:pic>
+      <p:pic>
+        <p:nvPicPr>
+          <p:cNvPr id="40" name="Picture 39" descr="A grey and black machine&#10;&#10;Description automatically generated with medium confidence">
+            <a:extLst>
+              <a:ext uri="{FF2B5EF4-FFF2-40B4-BE49-F238E27FC236}">
+                <a16:creationId xmlns:a16="http://schemas.microsoft.com/office/drawing/2014/main" id="{BF035AB7-3E3C-2492-C735-0F4A49E813F9}"/>
+              </a:ext>
+            </a:extLst>
+          </p:cNvPr>
+          <p:cNvPicPr>
+            <a:picLocks noChangeAspect="1"/>
+          </p:cNvPicPr>
+          <p:nvPr/>
+        </p:nvPicPr>
+        <p:blipFill>
+          <a:blip r:embed="rId4"/>
+          <a:stretch>
+            <a:fillRect/>
+          </a:stretch>
+        </p:blipFill>
+        <p:spPr>
+          <a:xfrm>
+            <a:off x="4112512" y="422831"/>
+            <a:ext cx="482430" cy="488461"/>
+          </a:xfrm>
+          <a:prstGeom prst="rect">
+            <a:avLst/>
+          </a:prstGeom>
+        </p:spPr>
+      </p:pic>
     </p:spTree>
     <p:extLst>
       <p:ext uri="{BB962C8B-B14F-4D97-AF65-F5344CB8AC3E}">
